--- a/Project Presentation.pptx
+++ b/Project Presentation.pptx
@@ -12,11 +12,15 @@
     <p:sldId id="259" r:id="rId6"/>
     <p:sldId id="264" r:id="rId7"/>
     <p:sldId id="261" r:id="rId8"/>
-    <p:sldId id="260" r:id="rId9"/>
-    <p:sldId id="263" r:id="rId10"/>
-    <p:sldId id="265" r:id="rId11"/>
-    <p:sldId id="266" r:id="rId12"/>
-    <p:sldId id="267" r:id="rId13"/>
+    <p:sldId id="269" r:id="rId9"/>
+    <p:sldId id="270" r:id="rId10"/>
+    <p:sldId id="271" r:id="rId11"/>
+    <p:sldId id="272" r:id="rId12"/>
+    <p:sldId id="260" r:id="rId13"/>
+    <p:sldId id="263" r:id="rId14"/>
+    <p:sldId id="265" r:id="rId15"/>
+    <p:sldId id="266" r:id="rId16"/>
+    <p:sldId id="267" r:id="rId17"/>
   </p:sldIdLst>
   <p:sldSz cx="12192000" cy="6858000"/>
   <p:notesSz cx="6858000" cy="9144000"/>
@@ -115,6 +119,11 @@
       </a:defRPr>
     </a:lvl9pPr>
   </p:defaultTextStyle>
+  <p:extLst>
+    <p:ext uri="{EFAFB233-063F-42B5-8137-9DF3F51BA10A}">
+      <p15:sldGuideLst xmlns:p15="http://schemas.microsoft.com/office/powerpoint/2012/main"/>
+    </p:ext>
+  </p:extLst>
 </p:presentation>
 </file>
 
@@ -168,7 +177,7 @@
           <a:noFill/>
           <a:extLst>
             <a:ext uri="{909E8E84-426E-40dd-AFC4-6F175D3DCCD1}">
-              <a14:hiddenFill xmlns:a14="http://schemas.microsoft.com/office/drawing/2010/main" xmlns="">
+              <a14:hiddenFill xmlns="" xmlns:a14="http://schemas.microsoft.com/office/drawing/2010/main">
                 <a:solidFill>
                   <a:srgbClr val="FFFFFF"/>
                 </a:solidFill>
@@ -228,7 +237,7 @@
             </a:ln>
             <a:extLst>
               <a:ext uri="{91240B29-F687-4f45-9708-019B960494DF}">
-                <a14:hiddenLine xmlns:a14="http://schemas.microsoft.com/office/drawing/2010/main" xmlns="" w="9525">
+                <a14:hiddenLine xmlns="" xmlns:a14="http://schemas.microsoft.com/office/drawing/2010/main" w="9525">
                   <a:solidFill>
                     <a:srgbClr val="000000"/>
                   </a:solidFill>
@@ -318,7 +327,7 @@
             </a:ln>
             <a:extLst>
               <a:ext uri="{91240B29-F687-4f45-9708-019B960494DF}">
-                <a14:hiddenLine xmlns:a14="http://schemas.microsoft.com/office/drawing/2010/main" xmlns="" w="9525">
+                <a14:hiddenLine xmlns="" xmlns:a14="http://schemas.microsoft.com/office/drawing/2010/main" w="9525">
                   <a:solidFill>
                     <a:srgbClr val="000000"/>
                   </a:solidFill>
@@ -408,7 +417,7 @@
             </a:ln>
             <a:extLst>
               <a:ext uri="{91240B29-F687-4f45-9708-019B960494DF}">
-                <a14:hiddenLine xmlns:a14="http://schemas.microsoft.com/office/drawing/2010/main" xmlns="" w="9525">
+                <a14:hiddenLine xmlns="" xmlns:a14="http://schemas.microsoft.com/office/drawing/2010/main" w="9525">
                   <a:solidFill>
                     <a:srgbClr val="000000"/>
                   </a:solidFill>
@@ -442,7 +451,7 @@
             </a:ln>
             <a:extLst>
               <a:ext uri="{91240B29-F687-4f45-9708-019B960494DF}">
-                <a14:hiddenLine xmlns:a14="http://schemas.microsoft.com/office/drawing/2010/main" xmlns="" w="9525">
+                <a14:hiddenLine xmlns="" xmlns:a14="http://schemas.microsoft.com/office/drawing/2010/main" w="9525">
                   <a:solidFill>
                     <a:srgbClr val="000000"/>
                   </a:solidFill>
@@ -532,7 +541,7 @@
             </a:ln>
             <a:extLst>
               <a:ext uri="{91240B29-F687-4f45-9708-019B960494DF}">
-                <a14:hiddenLine xmlns:a14="http://schemas.microsoft.com/office/drawing/2010/main" xmlns="" w="9525">
+                <a14:hiddenLine xmlns="" xmlns:a14="http://schemas.microsoft.com/office/drawing/2010/main" w="9525">
                   <a:solidFill>
                     <a:srgbClr val="000000"/>
                   </a:solidFill>
@@ -594,7 +603,7 @@
             </a:ln>
             <a:extLst>
               <a:ext uri="{91240B29-F687-4f45-9708-019B960494DF}">
-                <a14:hiddenLine xmlns:a14="http://schemas.microsoft.com/office/drawing/2010/main" xmlns="" w="9525">
+                <a14:hiddenLine xmlns="" xmlns:a14="http://schemas.microsoft.com/office/drawing/2010/main" w="9525">
                   <a:solidFill>
                     <a:srgbClr val="000000"/>
                   </a:solidFill>
@@ -656,7 +665,7 @@
             </a:ln>
             <a:extLst>
               <a:ext uri="{91240B29-F687-4f45-9708-019B960494DF}">
-                <a14:hiddenLine xmlns:a14="http://schemas.microsoft.com/office/drawing/2010/main" xmlns="" w="9525">
+                <a14:hiddenLine xmlns="" xmlns:a14="http://schemas.microsoft.com/office/drawing/2010/main" w="9525">
                   <a:solidFill>
                     <a:srgbClr val="000000"/>
                   </a:solidFill>
@@ -746,7 +755,7 @@
             </a:ln>
             <a:extLst>
               <a:ext uri="{91240B29-F687-4f45-9708-019B960494DF}">
-                <a14:hiddenLine xmlns:a14="http://schemas.microsoft.com/office/drawing/2010/main" xmlns="" w="9525">
+                <a14:hiddenLine xmlns="" xmlns:a14="http://schemas.microsoft.com/office/drawing/2010/main" w="9525">
                   <a:solidFill>
                     <a:srgbClr val="000000"/>
                   </a:solidFill>
@@ -808,7 +817,7 @@
             </a:ln>
             <a:extLst>
               <a:ext uri="{91240B29-F687-4f45-9708-019B960494DF}">
-                <a14:hiddenLine xmlns:a14="http://schemas.microsoft.com/office/drawing/2010/main" xmlns="" w="9525">
+                <a14:hiddenLine xmlns="" xmlns:a14="http://schemas.microsoft.com/office/drawing/2010/main" w="9525">
                   <a:solidFill>
                     <a:srgbClr val="000000"/>
                   </a:solidFill>
@@ -870,7 +879,7 @@
             </a:ln>
             <a:extLst>
               <a:ext uri="{91240B29-F687-4f45-9708-019B960494DF}">
-                <a14:hiddenLine xmlns:a14="http://schemas.microsoft.com/office/drawing/2010/main" xmlns="" w="9525">
+                <a14:hiddenLine xmlns="" xmlns:a14="http://schemas.microsoft.com/office/drawing/2010/main" w="9525">
                   <a:solidFill>
                     <a:srgbClr val="000000"/>
                   </a:solidFill>
@@ -960,7 +969,7 @@
             </a:ln>
             <a:extLst>
               <a:ext uri="{91240B29-F687-4f45-9708-019B960494DF}">
-                <a14:hiddenLine xmlns:a14="http://schemas.microsoft.com/office/drawing/2010/main" xmlns="" w="9525">
+                <a14:hiddenLine xmlns="" xmlns:a14="http://schemas.microsoft.com/office/drawing/2010/main" w="9525">
                   <a:solidFill>
                     <a:srgbClr val="000000"/>
                   </a:solidFill>
@@ -1050,7 +1059,7 @@
             </a:ln>
             <a:extLst>
               <a:ext uri="{91240B29-F687-4f45-9708-019B960494DF}">
-                <a14:hiddenLine xmlns:a14="http://schemas.microsoft.com/office/drawing/2010/main" xmlns="" w="9525">
+                <a14:hiddenLine xmlns="" xmlns:a14="http://schemas.microsoft.com/office/drawing/2010/main" w="9525">
                   <a:solidFill>
                     <a:srgbClr val="000000"/>
                   </a:solidFill>
@@ -1112,7 +1121,7 @@
             </a:ln>
             <a:extLst>
               <a:ext uri="{91240B29-F687-4f45-9708-019B960494DF}">
-                <a14:hiddenLine xmlns:a14="http://schemas.microsoft.com/office/drawing/2010/main" xmlns="" w="9525">
+                <a14:hiddenLine xmlns="" xmlns:a14="http://schemas.microsoft.com/office/drawing/2010/main" w="9525">
                   <a:solidFill>
                     <a:srgbClr val="000000"/>
                   </a:solidFill>
@@ -1222,7 +1231,7 @@
             </a:ln>
             <a:extLst>
               <a:ext uri="{91240B29-F687-4f45-9708-019B960494DF}">
-                <a14:hiddenLine xmlns:a14="http://schemas.microsoft.com/office/drawing/2010/main" xmlns="" w="9525">
+                <a14:hiddenLine xmlns="" xmlns:a14="http://schemas.microsoft.com/office/drawing/2010/main" w="9525">
                   <a:solidFill>
                     <a:srgbClr val="000000"/>
                   </a:solidFill>
@@ -1284,7 +1293,7 @@
             </a:ln>
             <a:extLst>
               <a:ext uri="{91240B29-F687-4f45-9708-019B960494DF}">
-                <a14:hiddenLine xmlns:a14="http://schemas.microsoft.com/office/drawing/2010/main" xmlns="" w="9525">
+                <a14:hiddenLine xmlns="" xmlns:a14="http://schemas.microsoft.com/office/drawing/2010/main" w="9525">
                   <a:solidFill>
                     <a:srgbClr val="000000"/>
                   </a:solidFill>
@@ -1374,7 +1383,7 @@
             </a:ln>
             <a:extLst>
               <a:ext uri="{91240B29-F687-4f45-9708-019B960494DF}">
-                <a14:hiddenLine xmlns:a14="http://schemas.microsoft.com/office/drawing/2010/main" xmlns="" w="9525">
+                <a14:hiddenLine xmlns="" xmlns:a14="http://schemas.microsoft.com/office/drawing/2010/main" w="9525">
                   <a:solidFill>
                     <a:srgbClr val="000000"/>
                   </a:solidFill>
@@ -1464,7 +1473,7 @@
             </a:ln>
             <a:extLst>
               <a:ext uri="{91240B29-F687-4f45-9708-019B960494DF}">
-                <a14:hiddenLine xmlns:a14="http://schemas.microsoft.com/office/drawing/2010/main" xmlns="" w="9525">
+                <a14:hiddenLine xmlns="" xmlns:a14="http://schemas.microsoft.com/office/drawing/2010/main" w="9525">
                   <a:solidFill>
                     <a:srgbClr val="000000"/>
                   </a:solidFill>
@@ -1526,7 +1535,7 @@
             </a:ln>
             <a:extLst>
               <a:ext uri="{91240B29-F687-4f45-9708-019B960494DF}">
-                <a14:hiddenLine xmlns:a14="http://schemas.microsoft.com/office/drawing/2010/main" xmlns="" w="9525">
+                <a14:hiddenLine xmlns="" xmlns:a14="http://schemas.microsoft.com/office/drawing/2010/main" w="9525">
                   <a:solidFill>
                     <a:srgbClr val="000000"/>
                   </a:solidFill>
@@ -1616,7 +1625,7 @@
             </a:ln>
             <a:extLst>
               <a:ext uri="{91240B29-F687-4f45-9708-019B960494DF}">
-                <a14:hiddenLine xmlns:a14="http://schemas.microsoft.com/office/drawing/2010/main" xmlns="" w="9525">
+                <a14:hiddenLine xmlns="" xmlns:a14="http://schemas.microsoft.com/office/drawing/2010/main" w="9525">
                   <a:solidFill>
                     <a:srgbClr val="000000"/>
                   </a:solidFill>
@@ -1706,7 +1715,7 @@
             </a:ln>
             <a:extLst>
               <a:ext uri="{91240B29-F687-4f45-9708-019B960494DF}">
-                <a14:hiddenLine xmlns:a14="http://schemas.microsoft.com/office/drawing/2010/main" xmlns="" w="9525">
+                <a14:hiddenLine xmlns="" xmlns:a14="http://schemas.microsoft.com/office/drawing/2010/main" w="9525">
                   <a:solidFill>
                     <a:srgbClr val="000000"/>
                   </a:solidFill>
@@ -1762,7 +1771,7 @@
             </a:ln>
             <a:extLst>
               <a:ext uri="{91240B29-F687-4f45-9708-019B960494DF}">
-                <a14:hiddenLine xmlns:a14="http://schemas.microsoft.com/office/drawing/2010/main" xmlns="" w="9525">
+                <a14:hiddenLine xmlns="" xmlns:a14="http://schemas.microsoft.com/office/drawing/2010/main" w="9525">
                   <a:solidFill>
                     <a:srgbClr val="000000"/>
                   </a:solidFill>
@@ -1852,7 +1861,7 @@
             </a:ln>
             <a:extLst>
               <a:ext uri="{91240B29-F687-4f45-9708-019B960494DF}">
-                <a14:hiddenLine xmlns:a14="http://schemas.microsoft.com/office/drawing/2010/main" xmlns="" w="9525">
+                <a14:hiddenLine xmlns="" xmlns:a14="http://schemas.microsoft.com/office/drawing/2010/main" w="9525">
                   <a:solidFill>
                     <a:srgbClr val="000000"/>
                   </a:solidFill>
@@ -1908,7 +1917,7 @@
             </a:ln>
             <a:extLst>
               <a:ext uri="{91240B29-F687-4f45-9708-019B960494DF}">
-                <a14:hiddenLine xmlns:a14="http://schemas.microsoft.com/office/drawing/2010/main" xmlns="" w="9525">
+                <a14:hiddenLine xmlns="" xmlns:a14="http://schemas.microsoft.com/office/drawing/2010/main" w="9525">
                   <a:solidFill>
                     <a:srgbClr val="000000"/>
                   </a:solidFill>
@@ -1998,7 +2007,7 @@
             </a:ln>
             <a:extLst>
               <a:ext uri="{91240B29-F687-4f45-9708-019B960494DF}">
-                <a14:hiddenLine xmlns:a14="http://schemas.microsoft.com/office/drawing/2010/main" xmlns="" w="9525">
+                <a14:hiddenLine xmlns="" xmlns:a14="http://schemas.microsoft.com/office/drawing/2010/main" w="9525">
                   <a:solidFill>
                     <a:srgbClr val="000000"/>
                   </a:solidFill>
@@ -2066,7 +2075,7 @@
             </a:ln>
             <a:extLst>
               <a:ext uri="{91240B29-F687-4f45-9708-019B960494DF}">
-                <a14:hiddenLine xmlns:a14="http://schemas.microsoft.com/office/drawing/2010/main" xmlns="" w="9525">
+                <a14:hiddenLine xmlns="" xmlns:a14="http://schemas.microsoft.com/office/drawing/2010/main" w="9525">
                   <a:solidFill>
                     <a:srgbClr val="000000"/>
                   </a:solidFill>
@@ -2156,7 +2165,7 @@
             </a:ln>
             <a:extLst>
               <a:ext uri="{91240B29-F687-4f45-9708-019B960494DF}">
-                <a14:hiddenLine xmlns:a14="http://schemas.microsoft.com/office/drawing/2010/main" xmlns="" w="9525">
+                <a14:hiddenLine xmlns="" xmlns:a14="http://schemas.microsoft.com/office/drawing/2010/main" w="9525">
                   <a:solidFill>
                     <a:srgbClr val="000000"/>
                   </a:solidFill>
@@ -2224,7 +2233,7 @@
             </a:ln>
             <a:extLst>
               <a:ext uri="{91240B29-F687-4f45-9708-019B960494DF}">
-                <a14:hiddenLine xmlns:a14="http://schemas.microsoft.com/office/drawing/2010/main" xmlns="" w="9525">
+                <a14:hiddenLine xmlns="" xmlns:a14="http://schemas.microsoft.com/office/drawing/2010/main" w="9525">
                   <a:solidFill>
                     <a:srgbClr val="000000"/>
                   </a:solidFill>
@@ -2314,7 +2323,7 @@
             </a:ln>
             <a:extLst>
               <a:ext uri="{91240B29-F687-4f45-9708-019B960494DF}">
-                <a14:hiddenLine xmlns:a14="http://schemas.microsoft.com/office/drawing/2010/main" xmlns="" w="9525">
+                <a14:hiddenLine xmlns="" xmlns:a14="http://schemas.microsoft.com/office/drawing/2010/main" w="9525">
                   <a:solidFill>
                     <a:srgbClr val="000000"/>
                   </a:solidFill>
@@ -2348,7 +2357,7 @@
             </a:ln>
             <a:extLst>
               <a:ext uri="{91240B29-F687-4f45-9708-019B960494DF}">
-                <a14:hiddenLine xmlns:a14="http://schemas.microsoft.com/office/drawing/2010/main" xmlns="" w="9525">
+                <a14:hiddenLine xmlns="" xmlns:a14="http://schemas.microsoft.com/office/drawing/2010/main" w="9525">
                   <a:solidFill>
                     <a:srgbClr val="000000"/>
                   </a:solidFill>
@@ -2438,7 +2447,7 @@
             </a:ln>
             <a:extLst>
               <a:ext uri="{91240B29-F687-4f45-9708-019B960494DF}">
-                <a14:hiddenLine xmlns:a14="http://schemas.microsoft.com/office/drawing/2010/main" xmlns="" w="9525">
+                <a14:hiddenLine xmlns="" xmlns:a14="http://schemas.microsoft.com/office/drawing/2010/main" w="9525">
                   <a:solidFill>
                     <a:srgbClr val="000000"/>
                   </a:solidFill>
@@ -2500,7 +2509,7 @@
             </a:ln>
             <a:extLst>
               <a:ext uri="{91240B29-F687-4f45-9708-019B960494DF}">
-                <a14:hiddenLine xmlns:a14="http://schemas.microsoft.com/office/drawing/2010/main" xmlns="" w="9525">
+                <a14:hiddenLine xmlns="" xmlns:a14="http://schemas.microsoft.com/office/drawing/2010/main" w="9525">
                   <a:solidFill>
                     <a:srgbClr val="000000"/>
                   </a:solidFill>
@@ -2562,7 +2571,7 @@
             </a:ln>
             <a:extLst>
               <a:ext uri="{91240B29-F687-4f45-9708-019B960494DF}">
-                <a14:hiddenLine xmlns:a14="http://schemas.microsoft.com/office/drawing/2010/main" xmlns="" w="9525">
+                <a14:hiddenLine xmlns="" xmlns:a14="http://schemas.microsoft.com/office/drawing/2010/main" w="9525">
                   <a:solidFill>
                     <a:srgbClr val="000000"/>
                   </a:solidFill>
@@ -2652,7 +2661,7 @@
             </a:ln>
             <a:extLst>
               <a:ext uri="{91240B29-F687-4f45-9708-019B960494DF}">
-                <a14:hiddenLine xmlns:a14="http://schemas.microsoft.com/office/drawing/2010/main" xmlns="" w="9525">
+                <a14:hiddenLine xmlns="" xmlns:a14="http://schemas.microsoft.com/office/drawing/2010/main" w="9525">
                   <a:solidFill>
                     <a:srgbClr val="000000"/>
                   </a:solidFill>
@@ -2720,7 +2729,7 @@
             </a:ln>
             <a:extLst>
               <a:ext uri="{91240B29-F687-4f45-9708-019B960494DF}">
-                <a14:hiddenLine xmlns:a14="http://schemas.microsoft.com/office/drawing/2010/main" xmlns="" w="9525">
+                <a14:hiddenLine xmlns="" xmlns:a14="http://schemas.microsoft.com/office/drawing/2010/main" w="9525">
                   <a:solidFill>
                     <a:srgbClr val="000000"/>
                   </a:solidFill>
@@ -2782,7 +2791,7 @@
             </a:ln>
             <a:extLst>
               <a:ext uri="{91240B29-F687-4f45-9708-019B960494DF}">
-                <a14:hiddenLine xmlns:a14="http://schemas.microsoft.com/office/drawing/2010/main" xmlns="" w="9525">
+                <a14:hiddenLine xmlns="" xmlns:a14="http://schemas.microsoft.com/office/drawing/2010/main" w="9525">
                   <a:solidFill>
                     <a:srgbClr val="000000"/>
                   </a:solidFill>
@@ -2872,7 +2881,7 @@
             </a:ln>
             <a:extLst>
               <a:ext uri="{91240B29-F687-4f45-9708-019B960494DF}">
-                <a14:hiddenLine xmlns:a14="http://schemas.microsoft.com/office/drawing/2010/main" xmlns="" w="9525">
+                <a14:hiddenLine xmlns="" xmlns:a14="http://schemas.microsoft.com/office/drawing/2010/main" w="9525">
                   <a:solidFill>
                     <a:srgbClr val="000000"/>
                   </a:solidFill>
@@ -2934,7 +2943,7 @@
             </a:ln>
             <a:extLst>
               <a:ext uri="{91240B29-F687-4f45-9708-019B960494DF}">
-                <a14:hiddenLine xmlns:a14="http://schemas.microsoft.com/office/drawing/2010/main" xmlns="" w="9525">
+                <a14:hiddenLine xmlns="" xmlns:a14="http://schemas.microsoft.com/office/drawing/2010/main" w="9525">
                   <a:solidFill>
                     <a:srgbClr val="000000"/>
                   </a:solidFill>
@@ -3024,7 +3033,7 @@
             </a:ln>
             <a:extLst>
               <a:ext uri="{91240B29-F687-4f45-9708-019B960494DF}">
-                <a14:hiddenLine xmlns:a14="http://schemas.microsoft.com/office/drawing/2010/main" xmlns="" w="9525">
+                <a14:hiddenLine xmlns="" xmlns:a14="http://schemas.microsoft.com/office/drawing/2010/main" w="9525">
                   <a:solidFill>
                     <a:srgbClr val="000000"/>
                   </a:solidFill>
@@ -3086,7 +3095,7 @@
             </a:ln>
             <a:extLst>
               <a:ext uri="{91240B29-F687-4f45-9708-019B960494DF}">
-                <a14:hiddenLine xmlns:a14="http://schemas.microsoft.com/office/drawing/2010/main" xmlns="" w="9525">
+                <a14:hiddenLine xmlns="" xmlns:a14="http://schemas.microsoft.com/office/drawing/2010/main" w="9525">
                   <a:solidFill>
                     <a:srgbClr val="000000"/>
                   </a:solidFill>
@@ -3176,7 +3185,7 @@
             </a:ln>
             <a:extLst>
               <a:ext uri="{91240B29-F687-4f45-9708-019B960494DF}">
-                <a14:hiddenLine xmlns:a14="http://schemas.microsoft.com/office/drawing/2010/main" xmlns="" w="9525">
+                <a14:hiddenLine xmlns="" xmlns:a14="http://schemas.microsoft.com/office/drawing/2010/main" w="9525">
                   <a:solidFill>
                     <a:srgbClr val="000000"/>
                   </a:solidFill>
@@ -3210,7 +3219,7 @@
             </a:ln>
             <a:extLst>
               <a:ext uri="{91240B29-F687-4f45-9708-019B960494DF}">
-                <a14:hiddenLine xmlns:a14="http://schemas.microsoft.com/office/drawing/2010/main" xmlns="" w="9525">
+                <a14:hiddenLine xmlns="" xmlns:a14="http://schemas.microsoft.com/office/drawing/2010/main" w="9525">
                   <a:solidFill>
                     <a:srgbClr val="000000"/>
                   </a:solidFill>
@@ -3275,7 +3284,7 @@
             </a:ln>
             <a:extLst>
               <a:ext uri="{91240B29-F687-4f45-9708-019B960494DF}">
-                <a14:hiddenLine xmlns:a14="http://schemas.microsoft.com/office/drawing/2010/main" xmlns="" w="9525">
+                <a14:hiddenLine xmlns="" xmlns:a14="http://schemas.microsoft.com/office/drawing/2010/main" w="9525">
                   <a:solidFill>
                     <a:srgbClr val="000000"/>
                   </a:solidFill>
@@ -3365,7 +3374,7 @@
             </a:ln>
             <a:extLst>
               <a:ext uri="{91240B29-F687-4f45-9708-019B960494DF}">
-                <a14:hiddenLine xmlns:a14="http://schemas.microsoft.com/office/drawing/2010/main" xmlns="" w="9525">
+                <a14:hiddenLine xmlns="" xmlns:a14="http://schemas.microsoft.com/office/drawing/2010/main" w="9525">
                   <a:solidFill>
                     <a:srgbClr val="000000"/>
                   </a:solidFill>
@@ -3427,7 +3436,7 @@
             </a:ln>
             <a:extLst>
               <a:ext uri="{91240B29-F687-4f45-9708-019B960494DF}">
-                <a14:hiddenLine xmlns:a14="http://schemas.microsoft.com/office/drawing/2010/main" xmlns="" w="9525">
+                <a14:hiddenLine xmlns="" xmlns:a14="http://schemas.microsoft.com/office/drawing/2010/main" w="9525">
                   <a:solidFill>
                     <a:srgbClr val="000000"/>
                   </a:solidFill>
@@ -3517,7 +3526,7 @@
             </a:ln>
             <a:extLst>
               <a:ext uri="{91240B29-F687-4f45-9708-019B960494DF}">
-                <a14:hiddenLine xmlns:a14="http://schemas.microsoft.com/office/drawing/2010/main" xmlns="" w="9525">
+                <a14:hiddenLine xmlns="" xmlns:a14="http://schemas.microsoft.com/office/drawing/2010/main" w="9525">
                   <a:solidFill>
                     <a:srgbClr val="000000"/>
                   </a:solidFill>
@@ -3607,7 +3616,7 @@
             </a:ln>
             <a:extLst>
               <a:ext uri="{91240B29-F687-4f45-9708-019B960494DF}">
-                <a14:hiddenLine xmlns:a14="http://schemas.microsoft.com/office/drawing/2010/main" xmlns="" w="9525">
+                <a14:hiddenLine xmlns="" xmlns:a14="http://schemas.microsoft.com/office/drawing/2010/main" w="9525">
                   <a:solidFill>
                     <a:srgbClr val="000000"/>
                   </a:solidFill>
@@ -3672,7 +3681,7 @@
             </a:ln>
             <a:extLst>
               <a:ext uri="{91240B29-F687-4f45-9708-019B960494DF}">
-                <a14:hiddenLine xmlns:a14="http://schemas.microsoft.com/office/drawing/2010/main" xmlns="" w="9525">
+                <a14:hiddenLine xmlns="" xmlns:a14="http://schemas.microsoft.com/office/drawing/2010/main" w="9525">
                   <a:solidFill>
                     <a:srgbClr val="000000"/>
                   </a:solidFill>
@@ -3734,7 +3743,7 @@
             </a:ln>
             <a:extLst>
               <a:ext uri="{91240B29-F687-4f45-9708-019B960494DF}">
-                <a14:hiddenLine xmlns:a14="http://schemas.microsoft.com/office/drawing/2010/main" xmlns="" w="9525">
+                <a14:hiddenLine xmlns="" xmlns:a14="http://schemas.microsoft.com/office/drawing/2010/main" w="9525">
                   <a:solidFill>
                     <a:srgbClr val="000000"/>
                   </a:solidFill>
@@ -3824,7 +3833,7 @@
             </a:ln>
             <a:extLst>
               <a:ext uri="{91240B29-F687-4f45-9708-019B960494DF}">
-                <a14:hiddenLine xmlns:a14="http://schemas.microsoft.com/office/drawing/2010/main" xmlns="" w="9525">
+                <a14:hiddenLine xmlns="" xmlns:a14="http://schemas.microsoft.com/office/drawing/2010/main" w="9525">
                   <a:solidFill>
                     <a:srgbClr val="000000"/>
                   </a:solidFill>
@@ -3914,7 +3923,7 @@
             </a:ln>
             <a:extLst>
               <a:ext uri="{91240B29-F687-4f45-9708-019B960494DF}">
-                <a14:hiddenLine xmlns:a14="http://schemas.microsoft.com/office/drawing/2010/main" xmlns="" w="9525">
+                <a14:hiddenLine xmlns="" xmlns:a14="http://schemas.microsoft.com/office/drawing/2010/main" w="9525">
                   <a:solidFill>
                     <a:srgbClr val="000000"/>
                   </a:solidFill>
@@ -3976,7 +3985,7 @@
             </a:ln>
             <a:extLst>
               <a:ext uri="{91240B29-F687-4f45-9708-019B960494DF}">
-                <a14:hiddenLine xmlns:a14="http://schemas.microsoft.com/office/drawing/2010/main" xmlns="" w="9525">
+                <a14:hiddenLine xmlns="" xmlns:a14="http://schemas.microsoft.com/office/drawing/2010/main" w="9525">
                   <a:solidFill>
                     <a:srgbClr val="000000"/>
                   </a:solidFill>
@@ -4096,7 +4105,7 @@
             </a:ln>
             <a:extLst>
               <a:ext uri="{91240B29-F687-4f45-9708-019B960494DF}">
-                <a14:hiddenLine xmlns:a14="http://schemas.microsoft.com/office/drawing/2010/main" xmlns="" w="9525">
+                <a14:hiddenLine xmlns="" xmlns:a14="http://schemas.microsoft.com/office/drawing/2010/main" w="9525">
                   <a:solidFill>
                     <a:srgbClr val="000000"/>
                   </a:solidFill>
@@ -4164,7 +4173,7 @@
             </a:ln>
             <a:extLst>
               <a:ext uri="{91240B29-F687-4f45-9708-019B960494DF}">
-                <a14:hiddenLine xmlns:a14="http://schemas.microsoft.com/office/drawing/2010/main" xmlns="" w="9525">
+                <a14:hiddenLine xmlns="" xmlns:a14="http://schemas.microsoft.com/office/drawing/2010/main" w="9525">
                   <a:solidFill>
                     <a:srgbClr val="000000"/>
                   </a:solidFill>
@@ -4254,7 +4263,7 @@
             </a:ln>
             <a:extLst>
               <a:ext uri="{91240B29-F687-4f45-9708-019B960494DF}">
-                <a14:hiddenLine xmlns:a14="http://schemas.microsoft.com/office/drawing/2010/main" xmlns="" w="9525">
+                <a14:hiddenLine xmlns="" xmlns:a14="http://schemas.microsoft.com/office/drawing/2010/main" w="9525">
                   <a:solidFill>
                     <a:srgbClr val="000000"/>
                   </a:solidFill>
@@ -4394,7 +4403,7 @@
           <a:p>
             <a:fld id="{48A87A34-81AB-432B-8DAE-1953F412C126}" type="datetimeFigureOut">
               <a:rPr lang="en-US" dirty="0"/>
-              <a:t>4/28/2019</a:t>
+              <a:t>4/29/2019</a:t>
             </a:fld>
             <a:endParaRPr lang="en-US" dirty="0"/>
           </a:p>
@@ -4656,7 +4665,7 @@
           <a:p>
             <a:fld id="{48A87A34-81AB-432B-8DAE-1953F412C126}" type="datetimeFigureOut">
               <a:rPr lang="en-US" dirty="0"/>
-              <a:t>4/28/2019</a:t>
+              <a:t>4/29/2019</a:t>
             </a:fld>
             <a:endParaRPr lang="en-US" dirty="0"/>
           </a:p>
@@ -4847,7 +4856,7 @@
           <a:p>
             <a:fld id="{48A87A34-81AB-432B-8DAE-1953F412C126}" type="datetimeFigureOut">
               <a:rPr lang="en-US" dirty="0"/>
-              <a:t>4/28/2019</a:t>
+              <a:t>4/29/2019</a:t>
             </a:fld>
             <a:endParaRPr lang="en-US" dirty="0"/>
           </a:p>
@@ -5105,7 +5114,7 @@
           <a:p>
             <a:fld id="{48A87A34-81AB-432B-8DAE-1953F412C126}" type="datetimeFigureOut">
               <a:rPr lang="en-US" dirty="0"/>
-              <a:t>4/28/2019</a:t>
+              <a:t>4/29/2019</a:t>
             </a:fld>
             <a:endParaRPr lang="en-US" dirty="0"/>
           </a:p>
@@ -5534,7 +5543,7 @@
           <a:p>
             <a:fld id="{48A87A34-81AB-432B-8DAE-1953F412C126}" type="datetimeFigureOut">
               <a:rPr lang="en-US" dirty="0"/>
-              <a:t>4/28/2019</a:t>
+              <a:t>4/29/2019</a:t>
             </a:fld>
             <a:endParaRPr lang="en-US" dirty="0"/>
           </a:p>
@@ -6075,7 +6084,7 @@
           <a:p>
             <a:fld id="{48A87A34-81AB-432B-8DAE-1953F412C126}" type="datetimeFigureOut">
               <a:rPr lang="en-US" dirty="0"/>
-              <a:t>4/28/2019</a:t>
+              <a:t>4/29/2019</a:t>
             </a:fld>
             <a:endParaRPr lang="en-US" dirty="0"/>
           </a:p>
@@ -6790,7 +6799,7 @@
           <a:p>
             <a:fld id="{48A87A34-81AB-432B-8DAE-1953F412C126}" type="datetimeFigureOut">
               <a:rPr lang="en-US" dirty="0"/>
-              <a:t>4/28/2019</a:t>
+              <a:t>4/29/2019</a:t>
             </a:fld>
             <a:endParaRPr lang="en-US" dirty="0"/>
           </a:p>
@@ -6955,7 +6964,7 @@
           <a:p>
             <a:fld id="{48A87A34-81AB-432B-8DAE-1953F412C126}" type="datetimeFigureOut">
               <a:rPr lang="en-US" dirty="0"/>
-              <a:t>4/28/2019</a:t>
+              <a:t>4/29/2019</a:t>
             </a:fld>
             <a:endParaRPr lang="en-US" dirty="0"/>
           </a:p>
@@ -7130,7 +7139,7 @@
           <a:p>
             <a:fld id="{48A87A34-81AB-432B-8DAE-1953F412C126}" type="datetimeFigureOut">
               <a:rPr lang="en-US" dirty="0"/>
-              <a:t>4/28/2019</a:t>
+              <a:t>4/29/2019</a:t>
             </a:fld>
             <a:endParaRPr lang="en-US" dirty="0"/>
           </a:p>
@@ -7295,7 +7304,7 @@
           <a:p>
             <a:fld id="{48A87A34-81AB-432B-8DAE-1953F412C126}" type="datetimeFigureOut">
               <a:rPr lang="en-US" dirty="0"/>
-              <a:t>4/28/2019</a:t>
+              <a:t>4/29/2019</a:t>
             </a:fld>
             <a:endParaRPr lang="en-US" dirty="0"/>
           </a:p>
@@ -7540,7 +7549,7 @@
           <a:p>
             <a:fld id="{48A87A34-81AB-432B-8DAE-1953F412C126}" type="datetimeFigureOut">
               <a:rPr lang="en-US" dirty="0"/>
-              <a:t>4/28/2019</a:t>
+              <a:t>4/29/2019</a:t>
             </a:fld>
             <a:endParaRPr lang="en-US" dirty="0"/>
           </a:p>
@@ -7767,7 +7776,7 @@
           <a:p>
             <a:fld id="{48A87A34-81AB-432B-8DAE-1953F412C126}" type="datetimeFigureOut">
               <a:rPr lang="en-US" dirty="0"/>
-              <a:t>4/28/2019</a:t>
+              <a:t>4/29/2019</a:t>
             </a:fld>
             <a:endParaRPr lang="en-US" dirty="0"/>
           </a:p>
@@ -8143,7 +8152,7 @@
           <a:p>
             <a:fld id="{48A87A34-81AB-432B-8DAE-1953F412C126}" type="datetimeFigureOut">
               <a:rPr lang="en-US" dirty="0"/>
-              <a:t>4/28/2019</a:t>
+              <a:t>4/29/2019</a:t>
             </a:fld>
             <a:endParaRPr lang="en-US" dirty="0"/>
           </a:p>
@@ -8256,7 +8265,7 @@
           <a:p>
             <a:fld id="{48A87A34-81AB-432B-8DAE-1953F412C126}" type="datetimeFigureOut">
               <a:rPr lang="en-US" dirty="0"/>
-              <a:t>4/28/2019</a:t>
+              <a:t>4/29/2019</a:t>
             </a:fld>
             <a:endParaRPr lang="en-US" dirty="0"/>
           </a:p>
@@ -8346,7 +8355,7 @@
           <a:p>
             <a:fld id="{48A87A34-81AB-432B-8DAE-1953F412C126}" type="datetimeFigureOut">
               <a:rPr lang="en-US" dirty="0"/>
-              <a:t>4/28/2019</a:t>
+              <a:t>4/29/2019</a:t>
             </a:fld>
             <a:endParaRPr lang="en-US" dirty="0"/>
           </a:p>
@@ -8590,7 +8599,7 @@
           <a:p>
             <a:fld id="{48A87A34-81AB-432B-8DAE-1953F412C126}" type="datetimeFigureOut">
               <a:rPr lang="en-US" dirty="0"/>
-              <a:t>4/28/2019</a:t>
+              <a:t>4/29/2019</a:t>
             </a:fld>
             <a:endParaRPr lang="en-US" dirty="0"/>
           </a:p>
@@ -8865,7 +8874,7 @@
           <a:p>
             <a:fld id="{48A87A34-81AB-432B-8DAE-1953F412C126}" type="datetimeFigureOut">
               <a:rPr lang="en-US" dirty="0"/>
-              <a:t>4/28/2019</a:t>
+              <a:t>4/29/2019</a:t>
             </a:fld>
             <a:endParaRPr lang="en-US" dirty="0"/>
           </a:p>
@@ -8976,7 +8985,7 @@
           <a:noFill/>
           <a:extLst>
             <a:ext uri="{909E8E84-426E-40dd-AFC4-6F175D3DCCD1}">
-              <a14:hiddenFill xmlns:a14="http://schemas.microsoft.com/office/drawing/2010/main" xmlns="">
+              <a14:hiddenFill xmlns="" xmlns:a14="http://schemas.microsoft.com/office/drawing/2010/main">
                 <a:solidFill>
                   <a:srgbClr val="FFFFFF"/>
                 </a:solidFill>
@@ -9050,7 +9059,7 @@
               </a:ln>
               <a:extLst>
                 <a:ext uri="{91240B29-F687-4f45-9708-019B960494DF}">
-                  <a14:hiddenLine xmlns:a14="http://schemas.microsoft.com/office/drawing/2010/main" xmlns="" w="9525">
+                  <a14:hiddenLine xmlns="" xmlns:a14="http://schemas.microsoft.com/office/drawing/2010/main" w="9525">
                     <a:solidFill>
                       <a:srgbClr val="000000"/>
                     </a:solidFill>
@@ -9140,7 +9149,7 @@
               </a:ln>
               <a:extLst>
                 <a:ext uri="{91240B29-F687-4f45-9708-019B960494DF}">
-                  <a14:hiddenLine xmlns:a14="http://schemas.microsoft.com/office/drawing/2010/main" xmlns="" w="9525">
+                  <a14:hiddenLine xmlns="" xmlns:a14="http://schemas.microsoft.com/office/drawing/2010/main" w="9525">
                     <a:solidFill>
                       <a:srgbClr val="000000"/>
                     </a:solidFill>
@@ -9230,7 +9239,7 @@
               </a:ln>
               <a:extLst>
                 <a:ext uri="{91240B29-F687-4f45-9708-019B960494DF}">
-                  <a14:hiddenLine xmlns:a14="http://schemas.microsoft.com/office/drawing/2010/main" xmlns="" w="9525">
+                  <a14:hiddenLine xmlns="" xmlns:a14="http://schemas.microsoft.com/office/drawing/2010/main" w="9525">
                     <a:solidFill>
                       <a:srgbClr val="000000"/>
                     </a:solidFill>
@@ -9292,7 +9301,7 @@
               </a:ln>
               <a:extLst>
                 <a:ext uri="{91240B29-F687-4f45-9708-019B960494DF}">
-                  <a14:hiddenLine xmlns:a14="http://schemas.microsoft.com/office/drawing/2010/main" xmlns="" w="9525">
+                  <a14:hiddenLine xmlns="" xmlns:a14="http://schemas.microsoft.com/office/drawing/2010/main" w="9525">
                     <a:solidFill>
                       <a:srgbClr val="000000"/>
                     </a:solidFill>
@@ -9382,7 +9391,7 @@
               </a:ln>
               <a:extLst>
                 <a:ext uri="{91240B29-F687-4f45-9708-019B960494DF}">
-                  <a14:hiddenLine xmlns:a14="http://schemas.microsoft.com/office/drawing/2010/main" xmlns="" w="9525">
+                  <a14:hiddenLine xmlns="" xmlns:a14="http://schemas.microsoft.com/office/drawing/2010/main" w="9525">
                     <a:solidFill>
                       <a:srgbClr val="000000"/>
                     </a:solidFill>
@@ -9444,7 +9453,7 @@
               </a:ln>
               <a:extLst>
                 <a:ext uri="{91240B29-F687-4f45-9708-019B960494DF}">
-                  <a14:hiddenLine xmlns:a14="http://schemas.microsoft.com/office/drawing/2010/main" xmlns="" w="9525">
+                  <a14:hiddenLine xmlns="" xmlns:a14="http://schemas.microsoft.com/office/drawing/2010/main" w="9525">
                     <a:solidFill>
                       <a:srgbClr val="000000"/>
                     </a:solidFill>
@@ -9506,7 +9515,7 @@
               </a:ln>
               <a:extLst>
                 <a:ext uri="{91240B29-F687-4f45-9708-019B960494DF}">
-                  <a14:hiddenLine xmlns:a14="http://schemas.microsoft.com/office/drawing/2010/main" xmlns="" w="9525">
+                  <a14:hiddenLine xmlns="" xmlns:a14="http://schemas.microsoft.com/office/drawing/2010/main" w="9525">
                     <a:solidFill>
                       <a:srgbClr val="000000"/>
                     </a:solidFill>
@@ -9596,7 +9605,7 @@
               </a:ln>
               <a:extLst>
                 <a:ext uri="{91240B29-F687-4f45-9708-019B960494DF}">
-                  <a14:hiddenLine xmlns:a14="http://schemas.microsoft.com/office/drawing/2010/main" xmlns="" w="9525">
+                  <a14:hiddenLine xmlns="" xmlns:a14="http://schemas.microsoft.com/office/drawing/2010/main" w="9525">
                     <a:solidFill>
                       <a:srgbClr val="000000"/>
                     </a:solidFill>
@@ -9686,7 +9695,7 @@
               </a:ln>
               <a:extLst>
                 <a:ext uri="{91240B29-F687-4f45-9708-019B960494DF}">
-                  <a14:hiddenLine xmlns:a14="http://schemas.microsoft.com/office/drawing/2010/main" xmlns="" w="9525">
+                  <a14:hiddenLine xmlns="" xmlns:a14="http://schemas.microsoft.com/office/drawing/2010/main" w="9525">
                     <a:solidFill>
                       <a:srgbClr val="000000"/>
                     </a:solidFill>
@@ -9748,7 +9757,7 @@
               </a:ln>
               <a:extLst>
                 <a:ext uri="{91240B29-F687-4f45-9708-019B960494DF}">
-                  <a14:hiddenLine xmlns:a14="http://schemas.microsoft.com/office/drawing/2010/main" xmlns="" w="9525">
+                  <a14:hiddenLine xmlns="" xmlns:a14="http://schemas.microsoft.com/office/drawing/2010/main" w="9525">
                     <a:solidFill>
                       <a:srgbClr val="000000"/>
                     </a:solidFill>
@@ -9858,7 +9867,7 @@
               </a:ln>
               <a:extLst>
                 <a:ext uri="{91240B29-F687-4f45-9708-019B960494DF}">
-                  <a14:hiddenLine xmlns:a14="http://schemas.microsoft.com/office/drawing/2010/main" xmlns="" w="9525">
+                  <a14:hiddenLine xmlns="" xmlns:a14="http://schemas.microsoft.com/office/drawing/2010/main" w="9525">
                     <a:solidFill>
                       <a:srgbClr val="000000"/>
                     </a:solidFill>
@@ -9942,7 +9951,7 @@
               </a:ln>
               <a:extLst>
                 <a:ext uri="{91240B29-F687-4f45-9708-019B960494DF}">
-                  <a14:hiddenLine xmlns:a14="http://schemas.microsoft.com/office/drawing/2010/main" xmlns="" w="9525">
+                  <a14:hiddenLine xmlns="" xmlns:a14="http://schemas.microsoft.com/office/drawing/2010/main" w="9525">
                     <a:solidFill>
                       <a:srgbClr val="000000"/>
                     </a:solidFill>
@@ -10004,7 +10013,7 @@
               </a:ln>
               <a:extLst>
                 <a:ext uri="{91240B29-F687-4f45-9708-019B960494DF}">
-                  <a14:hiddenLine xmlns:a14="http://schemas.microsoft.com/office/drawing/2010/main" xmlns="" w="9525">
+                  <a14:hiddenLine xmlns="" xmlns:a14="http://schemas.microsoft.com/office/drawing/2010/main" w="9525">
                     <a:solidFill>
                       <a:srgbClr val="000000"/>
                     </a:solidFill>
@@ -10066,7 +10075,7 @@
               </a:ln>
               <a:extLst>
                 <a:ext uri="{91240B29-F687-4f45-9708-019B960494DF}">
-                  <a14:hiddenLine xmlns:a14="http://schemas.microsoft.com/office/drawing/2010/main" xmlns="" w="9525">
+                  <a14:hiddenLine xmlns="" xmlns:a14="http://schemas.microsoft.com/office/drawing/2010/main" w="9525">
                     <a:solidFill>
                       <a:srgbClr val="000000"/>
                     </a:solidFill>
@@ -10156,7 +10165,7 @@
               </a:ln>
               <a:extLst>
                 <a:ext uri="{91240B29-F687-4f45-9708-019B960494DF}">
-                  <a14:hiddenLine xmlns:a14="http://schemas.microsoft.com/office/drawing/2010/main" xmlns="" w="9525">
+                  <a14:hiddenLine xmlns="" xmlns:a14="http://schemas.microsoft.com/office/drawing/2010/main" w="9525">
                     <a:solidFill>
                       <a:srgbClr val="000000"/>
                     </a:solidFill>
@@ -10190,7 +10199,7 @@
               </a:ln>
               <a:extLst>
                 <a:ext uri="{91240B29-F687-4f45-9708-019B960494DF}">
-                  <a14:hiddenLine xmlns:a14="http://schemas.microsoft.com/office/drawing/2010/main" xmlns="" w="9525">
+                  <a14:hiddenLine xmlns="" xmlns:a14="http://schemas.microsoft.com/office/drawing/2010/main" w="9525">
                     <a:solidFill>
                       <a:srgbClr val="000000"/>
                     </a:solidFill>
@@ -10255,7 +10264,7 @@
               </a:ln>
               <a:extLst>
                 <a:ext uri="{91240B29-F687-4f45-9708-019B960494DF}">
-                  <a14:hiddenLine xmlns:a14="http://schemas.microsoft.com/office/drawing/2010/main" xmlns="" w="9525">
+                  <a14:hiddenLine xmlns="" xmlns:a14="http://schemas.microsoft.com/office/drawing/2010/main" w="9525">
                     <a:solidFill>
                       <a:srgbClr val="000000"/>
                     </a:solidFill>
@@ -10345,7 +10354,7 @@
               </a:ln>
               <a:extLst>
                 <a:ext uri="{91240B29-F687-4f45-9708-019B960494DF}">
-                  <a14:hiddenLine xmlns:a14="http://schemas.microsoft.com/office/drawing/2010/main" xmlns="" w="9525">
+                  <a14:hiddenLine xmlns="" xmlns:a14="http://schemas.microsoft.com/office/drawing/2010/main" w="9525">
                     <a:solidFill>
                       <a:srgbClr val="000000"/>
                     </a:solidFill>
@@ -10407,7 +10416,7 @@
               </a:ln>
               <a:extLst>
                 <a:ext uri="{91240B29-F687-4f45-9708-019B960494DF}">
-                  <a14:hiddenLine xmlns:a14="http://schemas.microsoft.com/office/drawing/2010/main" xmlns="" w="9525">
+                  <a14:hiddenLine xmlns="" xmlns:a14="http://schemas.microsoft.com/office/drawing/2010/main" w="9525">
                     <a:solidFill>
                       <a:srgbClr val="000000"/>
                     </a:solidFill>
@@ -10497,7 +10506,7 @@
               </a:ln>
               <a:extLst>
                 <a:ext uri="{91240B29-F687-4f45-9708-019B960494DF}">
-                  <a14:hiddenLine xmlns:a14="http://schemas.microsoft.com/office/drawing/2010/main" xmlns="" w="9525">
+                  <a14:hiddenLine xmlns="" xmlns:a14="http://schemas.microsoft.com/office/drawing/2010/main" w="9525">
                     <a:solidFill>
                       <a:srgbClr val="000000"/>
                     </a:solidFill>
@@ -10562,7 +10571,7 @@
               </a:ln>
               <a:extLst>
                 <a:ext uri="{91240B29-F687-4f45-9708-019B960494DF}">
-                  <a14:hiddenLine xmlns:a14="http://schemas.microsoft.com/office/drawing/2010/main" xmlns="" w="9525">
+                  <a14:hiddenLine xmlns="" xmlns:a14="http://schemas.microsoft.com/office/drawing/2010/main" w="9525">
                     <a:solidFill>
                       <a:srgbClr val="000000"/>
                     </a:solidFill>
@@ -10624,7 +10633,7 @@
               </a:ln>
               <a:extLst>
                 <a:ext uri="{91240B29-F687-4f45-9708-019B960494DF}">
-                  <a14:hiddenLine xmlns:a14="http://schemas.microsoft.com/office/drawing/2010/main" xmlns="" w="9525">
+                  <a14:hiddenLine xmlns="" xmlns:a14="http://schemas.microsoft.com/office/drawing/2010/main" w="9525">
                     <a:solidFill>
                       <a:srgbClr val="000000"/>
                     </a:solidFill>
@@ -10714,7 +10723,7 @@
               </a:ln>
               <a:extLst>
                 <a:ext uri="{91240B29-F687-4f45-9708-019B960494DF}">
-                  <a14:hiddenLine xmlns:a14="http://schemas.microsoft.com/office/drawing/2010/main" xmlns="" w="9525">
+                  <a14:hiddenLine xmlns="" xmlns:a14="http://schemas.microsoft.com/office/drawing/2010/main" w="9525">
                     <a:solidFill>
                       <a:srgbClr val="000000"/>
                     </a:solidFill>
@@ -10804,7 +10813,7 @@
               </a:ln>
               <a:extLst>
                 <a:ext uri="{91240B29-F687-4f45-9708-019B960494DF}">
-                  <a14:hiddenLine xmlns:a14="http://schemas.microsoft.com/office/drawing/2010/main" xmlns="" w="9525">
+                  <a14:hiddenLine xmlns="" xmlns:a14="http://schemas.microsoft.com/office/drawing/2010/main" w="9525">
                     <a:solidFill>
                       <a:srgbClr val="000000"/>
                     </a:solidFill>
@@ -10869,7 +10878,7 @@
               </a:ln>
               <a:extLst>
                 <a:ext uri="{91240B29-F687-4f45-9708-019B960494DF}">
-                  <a14:hiddenLine xmlns:a14="http://schemas.microsoft.com/office/drawing/2010/main" xmlns="" w="9525">
+                  <a14:hiddenLine xmlns="" xmlns:a14="http://schemas.microsoft.com/office/drawing/2010/main" w="9525">
                     <a:solidFill>
                       <a:srgbClr val="000000"/>
                     </a:solidFill>
@@ -10989,7 +10998,7 @@
               </a:ln>
               <a:extLst>
                 <a:ext uri="{91240B29-F687-4f45-9708-019B960494DF}">
-                  <a14:hiddenLine xmlns:a14="http://schemas.microsoft.com/office/drawing/2010/main" xmlns="" w="9525">
+                  <a14:hiddenLine xmlns="" xmlns:a14="http://schemas.microsoft.com/office/drawing/2010/main" w="9525">
                     <a:solidFill>
                       <a:srgbClr val="000000"/>
                     </a:solidFill>
@@ -11087,7 +11096,7 @@
               </a:ln>
               <a:extLst>
                 <a:ext uri="{91240B29-F687-4f45-9708-019B960494DF}">
-                  <a14:hiddenLine xmlns:a14="http://schemas.microsoft.com/office/drawing/2010/main" xmlns="" w="9525">
+                  <a14:hiddenLine xmlns="" xmlns:a14="http://schemas.microsoft.com/office/drawing/2010/main" w="9525">
                     <a:solidFill>
                       <a:srgbClr val="000000"/>
                     </a:solidFill>
@@ -11202,7 +11211,7 @@
               </a:ln>
               <a:extLst>
                 <a:ext uri="{91240B29-F687-4f45-9708-019B960494DF}">
-                  <a14:hiddenLine xmlns:a14="http://schemas.microsoft.com/office/drawing/2010/main" xmlns="" w="9525">
+                  <a14:hiddenLine xmlns="" xmlns:a14="http://schemas.microsoft.com/office/drawing/2010/main" w="9525">
                     <a:solidFill>
                       <a:srgbClr val="000000"/>
                     </a:solidFill>
@@ -11292,7 +11301,7 @@
               </a:ln>
               <a:extLst>
                 <a:ext uri="{91240B29-F687-4f45-9708-019B960494DF}">
-                  <a14:hiddenLine xmlns:a14="http://schemas.microsoft.com/office/drawing/2010/main" xmlns="" w="9525">
+                  <a14:hiddenLine xmlns="" xmlns:a14="http://schemas.microsoft.com/office/drawing/2010/main" w="9525">
                     <a:solidFill>
                       <a:srgbClr val="000000"/>
                     </a:solidFill>
@@ -11357,7 +11366,7 @@
               </a:ln>
               <a:extLst>
                 <a:ext uri="{91240B29-F687-4f45-9708-019B960494DF}">
-                  <a14:hiddenLine xmlns:a14="http://schemas.microsoft.com/office/drawing/2010/main" xmlns="" w="9525">
+                  <a14:hiddenLine xmlns="" xmlns:a14="http://schemas.microsoft.com/office/drawing/2010/main" w="9525">
                     <a:solidFill>
                       <a:srgbClr val="000000"/>
                     </a:solidFill>
@@ -11447,7 +11456,7 @@
               </a:ln>
               <a:extLst>
                 <a:ext uri="{91240B29-F687-4f45-9708-019B960494DF}">
-                  <a14:hiddenLine xmlns:a14="http://schemas.microsoft.com/office/drawing/2010/main" xmlns="" w="9525">
+                  <a14:hiddenLine xmlns="" xmlns:a14="http://schemas.microsoft.com/office/drawing/2010/main" w="9525">
                     <a:solidFill>
                       <a:srgbClr val="000000"/>
                     </a:solidFill>
@@ -11515,7 +11524,7 @@
               </a:ln>
               <a:extLst>
                 <a:ext uri="{91240B29-F687-4f45-9708-019B960494DF}">
-                  <a14:hiddenLine xmlns:a14="http://schemas.microsoft.com/office/drawing/2010/main" xmlns="" w="9525">
+                  <a14:hiddenLine xmlns="" xmlns:a14="http://schemas.microsoft.com/office/drawing/2010/main" w="9525">
                     <a:solidFill>
                       <a:srgbClr val="000000"/>
                     </a:solidFill>
@@ -11605,7 +11614,7 @@
               </a:ln>
               <a:extLst>
                 <a:ext uri="{91240B29-F687-4f45-9708-019B960494DF}">
-                  <a14:hiddenLine xmlns:a14="http://schemas.microsoft.com/office/drawing/2010/main" xmlns="" w="9525">
+                  <a14:hiddenLine xmlns="" xmlns:a14="http://schemas.microsoft.com/office/drawing/2010/main" w="9525">
                     <a:solidFill>
                       <a:srgbClr val="000000"/>
                     </a:solidFill>
@@ -11673,7 +11682,7 @@
               </a:ln>
               <a:extLst>
                 <a:ext uri="{91240B29-F687-4f45-9708-019B960494DF}">
-                  <a14:hiddenLine xmlns:a14="http://schemas.microsoft.com/office/drawing/2010/main" xmlns="" w="9525">
+                  <a14:hiddenLine xmlns="" xmlns:a14="http://schemas.microsoft.com/office/drawing/2010/main" w="9525">
                     <a:solidFill>
                       <a:srgbClr val="000000"/>
                     </a:solidFill>
@@ -11763,7 +11772,7 @@
               </a:ln>
               <a:extLst>
                 <a:ext uri="{91240B29-F687-4f45-9708-019B960494DF}">
-                  <a14:hiddenLine xmlns:a14="http://schemas.microsoft.com/office/drawing/2010/main" xmlns="" w="9525">
+                  <a14:hiddenLine xmlns="" xmlns:a14="http://schemas.microsoft.com/office/drawing/2010/main" w="9525">
                     <a:solidFill>
                       <a:srgbClr val="000000"/>
                     </a:solidFill>
@@ -11797,7 +11806,7 @@
               </a:ln>
               <a:extLst>
                 <a:ext uri="{91240B29-F687-4f45-9708-019B960494DF}">
-                  <a14:hiddenLine xmlns:a14="http://schemas.microsoft.com/office/drawing/2010/main" xmlns="" w="9525">
+                  <a14:hiddenLine xmlns="" xmlns:a14="http://schemas.microsoft.com/office/drawing/2010/main" w="9525">
                     <a:solidFill>
                       <a:srgbClr val="000000"/>
                     </a:solidFill>
@@ -11938,7 +11947,7 @@
             <a:fld id="{48A87A34-81AB-432B-8DAE-1953F412C126}" type="datetimeFigureOut">
               <a:rPr lang="en-US" dirty="0"/>
               <a:pPr/>
-              <a:t>4/28/2019</a:t>
+              <a:t>4/29/2019</a:t>
             </a:fld>
             <a:endParaRPr lang="en-US" dirty="0"/>
           </a:p>
@@ -12457,6 +12466,3144 @@
 <file path=ppt/slides/slide10.xml><?xml version="1.0" encoding="utf-8"?>
 <p:sld xmlns:a="http://schemas.openxmlformats.org/drawingml/2006/main" xmlns:r="http://schemas.openxmlformats.org/officeDocument/2006/relationships" xmlns:p="http://schemas.openxmlformats.org/presentationml/2006/main">
   <p:cSld>
+    <p:bg>
+      <p:bgPr>
+        <a:blipFill>
+          <a:blip r:embed="rId2">
+            <a:duotone>
+              <a:schemeClr val="bg2">
+                <a:shade val="88000"/>
+                <a:hueMod val="106000"/>
+                <a:satMod val="140000"/>
+                <a:lumMod val="54000"/>
+              </a:schemeClr>
+              <a:schemeClr val="bg2">
+                <a:tint val="98000"/>
+                <a:hueMod val="90000"/>
+                <a:satMod val="150000"/>
+                <a:lumMod val="160000"/>
+              </a:schemeClr>
+            </a:duotone>
+            <a:extLst/>
+          </a:blip>
+          <a:stretch/>
+        </a:blipFill>
+        <a:effectLst/>
+      </p:bgPr>
+    </p:bg>
+    <p:spTree>
+      <p:nvGrpSpPr>
+        <p:cNvPr id="1" name=""/>
+        <p:cNvGrpSpPr/>
+        <p:nvPr/>
+      </p:nvGrpSpPr>
+      <p:grpSpPr>
+        <a:xfrm>
+          <a:off x="0" y="0"/>
+          <a:ext cx="0" cy="0"/>
+          <a:chOff x="0" y="0"/>
+          <a:chExt cx="0" cy="0"/>
+        </a:xfrm>
+      </p:grpSpPr>
+      <p:sp useBgFill="1">
+        <p:nvSpPr>
+          <p:cNvPr id="13" name="Rectangle 12">
+            <a:extLst>
+              <a:ext uri="{FF2B5EF4-FFF2-40B4-BE49-F238E27FC236}">
+                <a16:creationId xmlns:a16="http://schemas.microsoft.com/office/drawing/2014/main" id="{C2E4E997-8672-4FFD-B8EC-9932A8E4714B}"/>
+              </a:ext>
+              <a:ext uri="{C183D7F6-B498-43B3-948B-1728B52AA6E4}">
+                <adec:decorative xmlns:adec="http://schemas.microsoft.com/office/drawing/2017/decorative" val="1"/>
+              </a:ext>
+            </a:extLst>
+          </p:cNvPr>
+          <p:cNvSpPr>
+            <a:spLocks noGrp="1" noRot="1" noChangeAspect="1" noMove="1" noResize="1" noEditPoints="1" noAdjustHandles="1" noChangeArrowheads="1" noChangeShapeType="1" noTextEdit="1"/>
+          </p:cNvSpPr>
+          <p:nvPr>
+            <p:extLst>
+              <p:ext uri="{386F3935-93C4-4BCD-93E2-E3B085C9AB24}">
+                <p16:designElem xmlns:p16="http://schemas.microsoft.com/office/powerpoint/2015/main" val="1"/>
+              </p:ext>
+            </p:extLst>
+          </p:nvPr>
+        </p:nvSpPr>
+        <p:spPr>
+          <a:xfrm>
+            <a:off x="0" y="0"/>
+            <a:ext cx="12192000" cy="6858000"/>
+          </a:xfrm>
+          <a:prstGeom prst="rect">
+            <a:avLst/>
+          </a:prstGeom>
+          <a:ln>
+            <a:noFill/>
+          </a:ln>
+        </p:spPr>
+        <p:style>
+          <a:lnRef idx="2">
+            <a:schemeClr val="accent1">
+              <a:shade val="50000"/>
+            </a:schemeClr>
+          </a:lnRef>
+          <a:fillRef idx="1003">
+            <a:schemeClr val="dk2"/>
+          </a:fillRef>
+          <a:effectRef idx="0">
+            <a:schemeClr val="accent1"/>
+          </a:effectRef>
+          <a:fontRef idx="minor">
+            <a:schemeClr val="lt1"/>
+          </a:fontRef>
+        </p:style>
+        <p:txBody>
+          <a:bodyPr rtlCol="0" anchor="ctr"/>
+          <a:lstStyle/>
+          <a:p>
+            <a:pPr algn="ctr"/>
+            <a:endParaRPr lang="en-US"/>
+          </a:p>
+        </p:txBody>
+      </p:sp>
+      <p:pic>
+        <p:nvPicPr>
+          <p:cNvPr id="15" name="Picture 2">
+            <a:extLst>
+              <a:ext uri="{FF2B5EF4-FFF2-40B4-BE49-F238E27FC236}">
+                <a16:creationId xmlns:a16="http://schemas.microsoft.com/office/drawing/2014/main" id="{FE6BA9E6-1D9E-4D30-B528-D49FA1342E4E}"/>
+              </a:ext>
+              <a:ext uri="{C183D7F6-B498-43B3-948B-1728B52AA6E4}">
+                <adec:decorative xmlns:adec="http://schemas.microsoft.com/office/drawing/2017/decorative" val="1"/>
+              </a:ext>
+            </a:extLst>
+          </p:cNvPr>
+          <p:cNvPicPr>
+            <a:picLocks noGrp="1" noRot="1" noChangeAspect="1" noMove="1" noResize="1" noEditPoints="1" noAdjustHandles="1" noChangeArrowheads="1" noChangeShapeType="1" noCrop="1"/>
+          </p:cNvPicPr>
+          <p:nvPr>
+            <p:extLst>
+              <p:ext uri="{386F3935-93C4-4BCD-93E2-E3B085C9AB24}">
+                <p16:designElem xmlns:p16="http://schemas.microsoft.com/office/powerpoint/2015/main" val="1"/>
+              </p:ext>
+            </p:extLst>
+          </p:nvPr>
+        </p:nvPicPr>
+        <p:blipFill>
+          <a:blip r:embed="rId3">
+            <a:alphaModFix amt="30000"/>
+            <a:extLst>
+              <a:ext uri="{28A0092B-C50C-407E-A947-70E740481C1C}">
+                <a14:useLocalDpi xmlns:a14="http://schemas.microsoft.com/office/drawing/2010/main" val="0"/>
+              </a:ext>
+            </a:extLst>
+          </a:blip>
+          <a:srcRect/>
+          <a:stretch>
+            <a:fillRect/>
+          </a:stretch>
+        </p:blipFill>
+        <p:spPr bwMode="auto">
+          <a:xfrm>
+            <a:off x="0" y="0"/>
+            <a:ext cx="12192003" cy="6858001"/>
+          </a:xfrm>
+          <a:prstGeom prst="rect">
+            <a:avLst/>
+          </a:prstGeom>
+          <a:noFill/>
+          <a:extLst>
+            <a:ext uri="{909E8E84-426E-40dd-AFC4-6F175D3DCCD1}">
+              <a14:hiddenFill xmlns="" xmlns:a16="http://schemas.microsoft.com/office/drawing/2014/main" xmlns:p14="http://schemas.microsoft.com/office/powerpoint/2010/main" xmlns:a14="http://schemas.microsoft.com/office/drawing/2010/main">
+                <a:solidFill>
+                  <a:srgbClr val="FFFFFF"/>
+                </a:solidFill>
+              </a14:hiddenFill>
+            </a:ext>
+          </a:extLst>
+        </p:spPr>
+      </p:pic>
+      <p:sp>
+        <p:nvSpPr>
+          <p:cNvPr id="2" name="Title 1">
+            <a:extLst>
+              <a:ext uri="{FF2B5EF4-FFF2-40B4-BE49-F238E27FC236}">
+                <a16:creationId xmlns:a16="http://schemas.microsoft.com/office/drawing/2014/main" id="{7AFF7319-F9E1-4261-ACAA-069C318D0EFB}"/>
+              </a:ext>
+            </a:extLst>
+          </p:cNvPr>
+          <p:cNvSpPr>
+            <a:spLocks noGrp="1"/>
+          </p:cNvSpPr>
+          <p:nvPr>
+            <p:ph type="title"/>
+          </p:nvPr>
+        </p:nvSpPr>
+        <p:spPr>
+          <a:xfrm>
+            <a:off x="1141413" y="618518"/>
+            <a:ext cx="4459286" cy="1478570"/>
+          </a:xfrm>
+        </p:spPr>
+        <p:txBody>
+          <a:bodyPr>
+            <a:normAutofit/>
+          </a:bodyPr>
+          <a:lstStyle/>
+          <a:p>
+            <a:r>
+              <a:rPr lang="en-IE" sz="3200"/>
+              <a:t>Class component</a:t>
+            </a:r>
+          </a:p>
+        </p:txBody>
+      </p:sp>
+      <p:sp>
+        <p:nvSpPr>
+          <p:cNvPr id="10" name="Content Placeholder 9">
+            <a:extLst>
+              <a:ext uri="{FF2B5EF4-FFF2-40B4-BE49-F238E27FC236}">
+                <a16:creationId xmlns:a16="http://schemas.microsoft.com/office/drawing/2014/main" id="{EC8862F5-F097-4528-87F4-F905A0BA07FA}"/>
+              </a:ext>
+            </a:extLst>
+          </p:cNvPr>
+          <p:cNvSpPr>
+            <a:spLocks noGrp="1"/>
+          </p:cNvSpPr>
+          <p:nvPr>
+            <p:ph idx="1"/>
+          </p:nvPr>
+        </p:nvSpPr>
+        <p:spPr>
+          <a:xfrm>
+            <a:off x="1141412" y="2249487"/>
+            <a:ext cx="4459287" cy="3965046"/>
+          </a:xfrm>
+        </p:spPr>
+        <p:txBody>
+          <a:bodyPr>
+            <a:normAutofit/>
+          </a:bodyPr>
+          <a:lstStyle/>
+          <a:p>
+            <a:pPr marL="0" indent="0">
+              <a:buNone/>
+            </a:pPr>
+            <a:r>
+              <a:rPr lang="en-IE" dirty="0"/>
+              <a:t>A class component is a more featured way to define a React component. It also acts like a function that receives props, but that function also considers a private internal state as additional input that controls the returned JSX</a:t>
+            </a:r>
+            <a:endParaRPr lang="en-US" sz="2000" dirty="0"/>
+          </a:p>
+        </p:txBody>
+      </p:sp>
+      <p:pic>
+        <p:nvPicPr>
+          <p:cNvPr id="8" name="Content Placeholder 4" descr="A screenshot of a social media post&#10;&#10;Description automatically generated">
+            <a:extLst>
+              <a:ext uri="{FF2B5EF4-FFF2-40B4-BE49-F238E27FC236}">
+                <a16:creationId xmlns:a16="http://schemas.microsoft.com/office/drawing/2014/main" id="{BFCFADA7-3A71-4B71-9F94-B24130ED66DE}"/>
+              </a:ext>
+            </a:extLst>
+          </p:cNvPr>
+          <p:cNvPicPr>
+            <a:picLocks noChangeAspect="1"/>
+          </p:cNvPicPr>
+          <p:nvPr/>
+        </p:nvPicPr>
+        <p:blipFill>
+          <a:blip r:embed="rId4"/>
+          <a:stretch>
+            <a:fillRect/>
+          </a:stretch>
+        </p:blipFill>
+        <p:spPr>
+          <a:xfrm>
+            <a:off x="6096000" y="2256367"/>
+            <a:ext cx="5456279" cy="3965046"/>
+          </a:xfrm>
+          <a:prstGeom prst="round2DiagRect">
+            <a:avLst>
+              <a:gd name="adj1" fmla="val 5608"/>
+              <a:gd name="adj2" fmla="val 0"/>
+            </a:avLst>
+          </a:prstGeom>
+          <a:ln w="19050" cap="sq">
+            <a:solidFill>
+              <a:schemeClr val="tx2">
+                <a:lumMod val="60000"/>
+                <a:lumOff val="40000"/>
+                <a:alpha val="60000"/>
+              </a:schemeClr>
+            </a:solidFill>
+            <a:miter lim="800000"/>
+          </a:ln>
+          <a:effectLst>
+            <a:outerShdw blurRad="88900" dist="38100" dir="5400000" algn="t" rotWithShape="0">
+              <a:prstClr val="black">
+                <a:alpha val="40000"/>
+              </a:prstClr>
+            </a:outerShdw>
+          </a:effectLst>
+        </p:spPr>
+      </p:pic>
+      <p:grpSp>
+        <p:nvGrpSpPr>
+          <p:cNvPr id="17" name="Group 16">
+            <a:extLst>
+              <a:ext uri="{FF2B5EF4-FFF2-40B4-BE49-F238E27FC236}">
+                <a16:creationId xmlns:a16="http://schemas.microsoft.com/office/drawing/2014/main" id="{453E4DEE-E996-40F8-8635-0FF43D7348F9}"/>
+              </a:ext>
+              <a:ext uri="{C183D7F6-B498-43B3-948B-1728B52AA6E4}">
+                <adec:decorative xmlns:adec="http://schemas.microsoft.com/office/drawing/2017/decorative" val="1"/>
+              </a:ext>
+            </a:extLst>
+          </p:cNvPr>
+          <p:cNvGrpSpPr>
+            <a:grpSpLocks noGrp="1" noUngrp="1" noRot="1" noChangeAspect="1" noMove="1" noResize="1"/>
+          </p:cNvGrpSpPr>
+          <p:nvPr>
+            <p:extLst>
+              <p:ext uri="{386F3935-93C4-4BCD-93E2-E3B085C9AB24}">
+                <p16:designElem xmlns:p16="http://schemas.microsoft.com/office/powerpoint/2015/main" val="1"/>
+              </p:ext>
+            </p:extLst>
+          </p:nvPr>
+        </p:nvGrpSpPr>
+        <p:grpSpPr>
+          <a:xfrm>
+            <a:off x="0" y="0"/>
+            <a:ext cx="1220788" cy="6858001"/>
+            <a:chOff x="-14288" y="0"/>
+            <a:chExt cx="1220788" cy="6858001"/>
+          </a:xfrm>
+          <a:gradFill flip="none" rotWithShape="1">
+            <a:gsLst>
+              <a:gs pos="0">
+                <a:schemeClr val="tx2"/>
+              </a:gs>
+              <a:gs pos="100000">
+                <a:schemeClr val="bg2">
+                  <a:lumMod val="60000"/>
+                  <a:lumOff val="40000"/>
+                </a:schemeClr>
+              </a:gs>
+            </a:gsLst>
+            <a:lin ang="5400000" scaled="0"/>
+            <a:tileRect/>
+          </a:gradFill>
+        </p:grpSpPr>
+        <p:sp>
+          <p:nvSpPr>
+            <p:cNvPr id="18" name="Rectangle 5">
+              <a:extLst>
+                <a:ext uri="{FF2B5EF4-FFF2-40B4-BE49-F238E27FC236}">
+                  <a16:creationId xmlns:a16="http://schemas.microsoft.com/office/drawing/2014/main" id="{08BD1D3E-43CE-49EB-A424-0738950C6424}"/>
+                </a:ext>
+                <a:ext uri="{C183D7F6-B498-43B3-948B-1728B52AA6E4}">
+                  <adec:decorative xmlns:adec="http://schemas.microsoft.com/office/drawing/2017/decorative" val="1"/>
+                </a:ext>
+              </a:extLst>
+            </p:cNvPr>
+            <p:cNvSpPr>
+              <a:spLocks noChangeArrowheads="1"/>
+            </p:cNvSpPr>
+            <p:nvPr>
+              <p:extLst>
+                <p:ext uri="{386F3935-93C4-4BCD-93E2-E3B085C9AB24}">
+                  <p16:designElem xmlns:p16="http://schemas.microsoft.com/office/powerpoint/2015/main" val="1"/>
+                </p:ext>
+              </p:extLst>
+            </p:nvPr>
+          </p:nvSpPr>
+          <p:spPr bwMode="auto">
+            <a:xfrm>
+              <a:off x="114300" y="4763"/>
+              <a:ext cx="23813" cy="2181225"/>
+            </a:xfrm>
+            <a:prstGeom prst="rect">
+              <a:avLst/>
+            </a:prstGeom>
+            <a:grpFill/>
+            <a:ln>
+              <a:noFill/>
+            </a:ln>
+            <a:extLst>
+              <a:ext uri="{91240B29-F687-4f45-9708-019B960494DF}">
+                <a14:hiddenLine xmlns="" xmlns:a16="http://schemas.microsoft.com/office/drawing/2014/main" xmlns:p14="http://schemas.microsoft.com/office/powerpoint/2010/main" xmlns:a14="http://schemas.microsoft.com/office/drawing/2010/main" w="9525">
+                  <a:solidFill>
+                    <a:srgbClr val="000000"/>
+                  </a:solidFill>
+                  <a:miter lim="800000"/>
+                  <a:headEnd/>
+                  <a:tailEnd/>
+                </a14:hiddenLine>
+              </a:ext>
+            </a:extLst>
+          </p:spPr>
+        </p:sp>
+        <p:sp>
+          <p:nvSpPr>
+            <p:cNvPr id="19" name="Freeform 6">
+              <a:extLst>
+                <a:ext uri="{FF2B5EF4-FFF2-40B4-BE49-F238E27FC236}">
+                  <a16:creationId xmlns:a16="http://schemas.microsoft.com/office/drawing/2014/main" id="{E9182037-E3FA-489A-95D5-29E4248420D8}"/>
+                </a:ext>
+                <a:ext uri="{C183D7F6-B498-43B3-948B-1728B52AA6E4}">
+                  <adec:decorative xmlns:adec="http://schemas.microsoft.com/office/drawing/2017/decorative" val="1"/>
+                </a:ext>
+              </a:extLst>
+            </p:cNvPr>
+            <p:cNvSpPr>
+              <a:spLocks noEditPoints="1"/>
+            </p:cNvSpPr>
+            <p:nvPr>
+              <p:extLst>
+                <p:ext uri="{386F3935-93C4-4BCD-93E2-E3B085C9AB24}">
+                  <p16:designElem xmlns:p16="http://schemas.microsoft.com/office/powerpoint/2015/main" val="1"/>
+                </p:ext>
+              </p:extLst>
+            </p:nvPr>
+          </p:nvSpPr>
+          <p:spPr bwMode="auto">
+            <a:xfrm>
+              <a:off x="33337" y="2176463"/>
+              <a:ext cx="190500" cy="190500"/>
+            </a:xfrm>
+            <a:custGeom>
+              <a:avLst/>
+              <a:gdLst/>
+              <a:ahLst/>
+              <a:cxnLst/>
+              <a:rect l="0" t="0" r="r" b="b"/>
+              <a:pathLst>
+                <a:path w="40" h="40">
+                  <a:moveTo>
+                    <a:pt x="20" y="40"/>
+                  </a:moveTo>
+                  <a:cubicBezTo>
+                    <a:pt x="9" y="40"/>
+                    <a:pt x="0" y="31"/>
+                    <a:pt x="0" y="20"/>
+                  </a:cubicBezTo>
+                  <a:cubicBezTo>
+                    <a:pt x="0" y="9"/>
+                    <a:pt x="9" y="0"/>
+                    <a:pt x="20" y="0"/>
+                  </a:cubicBezTo>
+                  <a:cubicBezTo>
+                    <a:pt x="31" y="0"/>
+                    <a:pt x="40" y="9"/>
+                    <a:pt x="40" y="20"/>
+                  </a:cubicBezTo>
+                  <a:cubicBezTo>
+                    <a:pt x="40" y="31"/>
+                    <a:pt x="31" y="40"/>
+                    <a:pt x="20" y="40"/>
+                  </a:cubicBezTo>
+                  <a:close/>
+                  <a:moveTo>
+                    <a:pt x="20" y="4"/>
+                  </a:moveTo>
+                  <a:cubicBezTo>
+                    <a:pt x="11" y="4"/>
+                    <a:pt x="4" y="11"/>
+                    <a:pt x="4" y="20"/>
+                  </a:cubicBezTo>
+                  <a:cubicBezTo>
+                    <a:pt x="4" y="29"/>
+                    <a:pt x="11" y="36"/>
+                    <a:pt x="20" y="36"/>
+                  </a:cubicBezTo>
+                  <a:cubicBezTo>
+                    <a:pt x="28" y="36"/>
+                    <a:pt x="36" y="29"/>
+                    <a:pt x="36" y="20"/>
+                  </a:cubicBezTo>
+                  <a:cubicBezTo>
+                    <a:pt x="36" y="11"/>
+                    <a:pt x="28" y="4"/>
+                    <a:pt x="20" y="4"/>
+                  </a:cubicBezTo>
+                  <a:close/>
+                </a:path>
+              </a:pathLst>
+            </a:custGeom>
+            <a:grpFill/>
+            <a:ln>
+              <a:noFill/>
+            </a:ln>
+            <a:extLst>
+              <a:ext uri="{91240B29-F687-4f45-9708-019B960494DF}">
+                <a14:hiddenLine xmlns="" xmlns:a16="http://schemas.microsoft.com/office/drawing/2014/main" xmlns:p14="http://schemas.microsoft.com/office/powerpoint/2010/main" xmlns:a14="http://schemas.microsoft.com/office/drawing/2010/main" w="9525">
+                  <a:solidFill>
+                    <a:srgbClr val="000000"/>
+                  </a:solidFill>
+                  <a:round/>
+                  <a:headEnd/>
+                  <a:tailEnd/>
+                </a14:hiddenLine>
+              </a:ext>
+            </a:extLst>
+          </p:spPr>
+        </p:sp>
+        <p:sp>
+          <p:nvSpPr>
+            <p:cNvPr id="20" name="Freeform 7">
+              <a:extLst>
+                <a:ext uri="{FF2B5EF4-FFF2-40B4-BE49-F238E27FC236}">
+                  <a16:creationId xmlns:a16="http://schemas.microsoft.com/office/drawing/2014/main" id="{E8864E76-AD7F-4BEE-B3F6-A78FA42AEFAC}"/>
+                </a:ext>
+                <a:ext uri="{C183D7F6-B498-43B3-948B-1728B52AA6E4}">
+                  <adec:decorative xmlns:adec="http://schemas.microsoft.com/office/drawing/2017/decorative" val="1"/>
+                </a:ext>
+              </a:extLst>
+            </p:cNvPr>
+            <p:cNvSpPr>
+              <a:spLocks noEditPoints="1"/>
+            </p:cNvSpPr>
+            <p:nvPr>
+              <p:extLst>
+                <p:ext uri="{386F3935-93C4-4BCD-93E2-E3B085C9AB24}">
+                  <p16:designElem xmlns:p16="http://schemas.microsoft.com/office/powerpoint/2015/main" val="1"/>
+                </p:ext>
+              </p:extLst>
+            </p:nvPr>
+          </p:nvSpPr>
+          <p:spPr bwMode="auto">
+            <a:xfrm>
+              <a:off x="28575" y="4021138"/>
+              <a:ext cx="190500" cy="188913"/>
+            </a:xfrm>
+            <a:custGeom>
+              <a:avLst/>
+              <a:gdLst/>
+              <a:ahLst/>
+              <a:cxnLst/>
+              <a:rect l="0" t="0" r="r" b="b"/>
+              <a:pathLst>
+                <a:path w="40" h="40">
+                  <a:moveTo>
+                    <a:pt x="20" y="40"/>
+                  </a:moveTo>
+                  <a:cubicBezTo>
+                    <a:pt x="9" y="40"/>
+                    <a:pt x="0" y="31"/>
+                    <a:pt x="0" y="20"/>
+                  </a:cubicBezTo>
+                  <a:cubicBezTo>
+                    <a:pt x="0" y="9"/>
+                    <a:pt x="9" y="0"/>
+                    <a:pt x="20" y="0"/>
+                  </a:cubicBezTo>
+                  <a:cubicBezTo>
+                    <a:pt x="31" y="0"/>
+                    <a:pt x="40" y="9"/>
+                    <a:pt x="40" y="20"/>
+                  </a:cubicBezTo>
+                  <a:cubicBezTo>
+                    <a:pt x="40" y="31"/>
+                    <a:pt x="31" y="40"/>
+                    <a:pt x="20" y="40"/>
+                  </a:cubicBezTo>
+                  <a:close/>
+                  <a:moveTo>
+                    <a:pt x="20" y="4"/>
+                  </a:moveTo>
+                  <a:cubicBezTo>
+                    <a:pt x="12" y="4"/>
+                    <a:pt x="4" y="11"/>
+                    <a:pt x="4" y="20"/>
+                  </a:cubicBezTo>
+                  <a:cubicBezTo>
+                    <a:pt x="4" y="29"/>
+                    <a:pt x="12" y="36"/>
+                    <a:pt x="20" y="36"/>
+                  </a:cubicBezTo>
+                  <a:cubicBezTo>
+                    <a:pt x="29" y="36"/>
+                    <a:pt x="36" y="29"/>
+                    <a:pt x="36" y="20"/>
+                  </a:cubicBezTo>
+                  <a:cubicBezTo>
+                    <a:pt x="36" y="11"/>
+                    <a:pt x="29" y="4"/>
+                    <a:pt x="20" y="4"/>
+                  </a:cubicBezTo>
+                  <a:close/>
+                </a:path>
+              </a:pathLst>
+            </a:custGeom>
+            <a:grpFill/>
+            <a:ln>
+              <a:noFill/>
+            </a:ln>
+            <a:extLst>
+              <a:ext uri="{91240B29-F687-4f45-9708-019B960494DF}">
+                <a14:hiddenLine xmlns="" xmlns:a16="http://schemas.microsoft.com/office/drawing/2014/main" xmlns:p14="http://schemas.microsoft.com/office/powerpoint/2010/main" xmlns:a14="http://schemas.microsoft.com/office/drawing/2010/main" w="9525">
+                  <a:solidFill>
+                    <a:srgbClr val="000000"/>
+                  </a:solidFill>
+                  <a:round/>
+                  <a:headEnd/>
+                  <a:tailEnd/>
+                </a14:hiddenLine>
+              </a:ext>
+            </a:extLst>
+          </p:spPr>
+        </p:sp>
+        <p:sp>
+          <p:nvSpPr>
+            <p:cNvPr id="21" name="Freeform 8">
+              <a:extLst>
+                <a:ext uri="{FF2B5EF4-FFF2-40B4-BE49-F238E27FC236}">
+                  <a16:creationId xmlns:a16="http://schemas.microsoft.com/office/drawing/2014/main" id="{8AD071B3-046D-4479-91FE-01E9AD7C8AAB}"/>
+                </a:ext>
+                <a:ext uri="{C183D7F6-B498-43B3-948B-1728B52AA6E4}">
+                  <adec:decorative xmlns:adec="http://schemas.microsoft.com/office/drawing/2017/decorative" val="1"/>
+                </a:ext>
+              </a:extLst>
+            </p:cNvPr>
+            <p:cNvSpPr/>
+            <p:nvPr>
+              <p:extLst>
+                <p:ext uri="{386F3935-93C4-4BCD-93E2-E3B085C9AB24}">
+                  <p16:designElem xmlns:p16="http://schemas.microsoft.com/office/powerpoint/2015/main" val="1"/>
+                </p:ext>
+              </p:extLst>
+            </p:nvPr>
+          </p:nvSpPr>
+          <p:spPr bwMode="auto">
+            <a:xfrm>
+              <a:off x="200025" y="4763"/>
+              <a:ext cx="369888" cy="1811338"/>
+            </a:xfrm>
+            <a:custGeom>
+              <a:avLst/>
+              <a:gdLst/>
+              <a:ahLst/>
+              <a:cxnLst/>
+              <a:rect l="0" t="0" r="r" b="b"/>
+              <a:pathLst>
+                <a:path w="233" h="1141">
+                  <a:moveTo>
+                    <a:pt x="218" y="1141"/>
+                  </a:moveTo>
+                  <a:lnTo>
+                    <a:pt x="0" y="626"/>
+                  </a:lnTo>
+                  <a:lnTo>
+                    <a:pt x="0" y="0"/>
+                  </a:lnTo>
+                  <a:lnTo>
+                    <a:pt x="15" y="0"/>
+                  </a:lnTo>
+                  <a:lnTo>
+                    <a:pt x="15" y="623"/>
+                  </a:lnTo>
+                  <a:lnTo>
+                    <a:pt x="233" y="1135"/>
+                  </a:lnTo>
+                  <a:lnTo>
+                    <a:pt x="218" y="1141"/>
+                  </a:lnTo>
+                  <a:close/>
+                </a:path>
+              </a:pathLst>
+            </a:custGeom>
+            <a:grpFill/>
+            <a:ln>
+              <a:noFill/>
+            </a:ln>
+            <a:extLst>
+              <a:ext uri="{91240B29-F687-4f45-9708-019B960494DF}">
+                <a14:hiddenLine xmlns="" xmlns:a16="http://schemas.microsoft.com/office/drawing/2014/main" xmlns:p14="http://schemas.microsoft.com/office/powerpoint/2010/main" xmlns:a14="http://schemas.microsoft.com/office/drawing/2010/main" w="9525">
+                  <a:solidFill>
+                    <a:srgbClr val="000000"/>
+                  </a:solidFill>
+                  <a:round/>
+                  <a:headEnd/>
+                  <a:tailEnd/>
+                </a14:hiddenLine>
+              </a:ext>
+            </a:extLst>
+          </p:spPr>
+        </p:sp>
+        <p:sp>
+          <p:nvSpPr>
+            <p:cNvPr id="22" name="Freeform 9">
+              <a:extLst>
+                <a:ext uri="{FF2B5EF4-FFF2-40B4-BE49-F238E27FC236}">
+                  <a16:creationId xmlns:a16="http://schemas.microsoft.com/office/drawing/2014/main" id="{91D776F5-E902-4A4D-A75D-A46E063C9F38}"/>
+                </a:ext>
+                <a:ext uri="{C183D7F6-B498-43B3-948B-1728B52AA6E4}">
+                  <adec:decorative xmlns:adec="http://schemas.microsoft.com/office/drawing/2017/decorative" val="1"/>
+                </a:ext>
+              </a:extLst>
+            </p:cNvPr>
+            <p:cNvSpPr>
+              <a:spLocks noEditPoints="1"/>
+            </p:cNvSpPr>
+            <p:nvPr>
+              <p:extLst>
+                <p:ext uri="{386F3935-93C4-4BCD-93E2-E3B085C9AB24}">
+                  <p16:designElem xmlns:p16="http://schemas.microsoft.com/office/powerpoint/2015/main" val="1"/>
+                </p:ext>
+              </p:extLst>
+            </p:nvPr>
+          </p:nvSpPr>
+          <p:spPr bwMode="auto">
+            <a:xfrm>
+              <a:off x="503237" y="1801813"/>
+              <a:ext cx="190500" cy="188913"/>
+            </a:xfrm>
+            <a:custGeom>
+              <a:avLst/>
+              <a:gdLst/>
+              <a:ahLst/>
+              <a:cxnLst/>
+              <a:rect l="0" t="0" r="r" b="b"/>
+              <a:pathLst>
+                <a:path w="40" h="40">
+                  <a:moveTo>
+                    <a:pt x="20" y="40"/>
+                  </a:moveTo>
+                  <a:cubicBezTo>
+                    <a:pt x="9" y="40"/>
+                    <a:pt x="0" y="31"/>
+                    <a:pt x="0" y="20"/>
+                  </a:cubicBezTo>
+                  <a:cubicBezTo>
+                    <a:pt x="0" y="9"/>
+                    <a:pt x="9" y="0"/>
+                    <a:pt x="20" y="0"/>
+                  </a:cubicBezTo>
+                  <a:cubicBezTo>
+                    <a:pt x="33" y="0"/>
+                    <a:pt x="40" y="6"/>
+                    <a:pt x="40" y="20"/>
+                  </a:cubicBezTo>
+                  <a:cubicBezTo>
+                    <a:pt x="40" y="31"/>
+                    <a:pt x="31" y="40"/>
+                    <a:pt x="20" y="40"/>
+                  </a:cubicBezTo>
+                  <a:close/>
+                  <a:moveTo>
+                    <a:pt x="20" y="4"/>
+                  </a:moveTo>
+                  <a:cubicBezTo>
+                    <a:pt x="11" y="4"/>
+                    <a:pt x="4" y="11"/>
+                    <a:pt x="4" y="20"/>
+                  </a:cubicBezTo>
+                  <a:cubicBezTo>
+                    <a:pt x="4" y="29"/>
+                    <a:pt x="11" y="36"/>
+                    <a:pt x="20" y="36"/>
+                  </a:cubicBezTo>
+                  <a:cubicBezTo>
+                    <a:pt x="28" y="36"/>
+                    <a:pt x="36" y="29"/>
+                    <a:pt x="36" y="20"/>
+                  </a:cubicBezTo>
+                  <a:cubicBezTo>
+                    <a:pt x="36" y="9"/>
+                    <a:pt x="31" y="4"/>
+                    <a:pt x="20" y="4"/>
+                  </a:cubicBezTo>
+                  <a:close/>
+                </a:path>
+              </a:pathLst>
+            </a:custGeom>
+            <a:grpFill/>
+            <a:ln>
+              <a:noFill/>
+            </a:ln>
+            <a:extLst>
+              <a:ext uri="{91240B29-F687-4f45-9708-019B960494DF}">
+                <a14:hiddenLine xmlns="" xmlns:a16="http://schemas.microsoft.com/office/drawing/2014/main" xmlns:p14="http://schemas.microsoft.com/office/powerpoint/2010/main" xmlns:a14="http://schemas.microsoft.com/office/drawing/2010/main" w="9525">
+                  <a:solidFill>
+                    <a:srgbClr val="000000"/>
+                  </a:solidFill>
+                  <a:round/>
+                  <a:headEnd/>
+                  <a:tailEnd/>
+                </a14:hiddenLine>
+              </a:ext>
+            </a:extLst>
+          </p:spPr>
+        </p:sp>
+        <p:sp>
+          <p:nvSpPr>
+            <p:cNvPr id="23" name="Freeform 10">
+              <a:extLst>
+                <a:ext uri="{FF2B5EF4-FFF2-40B4-BE49-F238E27FC236}">
+                  <a16:creationId xmlns:a16="http://schemas.microsoft.com/office/drawing/2014/main" id="{EBED8F24-A998-4952-AB68-E2074F0746FE}"/>
+                </a:ext>
+                <a:ext uri="{C183D7F6-B498-43B3-948B-1728B52AA6E4}">
+                  <adec:decorative xmlns:adec="http://schemas.microsoft.com/office/drawing/2017/decorative" val="1"/>
+                </a:ext>
+              </a:extLst>
+            </p:cNvPr>
+            <p:cNvSpPr/>
+            <p:nvPr>
+              <p:extLst>
+                <p:ext uri="{386F3935-93C4-4BCD-93E2-E3B085C9AB24}">
+                  <p16:designElem xmlns:p16="http://schemas.microsoft.com/office/powerpoint/2015/main" val="1"/>
+                </p:ext>
+              </p:extLst>
+            </p:nvPr>
+          </p:nvSpPr>
+          <p:spPr bwMode="auto">
+            <a:xfrm>
+              <a:off x="285750" y="4763"/>
+              <a:ext cx="369888" cy="1430338"/>
+            </a:xfrm>
+            <a:custGeom>
+              <a:avLst/>
+              <a:gdLst/>
+              <a:ahLst/>
+              <a:cxnLst/>
+              <a:rect l="0" t="0" r="r" b="b"/>
+              <a:pathLst>
+                <a:path w="233" h="901">
+                  <a:moveTo>
+                    <a:pt x="221" y="901"/>
+                  </a:moveTo>
+                  <a:lnTo>
+                    <a:pt x="0" y="383"/>
+                  </a:lnTo>
+                  <a:lnTo>
+                    <a:pt x="0" y="0"/>
+                  </a:lnTo>
+                  <a:lnTo>
+                    <a:pt x="18" y="0"/>
+                  </a:lnTo>
+                  <a:lnTo>
+                    <a:pt x="18" y="380"/>
+                  </a:lnTo>
+                  <a:lnTo>
+                    <a:pt x="233" y="895"/>
+                  </a:lnTo>
+                  <a:lnTo>
+                    <a:pt x="221" y="901"/>
+                  </a:lnTo>
+                  <a:close/>
+                </a:path>
+              </a:pathLst>
+            </a:custGeom>
+            <a:grpFill/>
+            <a:ln>
+              <a:noFill/>
+            </a:ln>
+            <a:extLst>
+              <a:ext uri="{91240B29-F687-4f45-9708-019B960494DF}">
+                <a14:hiddenLine xmlns="" xmlns:a16="http://schemas.microsoft.com/office/drawing/2014/main" xmlns:p14="http://schemas.microsoft.com/office/powerpoint/2010/main" xmlns:a14="http://schemas.microsoft.com/office/drawing/2010/main" w="9525">
+                  <a:solidFill>
+                    <a:srgbClr val="000000"/>
+                  </a:solidFill>
+                  <a:round/>
+                  <a:headEnd/>
+                  <a:tailEnd/>
+                </a14:hiddenLine>
+              </a:ext>
+            </a:extLst>
+          </p:spPr>
+        </p:sp>
+        <p:sp>
+          <p:nvSpPr>
+            <p:cNvPr id="24" name="Freeform 11">
+              <a:extLst>
+                <a:ext uri="{FF2B5EF4-FFF2-40B4-BE49-F238E27FC236}">
+                  <a16:creationId xmlns:a16="http://schemas.microsoft.com/office/drawing/2014/main" id="{74D7A646-8CDC-49B3-9C44-3EF38DB4264C}"/>
+                </a:ext>
+                <a:ext uri="{C183D7F6-B498-43B3-948B-1728B52AA6E4}">
+                  <adec:decorative xmlns:adec="http://schemas.microsoft.com/office/drawing/2017/decorative" val="1"/>
+                </a:ext>
+              </a:extLst>
+            </p:cNvPr>
+            <p:cNvSpPr/>
+            <p:nvPr>
+              <p:extLst>
+                <p:ext uri="{386F3935-93C4-4BCD-93E2-E3B085C9AB24}">
+                  <p16:designElem xmlns:p16="http://schemas.microsoft.com/office/powerpoint/2015/main" val="1"/>
+                </p:ext>
+              </p:extLst>
+            </p:nvPr>
+          </p:nvSpPr>
+          <p:spPr bwMode="auto">
+            <a:xfrm>
+              <a:off x="546100" y="0"/>
+              <a:ext cx="152400" cy="912813"/>
+            </a:xfrm>
+            <a:custGeom>
+              <a:avLst/>
+              <a:gdLst/>
+              <a:ahLst/>
+              <a:cxnLst/>
+              <a:rect l="0" t="0" r="r" b="b"/>
+              <a:pathLst>
+                <a:path w="96" h="575">
+                  <a:moveTo>
+                    <a:pt x="96" y="575"/>
+                  </a:moveTo>
+                  <a:lnTo>
+                    <a:pt x="78" y="575"/>
+                  </a:lnTo>
+                  <a:lnTo>
+                    <a:pt x="78" y="192"/>
+                  </a:lnTo>
+                  <a:lnTo>
+                    <a:pt x="0" y="6"/>
+                  </a:lnTo>
+                  <a:lnTo>
+                    <a:pt x="15" y="0"/>
+                  </a:lnTo>
+                  <a:lnTo>
+                    <a:pt x="96" y="189"/>
+                  </a:lnTo>
+                  <a:lnTo>
+                    <a:pt x="96" y="575"/>
+                  </a:lnTo>
+                  <a:close/>
+                </a:path>
+              </a:pathLst>
+            </a:custGeom>
+            <a:grpFill/>
+            <a:ln>
+              <a:noFill/>
+            </a:ln>
+            <a:extLst>
+              <a:ext uri="{91240B29-F687-4f45-9708-019B960494DF}">
+                <a14:hiddenLine xmlns="" xmlns:a16="http://schemas.microsoft.com/office/drawing/2014/main" xmlns:p14="http://schemas.microsoft.com/office/powerpoint/2010/main" xmlns:a14="http://schemas.microsoft.com/office/drawing/2010/main" w="9525">
+                  <a:solidFill>
+                    <a:srgbClr val="000000"/>
+                  </a:solidFill>
+                  <a:round/>
+                  <a:headEnd/>
+                  <a:tailEnd/>
+                </a14:hiddenLine>
+              </a:ext>
+            </a:extLst>
+          </p:spPr>
+        </p:sp>
+        <p:sp>
+          <p:nvSpPr>
+            <p:cNvPr id="25" name="Freeform 12">
+              <a:extLst>
+                <a:ext uri="{FF2B5EF4-FFF2-40B4-BE49-F238E27FC236}">
+                  <a16:creationId xmlns:a16="http://schemas.microsoft.com/office/drawing/2014/main" id="{D4E99D14-E4F4-419B-9AAF-8D1CEAB28A2D}"/>
+                </a:ext>
+                <a:ext uri="{C183D7F6-B498-43B3-948B-1728B52AA6E4}">
+                  <adec:decorative xmlns:adec="http://schemas.microsoft.com/office/drawing/2017/decorative" val="1"/>
+                </a:ext>
+              </a:extLst>
+            </p:cNvPr>
+            <p:cNvSpPr>
+              <a:spLocks noEditPoints="1"/>
+            </p:cNvSpPr>
+            <p:nvPr>
+              <p:extLst>
+                <p:ext uri="{386F3935-93C4-4BCD-93E2-E3B085C9AB24}">
+                  <p16:designElem xmlns:p16="http://schemas.microsoft.com/office/powerpoint/2015/main" val="1"/>
+                </p:ext>
+              </p:extLst>
+            </p:nvPr>
+          </p:nvSpPr>
+          <p:spPr bwMode="auto">
+            <a:xfrm>
+              <a:off x="588962" y="1420813"/>
+              <a:ext cx="190500" cy="190500"/>
+            </a:xfrm>
+            <a:custGeom>
+              <a:avLst/>
+              <a:gdLst/>
+              <a:ahLst/>
+              <a:cxnLst/>
+              <a:rect l="0" t="0" r="r" b="b"/>
+              <a:pathLst>
+                <a:path w="40" h="40">
+                  <a:moveTo>
+                    <a:pt x="20" y="40"/>
+                  </a:moveTo>
+                  <a:cubicBezTo>
+                    <a:pt x="9" y="40"/>
+                    <a:pt x="0" y="31"/>
+                    <a:pt x="0" y="20"/>
+                  </a:cubicBezTo>
+                  <a:cubicBezTo>
+                    <a:pt x="0" y="9"/>
+                    <a:pt x="9" y="0"/>
+                    <a:pt x="20" y="0"/>
+                  </a:cubicBezTo>
+                  <a:cubicBezTo>
+                    <a:pt x="33" y="0"/>
+                    <a:pt x="40" y="7"/>
+                    <a:pt x="40" y="20"/>
+                  </a:cubicBezTo>
+                  <a:cubicBezTo>
+                    <a:pt x="40" y="31"/>
+                    <a:pt x="31" y="40"/>
+                    <a:pt x="20" y="40"/>
+                  </a:cubicBezTo>
+                  <a:close/>
+                  <a:moveTo>
+                    <a:pt x="20" y="4"/>
+                  </a:moveTo>
+                  <a:cubicBezTo>
+                    <a:pt x="11" y="4"/>
+                    <a:pt x="4" y="11"/>
+                    <a:pt x="4" y="20"/>
+                  </a:cubicBezTo>
+                  <a:cubicBezTo>
+                    <a:pt x="4" y="29"/>
+                    <a:pt x="11" y="36"/>
+                    <a:pt x="20" y="36"/>
+                  </a:cubicBezTo>
+                  <a:cubicBezTo>
+                    <a:pt x="29" y="36"/>
+                    <a:pt x="36" y="29"/>
+                    <a:pt x="36" y="20"/>
+                  </a:cubicBezTo>
+                  <a:cubicBezTo>
+                    <a:pt x="36" y="9"/>
+                    <a:pt x="31" y="4"/>
+                    <a:pt x="20" y="4"/>
+                  </a:cubicBezTo>
+                  <a:close/>
+                </a:path>
+              </a:pathLst>
+            </a:custGeom>
+            <a:grpFill/>
+            <a:ln>
+              <a:noFill/>
+            </a:ln>
+            <a:extLst>
+              <a:ext uri="{91240B29-F687-4f45-9708-019B960494DF}">
+                <a14:hiddenLine xmlns="" xmlns:a16="http://schemas.microsoft.com/office/drawing/2014/main" xmlns:p14="http://schemas.microsoft.com/office/powerpoint/2010/main" xmlns:a14="http://schemas.microsoft.com/office/drawing/2010/main" w="9525">
+                  <a:solidFill>
+                    <a:srgbClr val="000000"/>
+                  </a:solidFill>
+                  <a:round/>
+                  <a:headEnd/>
+                  <a:tailEnd/>
+                </a14:hiddenLine>
+              </a:ext>
+            </a:extLst>
+          </p:spPr>
+        </p:sp>
+        <p:sp>
+          <p:nvSpPr>
+            <p:cNvPr id="26" name="Freeform 13">
+              <a:extLst>
+                <a:ext uri="{FF2B5EF4-FFF2-40B4-BE49-F238E27FC236}">
+                  <a16:creationId xmlns:a16="http://schemas.microsoft.com/office/drawing/2014/main" id="{377E106C-5445-4A52-9F7E-DA1738744291}"/>
+                </a:ext>
+                <a:ext uri="{C183D7F6-B498-43B3-948B-1728B52AA6E4}">
+                  <adec:decorative xmlns:adec="http://schemas.microsoft.com/office/drawing/2017/decorative" val="1"/>
+                </a:ext>
+              </a:extLst>
+            </p:cNvPr>
+            <p:cNvSpPr>
+              <a:spLocks noEditPoints="1"/>
+            </p:cNvSpPr>
+            <p:nvPr>
+              <p:extLst>
+                <p:ext uri="{386F3935-93C4-4BCD-93E2-E3B085C9AB24}">
+                  <p16:designElem xmlns:p16="http://schemas.microsoft.com/office/powerpoint/2015/main" val="1"/>
+                </p:ext>
+              </p:extLst>
+            </p:nvPr>
+          </p:nvSpPr>
+          <p:spPr bwMode="auto">
+            <a:xfrm>
+              <a:off x="588962" y="903288"/>
+              <a:ext cx="190500" cy="190500"/>
+            </a:xfrm>
+            <a:custGeom>
+              <a:avLst/>
+              <a:gdLst/>
+              <a:ahLst/>
+              <a:cxnLst/>
+              <a:rect l="0" t="0" r="r" b="b"/>
+              <a:pathLst>
+                <a:path w="40" h="40">
+                  <a:moveTo>
+                    <a:pt x="20" y="40"/>
+                  </a:moveTo>
+                  <a:cubicBezTo>
+                    <a:pt x="9" y="40"/>
+                    <a:pt x="0" y="31"/>
+                    <a:pt x="0" y="20"/>
+                  </a:cubicBezTo>
+                  <a:cubicBezTo>
+                    <a:pt x="0" y="9"/>
+                    <a:pt x="9" y="0"/>
+                    <a:pt x="20" y="0"/>
+                  </a:cubicBezTo>
+                  <a:cubicBezTo>
+                    <a:pt x="31" y="0"/>
+                    <a:pt x="40" y="9"/>
+                    <a:pt x="40" y="20"/>
+                  </a:cubicBezTo>
+                  <a:cubicBezTo>
+                    <a:pt x="40" y="31"/>
+                    <a:pt x="31" y="40"/>
+                    <a:pt x="20" y="40"/>
+                  </a:cubicBezTo>
+                  <a:close/>
+                  <a:moveTo>
+                    <a:pt x="20" y="4"/>
+                  </a:moveTo>
+                  <a:cubicBezTo>
+                    <a:pt x="11" y="4"/>
+                    <a:pt x="4" y="11"/>
+                    <a:pt x="4" y="20"/>
+                  </a:cubicBezTo>
+                  <a:cubicBezTo>
+                    <a:pt x="4" y="29"/>
+                    <a:pt x="11" y="36"/>
+                    <a:pt x="20" y="36"/>
+                  </a:cubicBezTo>
+                  <a:cubicBezTo>
+                    <a:pt x="29" y="36"/>
+                    <a:pt x="36" y="29"/>
+                    <a:pt x="36" y="20"/>
+                  </a:cubicBezTo>
+                  <a:cubicBezTo>
+                    <a:pt x="36" y="11"/>
+                    <a:pt x="29" y="4"/>
+                    <a:pt x="20" y="4"/>
+                  </a:cubicBezTo>
+                  <a:close/>
+                </a:path>
+              </a:pathLst>
+            </a:custGeom>
+            <a:grpFill/>
+            <a:ln>
+              <a:noFill/>
+            </a:ln>
+            <a:extLst>
+              <a:ext uri="{91240B29-F687-4f45-9708-019B960494DF}">
+                <a14:hiddenLine xmlns="" xmlns:a16="http://schemas.microsoft.com/office/drawing/2014/main" xmlns:p14="http://schemas.microsoft.com/office/powerpoint/2010/main" xmlns:a14="http://schemas.microsoft.com/office/drawing/2010/main" w="9525">
+                  <a:solidFill>
+                    <a:srgbClr val="000000"/>
+                  </a:solidFill>
+                  <a:round/>
+                  <a:headEnd/>
+                  <a:tailEnd/>
+                </a14:hiddenLine>
+              </a:ext>
+            </a:extLst>
+          </p:spPr>
+        </p:sp>
+        <p:sp>
+          <p:nvSpPr>
+            <p:cNvPr id="27" name="Freeform 14">
+              <a:extLst>
+                <a:ext uri="{FF2B5EF4-FFF2-40B4-BE49-F238E27FC236}">
+                  <a16:creationId xmlns:a16="http://schemas.microsoft.com/office/drawing/2014/main" id="{752BFE96-D378-4BAE-A64B-F851A34C4770}"/>
+                </a:ext>
+                <a:ext uri="{C183D7F6-B498-43B3-948B-1728B52AA6E4}">
+                  <adec:decorative xmlns:adec="http://schemas.microsoft.com/office/drawing/2017/decorative" val="1"/>
+                </a:ext>
+              </a:extLst>
+            </p:cNvPr>
+            <p:cNvSpPr/>
+            <p:nvPr>
+              <p:extLst>
+                <p:ext uri="{386F3935-93C4-4BCD-93E2-E3B085C9AB24}">
+                  <p16:designElem xmlns:p16="http://schemas.microsoft.com/office/powerpoint/2015/main" val="1"/>
+                </p:ext>
+              </p:extLst>
+            </p:nvPr>
+          </p:nvSpPr>
+          <p:spPr bwMode="auto">
+            <a:xfrm>
+              <a:off x="641350" y="0"/>
+              <a:ext cx="422275" cy="527050"/>
+            </a:xfrm>
+            <a:custGeom>
+              <a:avLst/>
+              <a:gdLst/>
+              <a:ahLst/>
+              <a:cxnLst/>
+              <a:rect l="0" t="0" r="r" b="b"/>
+              <a:pathLst>
+                <a:path w="266" h="332">
+                  <a:moveTo>
+                    <a:pt x="257" y="332"/>
+                  </a:moveTo>
+                  <a:lnTo>
+                    <a:pt x="48" y="123"/>
+                  </a:lnTo>
+                  <a:lnTo>
+                    <a:pt x="0" y="6"/>
+                  </a:lnTo>
+                  <a:lnTo>
+                    <a:pt x="15" y="0"/>
+                  </a:lnTo>
+                  <a:lnTo>
+                    <a:pt x="63" y="114"/>
+                  </a:lnTo>
+                  <a:lnTo>
+                    <a:pt x="266" y="320"/>
+                  </a:lnTo>
+                  <a:lnTo>
+                    <a:pt x="257" y="332"/>
+                  </a:lnTo>
+                  <a:close/>
+                </a:path>
+              </a:pathLst>
+            </a:custGeom>
+            <a:grpFill/>
+            <a:ln>
+              <a:noFill/>
+            </a:ln>
+            <a:extLst>
+              <a:ext uri="{91240B29-F687-4f45-9708-019B960494DF}">
+                <a14:hiddenLine xmlns="" xmlns:a16="http://schemas.microsoft.com/office/drawing/2014/main" xmlns:p14="http://schemas.microsoft.com/office/powerpoint/2010/main" xmlns:a14="http://schemas.microsoft.com/office/drawing/2010/main" w="9525">
+                  <a:solidFill>
+                    <a:srgbClr val="000000"/>
+                  </a:solidFill>
+                  <a:round/>
+                  <a:headEnd/>
+                  <a:tailEnd/>
+                </a14:hiddenLine>
+              </a:ext>
+            </a:extLst>
+          </p:spPr>
+        </p:sp>
+        <p:sp>
+          <p:nvSpPr>
+            <p:cNvPr id="28" name="Freeform 15">
+              <a:extLst>
+                <a:ext uri="{FF2B5EF4-FFF2-40B4-BE49-F238E27FC236}">
+                  <a16:creationId xmlns:a16="http://schemas.microsoft.com/office/drawing/2014/main" id="{B88FFB19-5A5E-4078-B467-9D4ABD21BD9A}"/>
+                </a:ext>
+                <a:ext uri="{C183D7F6-B498-43B3-948B-1728B52AA6E4}">
+                  <adec:decorative xmlns:adec="http://schemas.microsoft.com/office/drawing/2017/decorative" val="1"/>
+                </a:ext>
+              </a:extLst>
+            </p:cNvPr>
+            <p:cNvSpPr>
+              <a:spLocks noEditPoints="1"/>
+            </p:cNvSpPr>
+            <p:nvPr>
+              <p:extLst>
+                <p:ext uri="{386F3935-93C4-4BCD-93E2-E3B085C9AB24}">
+                  <p16:designElem xmlns:p16="http://schemas.microsoft.com/office/powerpoint/2015/main" val="1"/>
+                </p:ext>
+              </p:extLst>
+            </p:nvPr>
+          </p:nvSpPr>
+          <p:spPr bwMode="auto">
+            <a:xfrm>
+              <a:off x="1020762" y="488950"/>
+              <a:ext cx="161925" cy="147638"/>
+            </a:xfrm>
+            <a:custGeom>
+              <a:avLst/>
+              <a:gdLst/>
+              <a:ahLst/>
+              <a:cxnLst/>
+              <a:rect l="0" t="0" r="r" b="b"/>
+              <a:pathLst>
+                <a:path w="34" h="31">
+                  <a:moveTo>
+                    <a:pt x="17" y="31"/>
+                  </a:moveTo>
+                  <a:cubicBezTo>
+                    <a:pt x="13" y="31"/>
+                    <a:pt x="9" y="30"/>
+                    <a:pt x="6" y="27"/>
+                  </a:cubicBezTo>
+                  <a:cubicBezTo>
+                    <a:pt x="0" y="20"/>
+                    <a:pt x="0" y="10"/>
+                    <a:pt x="6" y="4"/>
+                  </a:cubicBezTo>
+                  <a:cubicBezTo>
+                    <a:pt x="9" y="1"/>
+                    <a:pt x="13" y="0"/>
+                    <a:pt x="17" y="0"/>
+                  </a:cubicBezTo>
+                  <a:cubicBezTo>
+                    <a:pt x="21" y="0"/>
+                    <a:pt x="25" y="1"/>
+                    <a:pt x="28" y="4"/>
+                  </a:cubicBezTo>
+                  <a:cubicBezTo>
+                    <a:pt x="34" y="10"/>
+                    <a:pt x="34" y="20"/>
+                    <a:pt x="28" y="27"/>
+                  </a:cubicBezTo>
+                  <a:cubicBezTo>
+                    <a:pt x="25" y="30"/>
+                    <a:pt x="21" y="31"/>
+                    <a:pt x="17" y="31"/>
+                  </a:cubicBezTo>
+                  <a:close/>
+                  <a:moveTo>
+                    <a:pt x="17" y="4"/>
+                  </a:moveTo>
+                  <a:cubicBezTo>
+                    <a:pt x="14" y="4"/>
+                    <a:pt x="11" y="5"/>
+                    <a:pt x="9" y="7"/>
+                  </a:cubicBezTo>
+                  <a:cubicBezTo>
+                    <a:pt x="4" y="12"/>
+                    <a:pt x="4" y="19"/>
+                    <a:pt x="9" y="24"/>
+                  </a:cubicBezTo>
+                  <a:cubicBezTo>
+                    <a:pt x="11" y="26"/>
+                    <a:pt x="14" y="27"/>
+                    <a:pt x="17" y="27"/>
+                  </a:cubicBezTo>
+                  <a:cubicBezTo>
+                    <a:pt x="20" y="27"/>
+                    <a:pt x="23" y="26"/>
+                    <a:pt x="25" y="24"/>
+                  </a:cubicBezTo>
+                  <a:cubicBezTo>
+                    <a:pt x="30" y="19"/>
+                    <a:pt x="30" y="12"/>
+                    <a:pt x="25" y="7"/>
+                  </a:cubicBezTo>
+                  <a:cubicBezTo>
+                    <a:pt x="23" y="5"/>
+                    <a:pt x="20" y="4"/>
+                    <a:pt x="17" y="4"/>
+                  </a:cubicBezTo>
+                  <a:close/>
+                </a:path>
+              </a:pathLst>
+            </a:custGeom>
+            <a:grpFill/>
+            <a:ln>
+              <a:noFill/>
+            </a:ln>
+            <a:extLst>
+              <a:ext uri="{91240B29-F687-4f45-9708-019B960494DF}">
+                <a14:hiddenLine xmlns="" xmlns:a16="http://schemas.microsoft.com/office/drawing/2014/main" xmlns:p14="http://schemas.microsoft.com/office/powerpoint/2010/main" xmlns:a14="http://schemas.microsoft.com/office/drawing/2010/main" w="9525">
+                  <a:solidFill>
+                    <a:srgbClr val="000000"/>
+                  </a:solidFill>
+                  <a:round/>
+                  <a:headEnd/>
+                  <a:tailEnd/>
+                </a14:hiddenLine>
+              </a:ext>
+            </a:extLst>
+          </p:spPr>
+        </p:sp>
+        <p:sp>
+          <p:nvSpPr>
+            <p:cNvPr id="29" name="Line 16">
+              <a:extLst>
+                <a:ext uri="{FF2B5EF4-FFF2-40B4-BE49-F238E27FC236}">
+                  <a16:creationId xmlns:a16="http://schemas.microsoft.com/office/drawing/2014/main" id="{11042975-3D19-4728-BCDA-D3F5CD633EDB}"/>
+                </a:ext>
+                <a:ext uri="{C183D7F6-B498-43B3-948B-1728B52AA6E4}">
+                  <adec:decorative xmlns:adec="http://schemas.microsoft.com/office/drawing/2017/decorative" val="1"/>
+                </a:ext>
+              </a:extLst>
+            </p:cNvPr>
+            <p:cNvSpPr>
+              <a:spLocks noChangeShapeType="1"/>
+            </p:cNvSpPr>
+            <p:nvPr>
+              <p:extLst>
+                <p:ext uri="{386F3935-93C4-4BCD-93E2-E3B085C9AB24}">
+                  <p16:designElem xmlns:p16="http://schemas.microsoft.com/office/powerpoint/2015/main" val="1"/>
+                </p:ext>
+              </p:extLst>
+            </p:nvPr>
+          </p:nvSpPr>
+          <p:spPr bwMode="auto">
+            <a:xfrm>
+              <a:off x="-4763" y="9525"/>
+              <a:ext cx="0" cy="0"/>
+            </a:xfrm>
+            <a:prstGeom prst="line">
+              <a:avLst/>
+            </a:prstGeom>
+            <a:grpFill/>
+            <a:ln w="15" cap="flat">
+              <a:solidFill>
+                <a:srgbClr val="FFFFFF"/>
+              </a:solidFill>
+              <a:prstDash val="solid"/>
+              <a:miter lim="800000"/>
+              <a:headEnd/>
+              <a:tailEnd/>
+            </a:ln>
+          </p:spPr>
+        </p:sp>
+        <p:sp>
+          <p:nvSpPr>
+            <p:cNvPr id="30" name="Freeform 17">
+              <a:extLst>
+                <a:ext uri="{FF2B5EF4-FFF2-40B4-BE49-F238E27FC236}">
+                  <a16:creationId xmlns:a16="http://schemas.microsoft.com/office/drawing/2014/main" id="{A28972BD-D2E1-4DCA-A907-2E3B6F606649}"/>
+                </a:ext>
+                <a:ext uri="{C183D7F6-B498-43B3-948B-1728B52AA6E4}">
+                  <adec:decorative xmlns:adec="http://schemas.microsoft.com/office/drawing/2017/decorative" val="1"/>
+                </a:ext>
+              </a:extLst>
+            </p:cNvPr>
+            <p:cNvSpPr/>
+            <p:nvPr>
+              <p:extLst>
+                <p:ext uri="{386F3935-93C4-4BCD-93E2-E3B085C9AB24}">
+                  <p16:designElem xmlns:p16="http://schemas.microsoft.com/office/powerpoint/2015/main" val="1"/>
+                </p:ext>
+              </p:extLst>
+            </p:nvPr>
+          </p:nvSpPr>
+          <p:spPr bwMode="auto">
+            <a:xfrm>
+              <a:off x="9525" y="1801813"/>
+              <a:ext cx="123825" cy="127000"/>
+            </a:xfrm>
+            <a:custGeom>
+              <a:avLst/>
+              <a:gdLst/>
+              <a:ahLst/>
+              <a:cxnLst/>
+              <a:rect l="0" t="0" r="r" b="b"/>
+              <a:pathLst>
+                <a:path w="78" h="80">
+                  <a:moveTo>
+                    <a:pt x="6" y="80"/>
+                  </a:moveTo>
+                  <a:lnTo>
+                    <a:pt x="0" y="71"/>
+                  </a:lnTo>
+                  <a:lnTo>
+                    <a:pt x="69" y="0"/>
+                  </a:lnTo>
+                  <a:lnTo>
+                    <a:pt x="78" y="9"/>
+                  </a:lnTo>
+                  <a:lnTo>
+                    <a:pt x="6" y="80"/>
+                  </a:lnTo>
+                  <a:close/>
+                </a:path>
+              </a:pathLst>
+            </a:custGeom>
+            <a:grpFill/>
+            <a:ln>
+              <a:noFill/>
+            </a:ln>
+            <a:extLst>
+              <a:ext uri="{91240B29-F687-4f45-9708-019B960494DF}">
+                <a14:hiddenLine xmlns="" xmlns:a16="http://schemas.microsoft.com/office/drawing/2014/main" xmlns:p14="http://schemas.microsoft.com/office/powerpoint/2010/main" xmlns:a14="http://schemas.microsoft.com/office/drawing/2010/main" w="9525">
+                  <a:solidFill>
+                    <a:srgbClr val="000000"/>
+                  </a:solidFill>
+                  <a:round/>
+                  <a:headEnd/>
+                  <a:tailEnd/>
+                </a14:hiddenLine>
+              </a:ext>
+            </a:extLst>
+          </p:spPr>
+        </p:sp>
+        <p:sp>
+          <p:nvSpPr>
+            <p:cNvPr id="31" name="Freeform 18">
+              <a:extLst>
+                <a:ext uri="{FF2B5EF4-FFF2-40B4-BE49-F238E27FC236}">
+                  <a16:creationId xmlns:a16="http://schemas.microsoft.com/office/drawing/2014/main" id="{1C806824-5C2D-4747-B038-69EE4074B366}"/>
+                </a:ext>
+                <a:ext uri="{C183D7F6-B498-43B3-948B-1728B52AA6E4}">
+                  <adec:decorative xmlns:adec="http://schemas.microsoft.com/office/drawing/2017/decorative" val="1"/>
+                </a:ext>
+              </a:extLst>
+            </p:cNvPr>
+            <p:cNvSpPr/>
+            <p:nvPr>
+              <p:extLst>
+                <p:ext uri="{386F3935-93C4-4BCD-93E2-E3B085C9AB24}">
+                  <p16:designElem xmlns:p16="http://schemas.microsoft.com/office/powerpoint/2015/main" val="1"/>
+                </p:ext>
+              </p:extLst>
+            </p:nvPr>
+          </p:nvSpPr>
+          <p:spPr bwMode="auto">
+            <a:xfrm>
+              <a:off x="-9525" y="3549650"/>
+              <a:ext cx="147638" cy="481013"/>
+            </a:xfrm>
+            <a:custGeom>
+              <a:avLst/>
+              <a:gdLst/>
+              <a:ahLst/>
+              <a:cxnLst/>
+              <a:rect l="0" t="0" r="r" b="b"/>
+              <a:pathLst>
+                <a:path w="93" h="303">
+                  <a:moveTo>
+                    <a:pt x="93" y="303"/>
+                  </a:moveTo>
+                  <a:lnTo>
+                    <a:pt x="78" y="303"/>
+                  </a:lnTo>
+                  <a:lnTo>
+                    <a:pt x="78" y="78"/>
+                  </a:lnTo>
+                  <a:lnTo>
+                    <a:pt x="0" y="12"/>
+                  </a:lnTo>
+                  <a:lnTo>
+                    <a:pt x="12" y="0"/>
+                  </a:lnTo>
+                  <a:lnTo>
+                    <a:pt x="93" y="69"/>
+                  </a:lnTo>
+                  <a:lnTo>
+                    <a:pt x="93" y="303"/>
+                  </a:lnTo>
+                  <a:close/>
+                </a:path>
+              </a:pathLst>
+            </a:custGeom>
+            <a:grpFill/>
+            <a:ln>
+              <a:noFill/>
+            </a:ln>
+            <a:extLst>
+              <a:ext uri="{91240B29-F687-4f45-9708-019B960494DF}">
+                <a14:hiddenLine xmlns="" xmlns:a16="http://schemas.microsoft.com/office/drawing/2014/main" xmlns:p14="http://schemas.microsoft.com/office/powerpoint/2010/main" xmlns:a14="http://schemas.microsoft.com/office/drawing/2010/main" w="9525">
+                  <a:solidFill>
+                    <a:srgbClr val="000000"/>
+                  </a:solidFill>
+                  <a:round/>
+                  <a:headEnd/>
+                  <a:tailEnd/>
+                </a14:hiddenLine>
+              </a:ext>
+            </a:extLst>
+          </p:spPr>
+        </p:sp>
+        <p:sp>
+          <p:nvSpPr>
+            <p:cNvPr id="32" name="Freeform 19">
+              <a:extLst>
+                <a:ext uri="{FF2B5EF4-FFF2-40B4-BE49-F238E27FC236}">
+                  <a16:creationId xmlns:a16="http://schemas.microsoft.com/office/drawing/2014/main" id="{3B33F710-16D7-4F48-BFCA-66C9CA2352CB}"/>
+                </a:ext>
+                <a:ext uri="{C183D7F6-B498-43B3-948B-1728B52AA6E4}">
+                  <adec:decorative xmlns:adec="http://schemas.microsoft.com/office/drawing/2017/decorative" val="1"/>
+                </a:ext>
+              </a:extLst>
+            </p:cNvPr>
+            <p:cNvSpPr/>
+            <p:nvPr>
+              <p:extLst>
+                <p:ext uri="{386F3935-93C4-4BCD-93E2-E3B085C9AB24}">
+                  <p16:designElem xmlns:p16="http://schemas.microsoft.com/office/powerpoint/2015/main" val="1"/>
+                </p:ext>
+              </p:extLst>
+            </p:nvPr>
+          </p:nvSpPr>
+          <p:spPr bwMode="auto">
+            <a:xfrm>
+              <a:off x="128587" y="1382713"/>
+              <a:ext cx="142875" cy="476250"/>
+            </a:xfrm>
+            <a:custGeom>
+              <a:avLst/>
+              <a:gdLst/>
+              <a:ahLst/>
+              <a:cxnLst/>
+              <a:rect l="0" t="0" r="r" b="b"/>
+              <a:pathLst>
+                <a:path w="90" h="300">
+                  <a:moveTo>
+                    <a:pt x="90" y="300"/>
+                  </a:moveTo>
+                  <a:lnTo>
+                    <a:pt x="78" y="300"/>
+                  </a:lnTo>
+                  <a:lnTo>
+                    <a:pt x="78" y="84"/>
+                  </a:lnTo>
+                  <a:lnTo>
+                    <a:pt x="0" y="9"/>
+                  </a:lnTo>
+                  <a:lnTo>
+                    <a:pt x="9" y="0"/>
+                  </a:lnTo>
+                  <a:lnTo>
+                    <a:pt x="90" y="81"/>
+                  </a:lnTo>
+                  <a:lnTo>
+                    <a:pt x="90" y="300"/>
+                  </a:lnTo>
+                  <a:close/>
+                </a:path>
+              </a:pathLst>
+            </a:custGeom>
+            <a:grpFill/>
+            <a:ln>
+              <a:noFill/>
+            </a:ln>
+            <a:extLst>
+              <a:ext uri="{91240B29-F687-4f45-9708-019B960494DF}">
+                <a14:hiddenLine xmlns="" xmlns:a16="http://schemas.microsoft.com/office/drawing/2014/main" xmlns:p14="http://schemas.microsoft.com/office/powerpoint/2010/main" xmlns:a14="http://schemas.microsoft.com/office/drawing/2010/main" w="9525">
+                  <a:solidFill>
+                    <a:srgbClr val="000000"/>
+                  </a:solidFill>
+                  <a:round/>
+                  <a:headEnd/>
+                  <a:tailEnd/>
+                </a14:hiddenLine>
+              </a:ext>
+            </a:extLst>
+          </p:spPr>
+        </p:sp>
+        <p:sp>
+          <p:nvSpPr>
+            <p:cNvPr id="33" name="Freeform 20">
+              <a:extLst>
+                <a:ext uri="{FF2B5EF4-FFF2-40B4-BE49-F238E27FC236}">
+                  <a16:creationId xmlns:a16="http://schemas.microsoft.com/office/drawing/2014/main" id="{6C8C8ED4-90FA-4E97-AAF0-D5D51E6A935E}"/>
+                </a:ext>
+                <a:ext uri="{C183D7F6-B498-43B3-948B-1728B52AA6E4}">
+                  <adec:decorative xmlns:adec="http://schemas.microsoft.com/office/drawing/2017/decorative" val="1"/>
+                </a:ext>
+              </a:extLst>
+            </p:cNvPr>
+            <p:cNvSpPr>
+              <a:spLocks noEditPoints="1"/>
+            </p:cNvSpPr>
+            <p:nvPr>
+              <p:extLst>
+                <p:ext uri="{386F3935-93C4-4BCD-93E2-E3B085C9AB24}">
+                  <p16:designElem xmlns:p16="http://schemas.microsoft.com/office/powerpoint/2015/main" val="1"/>
+                </p:ext>
+              </p:extLst>
+            </p:nvPr>
+          </p:nvSpPr>
+          <p:spPr bwMode="auto">
+            <a:xfrm>
+              <a:off x="204787" y="1849438"/>
+              <a:ext cx="114300" cy="107950"/>
+            </a:xfrm>
+            <a:custGeom>
+              <a:avLst/>
+              <a:gdLst/>
+              <a:ahLst/>
+              <a:cxnLst/>
+              <a:rect l="0" t="0" r="r" b="b"/>
+              <a:pathLst>
+                <a:path w="24" h="23">
+                  <a:moveTo>
+                    <a:pt x="12" y="23"/>
+                  </a:moveTo>
+                  <a:cubicBezTo>
+                    <a:pt x="6" y="23"/>
+                    <a:pt x="0" y="18"/>
+                    <a:pt x="0" y="12"/>
+                  </a:cubicBezTo>
+                  <a:cubicBezTo>
+                    <a:pt x="0" y="5"/>
+                    <a:pt x="6" y="0"/>
+                    <a:pt x="12" y="0"/>
+                  </a:cubicBezTo>
+                  <a:cubicBezTo>
+                    <a:pt x="18" y="0"/>
+                    <a:pt x="24" y="5"/>
+                    <a:pt x="24" y="12"/>
+                  </a:cubicBezTo>
+                  <a:cubicBezTo>
+                    <a:pt x="24" y="18"/>
+                    <a:pt x="18" y="23"/>
+                    <a:pt x="12" y="23"/>
+                  </a:cubicBezTo>
+                  <a:close/>
+                  <a:moveTo>
+                    <a:pt x="12" y="4"/>
+                  </a:moveTo>
+                  <a:cubicBezTo>
+                    <a:pt x="8" y="4"/>
+                    <a:pt x="4" y="8"/>
+                    <a:pt x="4" y="12"/>
+                  </a:cubicBezTo>
+                  <a:cubicBezTo>
+                    <a:pt x="4" y="16"/>
+                    <a:pt x="8" y="19"/>
+                    <a:pt x="12" y="19"/>
+                  </a:cubicBezTo>
+                  <a:cubicBezTo>
+                    <a:pt x="16" y="19"/>
+                    <a:pt x="20" y="16"/>
+                    <a:pt x="20" y="12"/>
+                  </a:cubicBezTo>
+                  <a:cubicBezTo>
+                    <a:pt x="20" y="8"/>
+                    <a:pt x="16" y="4"/>
+                    <a:pt x="12" y="4"/>
+                  </a:cubicBezTo>
+                  <a:close/>
+                </a:path>
+              </a:pathLst>
+            </a:custGeom>
+            <a:grpFill/>
+            <a:ln>
+              <a:noFill/>
+            </a:ln>
+            <a:extLst>
+              <a:ext uri="{91240B29-F687-4f45-9708-019B960494DF}">
+                <a14:hiddenLine xmlns="" xmlns:a16="http://schemas.microsoft.com/office/drawing/2014/main" xmlns:p14="http://schemas.microsoft.com/office/powerpoint/2010/main" xmlns:a14="http://schemas.microsoft.com/office/drawing/2010/main" w="9525">
+                  <a:solidFill>
+                    <a:srgbClr val="000000"/>
+                  </a:solidFill>
+                  <a:round/>
+                  <a:headEnd/>
+                  <a:tailEnd/>
+                </a14:hiddenLine>
+              </a:ext>
+            </a:extLst>
+          </p:spPr>
+        </p:sp>
+        <p:sp>
+          <p:nvSpPr>
+            <p:cNvPr id="34" name="Rectangle 21">
+              <a:extLst>
+                <a:ext uri="{FF2B5EF4-FFF2-40B4-BE49-F238E27FC236}">
+                  <a16:creationId xmlns:a16="http://schemas.microsoft.com/office/drawing/2014/main" id="{6C5EB9C1-B25F-4172-8A96-5950ECC828FC}"/>
+                </a:ext>
+                <a:ext uri="{C183D7F6-B498-43B3-948B-1728B52AA6E4}">
+                  <adec:decorative xmlns:adec="http://schemas.microsoft.com/office/drawing/2017/decorative" val="1"/>
+                </a:ext>
+              </a:extLst>
+            </p:cNvPr>
+            <p:cNvSpPr>
+              <a:spLocks noChangeArrowheads="1"/>
+            </p:cNvSpPr>
+            <p:nvPr>
+              <p:extLst>
+                <p:ext uri="{386F3935-93C4-4BCD-93E2-E3B085C9AB24}">
+                  <p16:designElem xmlns:p16="http://schemas.microsoft.com/office/powerpoint/2015/main" val="1"/>
+                </p:ext>
+              </p:extLst>
+            </p:nvPr>
+          </p:nvSpPr>
+          <p:spPr bwMode="auto">
+            <a:xfrm>
+              <a:off x="133350" y="4662488"/>
+              <a:ext cx="23813" cy="2181225"/>
+            </a:xfrm>
+            <a:prstGeom prst="rect">
+              <a:avLst/>
+            </a:prstGeom>
+            <a:grpFill/>
+            <a:ln>
+              <a:noFill/>
+            </a:ln>
+            <a:extLst>
+              <a:ext uri="{91240B29-F687-4f45-9708-019B960494DF}">
+                <a14:hiddenLine xmlns="" xmlns:a16="http://schemas.microsoft.com/office/drawing/2014/main" xmlns:p14="http://schemas.microsoft.com/office/powerpoint/2010/main" xmlns:a14="http://schemas.microsoft.com/office/drawing/2010/main" w="9525">
+                  <a:solidFill>
+                    <a:srgbClr val="000000"/>
+                  </a:solidFill>
+                  <a:miter lim="800000"/>
+                  <a:headEnd/>
+                  <a:tailEnd/>
+                </a14:hiddenLine>
+              </a:ext>
+            </a:extLst>
+          </p:spPr>
+        </p:sp>
+        <p:sp>
+          <p:nvSpPr>
+            <p:cNvPr id="35" name="Freeform 22">
+              <a:extLst>
+                <a:ext uri="{FF2B5EF4-FFF2-40B4-BE49-F238E27FC236}">
+                  <a16:creationId xmlns:a16="http://schemas.microsoft.com/office/drawing/2014/main" id="{097E6E8A-9373-4655-882B-21715CCE97EE}"/>
+                </a:ext>
+                <a:ext uri="{C183D7F6-B498-43B3-948B-1728B52AA6E4}">
+                  <adec:decorative xmlns:adec="http://schemas.microsoft.com/office/drawing/2017/decorative" val="1"/>
+                </a:ext>
+              </a:extLst>
+            </p:cNvPr>
+            <p:cNvSpPr/>
+            <p:nvPr>
+              <p:extLst>
+                <p:ext uri="{386F3935-93C4-4BCD-93E2-E3B085C9AB24}">
+                  <p16:designElem xmlns:p16="http://schemas.microsoft.com/office/powerpoint/2015/main" val="1"/>
+                </p:ext>
+              </p:extLst>
+            </p:nvPr>
+          </p:nvSpPr>
+          <p:spPr bwMode="auto">
+            <a:xfrm>
+              <a:off x="223837" y="5041900"/>
+              <a:ext cx="369888" cy="1801813"/>
+            </a:xfrm>
+            <a:custGeom>
+              <a:avLst/>
+              <a:gdLst/>
+              <a:ahLst/>
+              <a:cxnLst/>
+              <a:rect l="0" t="0" r="r" b="b"/>
+              <a:pathLst>
+                <a:path w="233" h="1135">
+                  <a:moveTo>
+                    <a:pt x="15" y="1135"/>
+                  </a:moveTo>
+                  <a:lnTo>
+                    <a:pt x="0" y="1135"/>
+                  </a:lnTo>
+                  <a:lnTo>
+                    <a:pt x="0" y="515"/>
+                  </a:lnTo>
+                  <a:lnTo>
+                    <a:pt x="0" y="512"/>
+                  </a:lnTo>
+                  <a:lnTo>
+                    <a:pt x="218" y="0"/>
+                  </a:lnTo>
+                  <a:lnTo>
+                    <a:pt x="233" y="6"/>
+                  </a:lnTo>
+                  <a:lnTo>
+                    <a:pt x="15" y="518"/>
+                  </a:lnTo>
+                  <a:lnTo>
+                    <a:pt x="15" y="1135"/>
+                  </a:lnTo>
+                  <a:close/>
+                </a:path>
+              </a:pathLst>
+            </a:custGeom>
+            <a:grpFill/>
+            <a:ln>
+              <a:noFill/>
+            </a:ln>
+            <a:extLst>
+              <a:ext uri="{91240B29-F687-4f45-9708-019B960494DF}">
+                <a14:hiddenLine xmlns="" xmlns:a16="http://schemas.microsoft.com/office/drawing/2014/main" xmlns:p14="http://schemas.microsoft.com/office/powerpoint/2010/main" xmlns:a14="http://schemas.microsoft.com/office/drawing/2010/main" w="9525">
+                  <a:solidFill>
+                    <a:srgbClr val="000000"/>
+                  </a:solidFill>
+                  <a:round/>
+                  <a:headEnd/>
+                  <a:tailEnd/>
+                </a14:hiddenLine>
+              </a:ext>
+            </a:extLst>
+          </p:spPr>
+        </p:sp>
+        <p:sp>
+          <p:nvSpPr>
+            <p:cNvPr id="36" name="Freeform 23">
+              <a:extLst>
+                <a:ext uri="{FF2B5EF4-FFF2-40B4-BE49-F238E27FC236}">
+                  <a16:creationId xmlns:a16="http://schemas.microsoft.com/office/drawing/2014/main" id="{EB8CC766-1206-4372-ACAF-8230AF4D5421}"/>
+                </a:ext>
+                <a:ext uri="{C183D7F6-B498-43B3-948B-1728B52AA6E4}">
+                  <adec:decorative xmlns:adec="http://schemas.microsoft.com/office/drawing/2017/decorative" val="1"/>
+                </a:ext>
+              </a:extLst>
+            </p:cNvPr>
+            <p:cNvSpPr>
+              <a:spLocks noEditPoints="1"/>
+            </p:cNvSpPr>
+            <p:nvPr>
+              <p:extLst>
+                <p:ext uri="{386F3935-93C4-4BCD-93E2-E3B085C9AB24}">
+                  <p16:designElem xmlns:p16="http://schemas.microsoft.com/office/powerpoint/2015/main" val="1"/>
+                </p:ext>
+              </p:extLst>
+            </p:nvPr>
+          </p:nvSpPr>
+          <p:spPr bwMode="auto">
+            <a:xfrm>
+              <a:off x="52387" y="4481513"/>
+              <a:ext cx="190500" cy="190500"/>
+            </a:xfrm>
+            <a:custGeom>
+              <a:avLst/>
+              <a:gdLst/>
+              <a:ahLst/>
+              <a:cxnLst/>
+              <a:rect l="0" t="0" r="r" b="b"/>
+              <a:pathLst>
+                <a:path w="40" h="40">
+                  <a:moveTo>
+                    <a:pt x="20" y="40"/>
+                  </a:moveTo>
+                  <a:cubicBezTo>
+                    <a:pt x="9" y="40"/>
+                    <a:pt x="0" y="31"/>
+                    <a:pt x="0" y="20"/>
+                  </a:cubicBezTo>
+                  <a:cubicBezTo>
+                    <a:pt x="0" y="9"/>
+                    <a:pt x="9" y="0"/>
+                    <a:pt x="20" y="0"/>
+                  </a:cubicBezTo>
+                  <a:cubicBezTo>
+                    <a:pt x="31" y="0"/>
+                    <a:pt x="40" y="9"/>
+                    <a:pt x="40" y="20"/>
+                  </a:cubicBezTo>
+                  <a:cubicBezTo>
+                    <a:pt x="40" y="31"/>
+                    <a:pt x="31" y="40"/>
+                    <a:pt x="20" y="40"/>
+                  </a:cubicBezTo>
+                  <a:close/>
+                  <a:moveTo>
+                    <a:pt x="20" y="4"/>
+                  </a:moveTo>
+                  <a:cubicBezTo>
+                    <a:pt x="11" y="4"/>
+                    <a:pt x="4" y="11"/>
+                    <a:pt x="4" y="20"/>
+                  </a:cubicBezTo>
+                  <a:cubicBezTo>
+                    <a:pt x="4" y="29"/>
+                    <a:pt x="11" y="36"/>
+                    <a:pt x="20" y="36"/>
+                  </a:cubicBezTo>
+                  <a:cubicBezTo>
+                    <a:pt x="28" y="36"/>
+                    <a:pt x="36" y="29"/>
+                    <a:pt x="36" y="20"/>
+                  </a:cubicBezTo>
+                  <a:cubicBezTo>
+                    <a:pt x="36" y="11"/>
+                    <a:pt x="28" y="4"/>
+                    <a:pt x="20" y="4"/>
+                  </a:cubicBezTo>
+                  <a:close/>
+                </a:path>
+              </a:pathLst>
+            </a:custGeom>
+            <a:grpFill/>
+            <a:ln>
+              <a:noFill/>
+            </a:ln>
+            <a:extLst>
+              <a:ext uri="{91240B29-F687-4f45-9708-019B960494DF}">
+                <a14:hiddenLine xmlns="" xmlns:a16="http://schemas.microsoft.com/office/drawing/2014/main" xmlns:p14="http://schemas.microsoft.com/office/powerpoint/2010/main" xmlns:a14="http://schemas.microsoft.com/office/drawing/2010/main" w="9525">
+                  <a:solidFill>
+                    <a:srgbClr val="000000"/>
+                  </a:solidFill>
+                  <a:round/>
+                  <a:headEnd/>
+                  <a:tailEnd/>
+                </a14:hiddenLine>
+              </a:ext>
+            </a:extLst>
+          </p:spPr>
+        </p:sp>
+        <p:sp>
+          <p:nvSpPr>
+            <p:cNvPr id="37" name="Freeform 24">
+              <a:extLst>
+                <a:ext uri="{FF2B5EF4-FFF2-40B4-BE49-F238E27FC236}">
+                  <a16:creationId xmlns:a16="http://schemas.microsoft.com/office/drawing/2014/main" id="{1C8E2511-2489-47B2-9C19-C410910DD901}"/>
+                </a:ext>
+                <a:ext uri="{C183D7F6-B498-43B3-948B-1728B52AA6E4}">
+                  <adec:decorative xmlns:adec="http://schemas.microsoft.com/office/drawing/2017/decorative" val="1"/>
+                </a:ext>
+              </a:extLst>
+            </p:cNvPr>
+            <p:cNvSpPr/>
+            <p:nvPr>
+              <p:extLst>
+                <p:ext uri="{386F3935-93C4-4BCD-93E2-E3B085C9AB24}">
+                  <p16:designElem xmlns:p16="http://schemas.microsoft.com/office/powerpoint/2015/main" val="1"/>
+                </p:ext>
+              </p:extLst>
+            </p:nvPr>
+          </p:nvSpPr>
+          <p:spPr bwMode="auto">
+            <a:xfrm>
+              <a:off x="-14288" y="5627688"/>
+              <a:ext cx="85725" cy="1216025"/>
+            </a:xfrm>
+            <a:custGeom>
+              <a:avLst/>
+              <a:gdLst/>
+              <a:ahLst/>
+              <a:cxnLst/>
+              <a:rect l="0" t="0" r="r" b="b"/>
+              <a:pathLst>
+                <a:path w="54" h="766">
+                  <a:moveTo>
+                    <a:pt x="54" y="766"/>
+                  </a:moveTo>
+                  <a:lnTo>
+                    <a:pt x="36" y="766"/>
+                  </a:lnTo>
+                  <a:lnTo>
+                    <a:pt x="36" y="149"/>
+                  </a:lnTo>
+                  <a:lnTo>
+                    <a:pt x="0" y="3"/>
+                  </a:lnTo>
+                  <a:lnTo>
+                    <a:pt x="18" y="0"/>
+                  </a:lnTo>
+                  <a:lnTo>
+                    <a:pt x="54" y="146"/>
+                  </a:lnTo>
+                  <a:lnTo>
+                    <a:pt x="54" y="766"/>
+                  </a:lnTo>
+                  <a:close/>
+                </a:path>
+              </a:pathLst>
+            </a:custGeom>
+            <a:grpFill/>
+            <a:ln>
+              <a:noFill/>
+            </a:ln>
+            <a:extLst>
+              <a:ext uri="{91240B29-F687-4f45-9708-019B960494DF}">
+                <a14:hiddenLine xmlns="" xmlns:a16="http://schemas.microsoft.com/office/drawing/2014/main" xmlns:p14="http://schemas.microsoft.com/office/powerpoint/2010/main" xmlns:a14="http://schemas.microsoft.com/office/drawing/2010/main" w="9525">
+                  <a:solidFill>
+                    <a:srgbClr val="000000"/>
+                  </a:solidFill>
+                  <a:round/>
+                  <a:headEnd/>
+                  <a:tailEnd/>
+                </a14:hiddenLine>
+              </a:ext>
+            </a:extLst>
+          </p:spPr>
+        </p:sp>
+        <p:sp>
+          <p:nvSpPr>
+            <p:cNvPr id="38" name="Freeform 25">
+              <a:extLst>
+                <a:ext uri="{FF2B5EF4-FFF2-40B4-BE49-F238E27FC236}">
+                  <a16:creationId xmlns:a16="http://schemas.microsoft.com/office/drawing/2014/main" id="{D7820196-0A47-47EF-832C-A688E8977D60}"/>
+                </a:ext>
+                <a:ext uri="{C183D7F6-B498-43B3-948B-1728B52AA6E4}">
+                  <adec:decorative xmlns:adec="http://schemas.microsoft.com/office/drawing/2017/decorative" val="1"/>
+                </a:ext>
+              </a:extLst>
+            </p:cNvPr>
+            <p:cNvSpPr>
+              <a:spLocks noEditPoints="1"/>
+            </p:cNvSpPr>
+            <p:nvPr>
+              <p:extLst>
+                <p:ext uri="{386F3935-93C4-4BCD-93E2-E3B085C9AB24}">
+                  <p16:designElem xmlns:p16="http://schemas.microsoft.com/office/powerpoint/2015/main" val="1"/>
+                </p:ext>
+              </p:extLst>
+            </p:nvPr>
+          </p:nvSpPr>
+          <p:spPr bwMode="auto">
+            <a:xfrm>
+              <a:off x="527050" y="4867275"/>
+              <a:ext cx="190500" cy="188913"/>
+            </a:xfrm>
+            <a:custGeom>
+              <a:avLst/>
+              <a:gdLst/>
+              <a:ahLst/>
+              <a:cxnLst/>
+              <a:rect l="0" t="0" r="r" b="b"/>
+              <a:pathLst>
+                <a:path w="40" h="40">
+                  <a:moveTo>
+                    <a:pt x="20" y="40"/>
+                  </a:moveTo>
+                  <a:cubicBezTo>
+                    <a:pt x="9" y="40"/>
+                    <a:pt x="0" y="31"/>
+                    <a:pt x="0" y="20"/>
+                  </a:cubicBezTo>
+                  <a:cubicBezTo>
+                    <a:pt x="0" y="9"/>
+                    <a:pt x="9" y="0"/>
+                    <a:pt x="20" y="0"/>
+                  </a:cubicBezTo>
+                  <a:cubicBezTo>
+                    <a:pt x="31" y="0"/>
+                    <a:pt x="40" y="9"/>
+                    <a:pt x="40" y="20"/>
+                  </a:cubicBezTo>
+                  <a:cubicBezTo>
+                    <a:pt x="40" y="31"/>
+                    <a:pt x="31" y="40"/>
+                    <a:pt x="20" y="40"/>
+                  </a:cubicBezTo>
+                  <a:close/>
+                  <a:moveTo>
+                    <a:pt x="20" y="4"/>
+                  </a:moveTo>
+                  <a:cubicBezTo>
+                    <a:pt x="11" y="4"/>
+                    <a:pt x="4" y="11"/>
+                    <a:pt x="4" y="20"/>
+                  </a:cubicBezTo>
+                  <a:cubicBezTo>
+                    <a:pt x="4" y="29"/>
+                    <a:pt x="11" y="36"/>
+                    <a:pt x="20" y="36"/>
+                  </a:cubicBezTo>
+                  <a:cubicBezTo>
+                    <a:pt x="29" y="36"/>
+                    <a:pt x="36" y="29"/>
+                    <a:pt x="36" y="20"/>
+                  </a:cubicBezTo>
+                  <a:cubicBezTo>
+                    <a:pt x="36" y="11"/>
+                    <a:pt x="29" y="4"/>
+                    <a:pt x="20" y="4"/>
+                  </a:cubicBezTo>
+                  <a:close/>
+                </a:path>
+              </a:pathLst>
+            </a:custGeom>
+            <a:grpFill/>
+            <a:ln>
+              <a:noFill/>
+            </a:ln>
+            <a:extLst>
+              <a:ext uri="{91240B29-F687-4f45-9708-019B960494DF}">
+                <a14:hiddenLine xmlns="" xmlns:a16="http://schemas.microsoft.com/office/drawing/2014/main" xmlns:p14="http://schemas.microsoft.com/office/powerpoint/2010/main" xmlns:a14="http://schemas.microsoft.com/office/drawing/2010/main" w="9525">
+                  <a:solidFill>
+                    <a:srgbClr val="000000"/>
+                  </a:solidFill>
+                  <a:round/>
+                  <a:headEnd/>
+                  <a:tailEnd/>
+                </a14:hiddenLine>
+              </a:ext>
+            </a:extLst>
+          </p:spPr>
+        </p:sp>
+        <p:sp>
+          <p:nvSpPr>
+            <p:cNvPr id="39" name="Freeform 26">
+              <a:extLst>
+                <a:ext uri="{FF2B5EF4-FFF2-40B4-BE49-F238E27FC236}">
+                  <a16:creationId xmlns:a16="http://schemas.microsoft.com/office/drawing/2014/main" id="{4982E0BF-34AE-48A3-AD6B-E0F3CD05DB34}"/>
+                </a:ext>
+                <a:ext uri="{C183D7F6-B498-43B3-948B-1728B52AA6E4}">
+                  <adec:decorative xmlns:adec="http://schemas.microsoft.com/office/drawing/2017/decorative" val="1"/>
+                </a:ext>
+              </a:extLst>
+            </p:cNvPr>
+            <p:cNvSpPr/>
+            <p:nvPr>
+              <p:extLst>
+                <p:ext uri="{386F3935-93C4-4BCD-93E2-E3B085C9AB24}">
+                  <p16:designElem xmlns:p16="http://schemas.microsoft.com/office/powerpoint/2015/main" val="1"/>
+                </p:ext>
+              </p:extLst>
+            </p:nvPr>
+          </p:nvSpPr>
+          <p:spPr bwMode="auto">
+            <a:xfrm>
+              <a:off x="309562" y="5422900"/>
+              <a:ext cx="374650" cy="1425575"/>
+            </a:xfrm>
+            <a:custGeom>
+              <a:avLst/>
+              <a:gdLst/>
+              <a:ahLst/>
+              <a:cxnLst/>
+              <a:rect l="0" t="0" r="r" b="b"/>
+              <a:pathLst>
+                <a:path w="236" h="898">
+                  <a:moveTo>
+                    <a:pt x="18" y="898"/>
+                  </a:moveTo>
+                  <a:lnTo>
+                    <a:pt x="0" y="898"/>
+                  </a:lnTo>
+                  <a:lnTo>
+                    <a:pt x="0" y="515"/>
+                  </a:lnTo>
+                  <a:lnTo>
+                    <a:pt x="3" y="512"/>
+                  </a:lnTo>
+                  <a:lnTo>
+                    <a:pt x="221" y="0"/>
+                  </a:lnTo>
+                  <a:lnTo>
+                    <a:pt x="236" y="6"/>
+                  </a:lnTo>
+                  <a:lnTo>
+                    <a:pt x="18" y="518"/>
+                  </a:lnTo>
+                  <a:lnTo>
+                    <a:pt x="18" y="898"/>
+                  </a:lnTo>
+                  <a:close/>
+                </a:path>
+              </a:pathLst>
+            </a:custGeom>
+            <a:grpFill/>
+            <a:ln>
+              <a:noFill/>
+            </a:ln>
+            <a:extLst>
+              <a:ext uri="{91240B29-F687-4f45-9708-019B960494DF}">
+                <a14:hiddenLine xmlns="" xmlns:a16="http://schemas.microsoft.com/office/drawing/2014/main" xmlns:p14="http://schemas.microsoft.com/office/powerpoint/2010/main" xmlns:a14="http://schemas.microsoft.com/office/drawing/2010/main" w="9525">
+                  <a:solidFill>
+                    <a:srgbClr val="000000"/>
+                  </a:solidFill>
+                  <a:round/>
+                  <a:headEnd/>
+                  <a:tailEnd/>
+                </a14:hiddenLine>
+              </a:ext>
+            </a:extLst>
+          </p:spPr>
+        </p:sp>
+        <p:sp>
+          <p:nvSpPr>
+            <p:cNvPr id="40" name="Freeform 27">
+              <a:extLst>
+                <a:ext uri="{FF2B5EF4-FFF2-40B4-BE49-F238E27FC236}">
+                  <a16:creationId xmlns:a16="http://schemas.microsoft.com/office/drawing/2014/main" id="{CD34643B-9DF2-4310-8868-48252C3393F0}"/>
+                </a:ext>
+                <a:ext uri="{C183D7F6-B498-43B3-948B-1728B52AA6E4}">
+                  <adec:decorative xmlns:adec="http://schemas.microsoft.com/office/drawing/2017/decorative" val="1"/>
+                </a:ext>
+              </a:extLst>
+            </p:cNvPr>
+            <p:cNvSpPr/>
+            <p:nvPr>
+              <p:extLst>
+                <p:ext uri="{386F3935-93C4-4BCD-93E2-E3B085C9AB24}">
+                  <p16:designElem xmlns:p16="http://schemas.microsoft.com/office/powerpoint/2015/main" val="1"/>
+                </p:ext>
+              </p:extLst>
+            </p:nvPr>
+          </p:nvSpPr>
+          <p:spPr bwMode="auto">
+            <a:xfrm>
+              <a:off x="569912" y="5945188"/>
+              <a:ext cx="152400" cy="912813"/>
+            </a:xfrm>
+            <a:custGeom>
+              <a:avLst/>
+              <a:gdLst/>
+              <a:ahLst/>
+              <a:cxnLst/>
+              <a:rect l="0" t="0" r="r" b="b"/>
+              <a:pathLst>
+                <a:path w="96" h="575">
+                  <a:moveTo>
+                    <a:pt x="15" y="575"/>
+                  </a:moveTo>
+                  <a:lnTo>
+                    <a:pt x="0" y="569"/>
+                  </a:lnTo>
+                  <a:lnTo>
+                    <a:pt x="81" y="383"/>
+                  </a:lnTo>
+                  <a:lnTo>
+                    <a:pt x="81" y="0"/>
+                  </a:lnTo>
+                  <a:lnTo>
+                    <a:pt x="96" y="0"/>
+                  </a:lnTo>
+                  <a:lnTo>
+                    <a:pt x="96" y="386"/>
+                  </a:lnTo>
+                  <a:lnTo>
+                    <a:pt x="15" y="575"/>
+                  </a:lnTo>
+                  <a:close/>
+                </a:path>
+              </a:pathLst>
+            </a:custGeom>
+            <a:grpFill/>
+            <a:ln>
+              <a:noFill/>
+            </a:ln>
+            <a:extLst>
+              <a:ext uri="{91240B29-F687-4f45-9708-019B960494DF}">
+                <a14:hiddenLine xmlns="" xmlns:a16="http://schemas.microsoft.com/office/drawing/2014/main" xmlns:p14="http://schemas.microsoft.com/office/powerpoint/2010/main" xmlns:a14="http://schemas.microsoft.com/office/drawing/2010/main" w="9525">
+                  <a:solidFill>
+                    <a:srgbClr val="000000"/>
+                  </a:solidFill>
+                  <a:round/>
+                  <a:headEnd/>
+                  <a:tailEnd/>
+                </a14:hiddenLine>
+              </a:ext>
+            </a:extLst>
+          </p:spPr>
+        </p:sp>
+        <p:sp>
+          <p:nvSpPr>
+            <p:cNvPr id="41" name="Freeform 28">
+              <a:extLst>
+                <a:ext uri="{FF2B5EF4-FFF2-40B4-BE49-F238E27FC236}">
+                  <a16:creationId xmlns:a16="http://schemas.microsoft.com/office/drawing/2014/main" id="{4E020C4E-AF64-44A8-B830-779541D8D549}"/>
+                </a:ext>
+                <a:ext uri="{C183D7F6-B498-43B3-948B-1728B52AA6E4}">
+                  <adec:decorative xmlns:adec="http://schemas.microsoft.com/office/drawing/2017/decorative" val="1"/>
+                </a:ext>
+              </a:extLst>
+            </p:cNvPr>
+            <p:cNvSpPr>
+              <a:spLocks noEditPoints="1"/>
+            </p:cNvSpPr>
+            <p:nvPr>
+              <p:extLst>
+                <p:ext uri="{386F3935-93C4-4BCD-93E2-E3B085C9AB24}">
+                  <p16:designElem xmlns:p16="http://schemas.microsoft.com/office/powerpoint/2015/main" val="1"/>
+                </p:ext>
+              </p:extLst>
+            </p:nvPr>
+          </p:nvSpPr>
+          <p:spPr bwMode="auto">
+            <a:xfrm>
+              <a:off x="612775" y="5246688"/>
+              <a:ext cx="190500" cy="190500"/>
+            </a:xfrm>
+            <a:custGeom>
+              <a:avLst/>
+              <a:gdLst/>
+              <a:ahLst/>
+              <a:cxnLst/>
+              <a:rect l="0" t="0" r="r" b="b"/>
+              <a:pathLst>
+                <a:path w="40" h="40">
+                  <a:moveTo>
+                    <a:pt x="20" y="40"/>
+                  </a:moveTo>
+                  <a:cubicBezTo>
+                    <a:pt x="9" y="40"/>
+                    <a:pt x="0" y="31"/>
+                    <a:pt x="0" y="20"/>
+                  </a:cubicBezTo>
+                  <a:cubicBezTo>
+                    <a:pt x="0" y="9"/>
+                    <a:pt x="9" y="0"/>
+                    <a:pt x="20" y="0"/>
+                  </a:cubicBezTo>
+                  <a:cubicBezTo>
+                    <a:pt x="31" y="0"/>
+                    <a:pt x="40" y="9"/>
+                    <a:pt x="40" y="20"/>
+                  </a:cubicBezTo>
+                  <a:cubicBezTo>
+                    <a:pt x="40" y="31"/>
+                    <a:pt x="31" y="40"/>
+                    <a:pt x="20" y="40"/>
+                  </a:cubicBezTo>
+                  <a:close/>
+                  <a:moveTo>
+                    <a:pt x="20" y="4"/>
+                  </a:moveTo>
+                  <a:cubicBezTo>
+                    <a:pt x="12" y="4"/>
+                    <a:pt x="4" y="11"/>
+                    <a:pt x="4" y="20"/>
+                  </a:cubicBezTo>
+                  <a:cubicBezTo>
+                    <a:pt x="4" y="29"/>
+                    <a:pt x="12" y="36"/>
+                    <a:pt x="20" y="36"/>
+                  </a:cubicBezTo>
+                  <a:cubicBezTo>
+                    <a:pt x="29" y="36"/>
+                    <a:pt x="36" y="29"/>
+                    <a:pt x="36" y="20"/>
+                  </a:cubicBezTo>
+                  <a:cubicBezTo>
+                    <a:pt x="36" y="11"/>
+                    <a:pt x="29" y="4"/>
+                    <a:pt x="20" y="4"/>
+                  </a:cubicBezTo>
+                  <a:close/>
+                </a:path>
+              </a:pathLst>
+            </a:custGeom>
+            <a:grpFill/>
+            <a:ln>
+              <a:noFill/>
+            </a:ln>
+            <a:extLst>
+              <a:ext uri="{91240B29-F687-4f45-9708-019B960494DF}">
+                <a14:hiddenLine xmlns="" xmlns:a16="http://schemas.microsoft.com/office/drawing/2014/main" xmlns:p14="http://schemas.microsoft.com/office/powerpoint/2010/main" xmlns:a14="http://schemas.microsoft.com/office/drawing/2010/main" w="9525">
+                  <a:solidFill>
+                    <a:srgbClr val="000000"/>
+                  </a:solidFill>
+                  <a:round/>
+                  <a:headEnd/>
+                  <a:tailEnd/>
+                </a14:hiddenLine>
+              </a:ext>
+            </a:extLst>
+          </p:spPr>
+        </p:sp>
+        <p:sp>
+          <p:nvSpPr>
+            <p:cNvPr id="42" name="Freeform 29">
+              <a:extLst>
+                <a:ext uri="{FF2B5EF4-FFF2-40B4-BE49-F238E27FC236}">
+                  <a16:creationId xmlns:a16="http://schemas.microsoft.com/office/drawing/2014/main" id="{D97BC3D3-B1B3-4825-9169-BBEF1DBCF055}"/>
+                </a:ext>
+                <a:ext uri="{C183D7F6-B498-43B3-948B-1728B52AA6E4}">
+                  <adec:decorative xmlns:adec="http://schemas.microsoft.com/office/drawing/2017/decorative" val="1"/>
+                </a:ext>
+              </a:extLst>
+            </p:cNvPr>
+            <p:cNvSpPr>
+              <a:spLocks noEditPoints="1"/>
+            </p:cNvSpPr>
+            <p:nvPr>
+              <p:extLst>
+                <p:ext uri="{386F3935-93C4-4BCD-93E2-E3B085C9AB24}">
+                  <p16:designElem xmlns:p16="http://schemas.microsoft.com/office/powerpoint/2015/main" val="1"/>
+                </p:ext>
+              </p:extLst>
+            </p:nvPr>
+          </p:nvSpPr>
+          <p:spPr bwMode="auto">
+            <a:xfrm>
+              <a:off x="612775" y="5764213"/>
+              <a:ext cx="190500" cy="190500"/>
+            </a:xfrm>
+            <a:custGeom>
+              <a:avLst/>
+              <a:gdLst/>
+              <a:ahLst/>
+              <a:cxnLst/>
+              <a:rect l="0" t="0" r="r" b="b"/>
+              <a:pathLst>
+                <a:path w="40" h="40">
+                  <a:moveTo>
+                    <a:pt x="20" y="40"/>
+                  </a:moveTo>
+                  <a:cubicBezTo>
+                    <a:pt x="9" y="40"/>
+                    <a:pt x="0" y="31"/>
+                    <a:pt x="0" y="20"/>
+                  </a:cubicBezTo>
+                  <a:cubicBezTo>
+                    <a:pt x="0" y="9"/>
+                    <a:pt x="9" y="0"/>
+                    <a:pt x="20" y="0"/>
+                  </a:cubicBezTo>
+                  <a:cubicBezTo>
+                    <a:pt x="31" y="0"/>
+                    <a:pt x="40" y="9"/>
+                    <a:pt x="40" y="20"/>
+                  </a:cubicBezTo>
+                  <a:cubicBezTo>
+                    <a:pt x="40" y="31"/>
+                    <a:pt x="31" y="40"/>
+                    <a:pt x="20" y="40"/>
+                  </a:cubicBezTo>
+                  <a:close/>
+                  <a:moveTo>
+                    <a:pt x="20" y="4"/>
+                  </a:moveTo>
+                  <a:cubicBezTo>
+                    <a:pt x="12" y="4"/>
+                    <a:pt x="4" y="11"/>
+                    <a:pt x="4" y="20"/>
+                  </a:cubicBezTo>
+                  <a:cubicBezTo>
+                    <a:pt x="4" y="29"/>
+                    <a:pt x="12" y="36"/>
+                    <a:pt x="20" y="36"/>
+                  </a:cubicBezTo>
+                  <a:cubicBezTo>
+                    <a:pt x="29" y="36"/>
+                    <a:pt x="36" y="29"/>
+                    <a:pt x="36" y="20"/>
+                  </a:cubicBezTo>
+                  <a:cubicBezTo>
+                    <a:pt x="36" y="11"/>
+                    <a:pt x="29" y="4"/>
+                    <a:pt x="20" y="4"/>
+                  </a:cubicBezTo>
+                  <a:close/>
+                </a:path>
+              </a:pathLst>
+            </a:custGeom>
+            <a:grpFill/>
+            <a:ln>
+              <a:noFill/>
+            </a:ln>
+            <a:extLst>
+              <a:ext uri="{91240B29-F687-4f45-9708-019B960494DF}">
+                <a14:hiddenLine xmlns="" xmlns:a16="http://schemas.microsoft.com/office/drawing/2014/main" xmlns:p14="http://schemas.microsoft.com/office/powerpoint/2010/main" xmlns:a14="http://schemas.microsoft.com/office/drawing/2010/main" w="9525">
+                  <a:solidFill>
+                    <a:srgbClr val="000000"/>
+                  </a:solidFill>
+                  <a:round/>
+                  <a:headEnd/>
+                  <a:tailEnd/>
+                </a14:hiddenLine>
+              </a:ext>
+            </a:extLst>
+          </p:spPr>
+        </p:sp>
+        <p:sp>
+          <p:nvSpPr>
+            <p:cNvPr id="43" name="Freeform 30">
+              <a:extLst>
+                <a:ext uri="{FF2B5EF4-FFF2-40B4-BE49-F238E27FC236}">
+                  <a16:creationId xmlns:a16="http://schemas.microsoft.com/office/drawing/2014/main" id="{A750DC4F-1DAF-470E-98C6-6C68DEB93363}"/>
+                </a:ext>
+                <a:ext uri="{C183D7F6-B498-43B3-948B-1728B52AA6E4}">
+                  <adec:decorative xmlns:adec="http://schemas.microsoft.com/office/drawing/2017/decorative" val="1"/>
+                </a:ext>
+              </a:extLst>
+            </p:cNvPr>
+            <p:cNvSpPr/>
+            <p:nvPr>
+              <p:extLst>
+                <p:ext uri="{386F3935-93C4-4BCD-93E2-E3B085C9AB24}">
+                  <p16:designElem xmlns:p16="http://schemas.microsoft.com/office/powerpoint/2015/main" val="1"/>
+                </p:ext>
+              </p:extLst>
+            </p:nvPr>
+          </p:nvSpPr>
+          <p:spPr bwMode="auto">
+            <a:xfrm>
+              <a:off x="669925" y="6330950"/>
+              <a:ext cx="417513" cy="517525"/>
+            </a:xfrm>
+            <a:custGeom>
+              <a:avLst/>
+              <a:gdLst/>
+              <a:ahLst/>
+              <a:cxnLst/>
+              <a:rect l="0" t="0" r="r" b="b"/>
+              <a:pathLst>
+                <a:path w="263" h="326">
+                  <a:moveTo>
+                    <a:pt x="15" y="326"/>
+                  </a:moveTo>
+                  <a:lnTo>
+                    <a:pt x="0" y="320"/>
+                  </a:lnTo>
+                  <a:lnTo>
+                    <a:pt x="45" y="206"/>
+                  </a:lnTo>
+                  <a:lnTo>
+                    <a:pt x="48" y="206"/>
+                  </a:lnTo>
+                  <a:lnTo>
+                    <a:pt x="254" y="0"/>
+                  </a:lnTo>
+                  <a:lnTo>
+                    <a:pt x="263" y="12"/>
+                  </a:lnTo>
+                  <a:lnTo>
+                    <a:pt x="60" y="215"/>
+                  </a:lnTo>
+                  <a:lnTo>
+                    <a:pt x="15" y="326"/>
+                  </a:lnTo>
+                  <a:close/>
+                </a:path>
+              </a:pathLst>
+            </a:custGeom>
+            <a:grpFill/>
+            <a:ln>
+              <a:noFill/>
+            </a:ln>
+            <a:extLst>
+              <a:ext uri="{91240B29-F687-4f45-9708-019B960494DF}">
+                <a14:hiddenLine xmlns="" xmlns:a16="http://schemas.microsoft.com/office/drawing/2014/main" xmlns:p14="http://schemas.microsoft.com/office/powerpoint/2010/main" xmlns:a14="http://schemas.microsoft.com/office/drawing/2010/main" w="9525">
+                  <a:solidFill>
+                    <a:srgbClr val="000000"/>
+                  </a:solidFill>
+                  <a:round/>
+                  <a:headEnd/>
+                  <a:tailEnd/>
+                </a14:hiddenLine>
+              </a:ext>
+            </a:extLst>
+          </p:spPr>
+        </p:sp>
+        <p:sp>
+          <p:nvSpPr>
+            <p:cNvPr id="44" name="Freeform 31">
+              <a:extLst>
+                <a:ext uri="{FF2B5EF4-FFF2-40B4-BE49-F238E27FC236}">
+                  <a16:creationId xmlns:a16="http://schemas.microsoft.com/office/drawing/2014/main" id="{2F99594A-5BBD-4E10-A818-8BE52B7D952C}"/>
+                </a:ext>
+                <a:ext uri="{C183D7F6-B498-43B3-948B-1728B52AA6E4}">
+                  <adec:decorative xmlns:adec="http://schemas.microsoft.com/office/drawing/2017/decorative" val="1"/>
+                </a:ext>
+              </a:extLst>
+            </p:cNvPr>
+            <p:cNvSpPr>
+              <a:spLocks noEditPoints="1"/>
+            </p:cNvSpPr>
+            <p:nvPr>
+              <p:extLst>
+                <p:ext uri="{386F3935-93C4-4BCD-93E2-E3B085C9AB24}">
+                  <p16:designElem xmlns:p16="http://schemas.microsoft.com/office/powerpoint/2015/main" val="1"/>
+                </p:ext>
+              </p:extLst>
+            </p:nvPr>
+          </p:nvSpPr>
+          <p:spPr bwMode="auto">
+            <a:xfrm>
+              <a:off x="1049337" y="6221413"/>
+              <a:ext cx="157163" cy="147638"/>
+            </a:xfrm>
+            <a:custGeom>
+              <a:avLst/>
+              <a:gdLst/>
+              <a:ahLst/>
+              <a:cxnLst/>
+              <a:rect l="0" t="0" r="r" b="b"/>
+              <a:pathLst>
+                <a:path w="33" h="31">
+                  <a:moveTo>
+                    <a:pt x="16" y="31"/>
+                  </a:moveTo>
+                  <a:cubicBezTo>
+                    <a:pt x="12" y="31"/>
+                    <a:pt x="8" y="29"/>
+                    <a:pt x="5" y="26"/>
+                  </a:cubicBezTo>
+                  <a:cubicBezTo>
+                    <a:pt x="2" y="24"/>
+                    <a:pt x="0" y="20"/>
+                    <a:pt x="0" y="15"/>
+                  </a:cubicBezTo>
+                  <a:cubicBezTo>
+                    <a:pt x="0" y="11"/>
+                    <a:pt x="2" y="7"/>
+                    <a:pt x="5" y="4"/>
+                  </a:cubicBezTo>
+                  <a:cubicBezTo>
+                    <a:pt x="8" y="1"/>
+                    <a:pt x="12" y="0"/>
+                    <a:pt x="16" y="0"/>
+                  </a:cubicBezTo>
+                  <a:cubicBezTo>
+                    <a:pt x="20" y="0"/>
+                    <a:pt x="24" y="1"/>
+                    <a:pt x="27" y="4"/>
+                  </a:cubicBezTo>
+                  <a:cubicBezTo>
+                    <a:pt x="33" y="10"/>
+                    <a:pt x="33" y="20"/>
+                    <a:pt x="27" y="26"/>
+                  </a:cubicBezTo>
+                  <a:cubicBezTo>
+                    <a:pt x="24" y="29"/>
+                    <a:pt x="20" y="31"/>
+                    <a:pt x="16" y="31"/>
+                  </a:cubicBezTo>
+                  <a:close/>
+                  <a:moveTo>
+                    <a:pt x="16" y="4"/>
+                  </a:moveTo>
+                  <a:cubicBezTo>
+                    <a:pt x="13" y="4"/>
+                    <a:pt x="10" y="5"/>
+                    <a:pt x="8" y="7"/>
+                  </a:cubicBezTo>
+                  <a:cubicBezTo>
+                    <a:pt x="6" y="9"/>
+                    <a:pt x="4" y="12"/>
+                    <a:pt x="4" y="15"/>
+                  </a:cubicBezTo>
+                  <a:cubicBezTo>
+                    <a:pt x="4" y="19"/>
+                    <a:pt x="6" y="21"/>
+                    <a:pt x="8" y="24"/>
+                  </a:cubicBezTo>
+                  <a:cubicBezTo>
+                    <a:pt x="10" y="26"/>
+                    <a:pt x="13" y="27"/>
+                    <a:pt x="16" y="27"/>
+                  </a:cubicBezTo>
+                  <a:cubicBezTo>
+                    <a:pt x="19" y="27"/>
+                    <a:pt x="22" y="26"/>
+                    <a:pt x="24" y="24"/>
+                  </a:cubicBezTo>
+                  <a:cubicBezTo>
+                    <a:pt x="29" y="19"/>
+                    <a:pt x="29" y="12"/>
+                    <a:pt x="24" y="7"/>
+                  </a:cubicBezTo>
+                  <a:cubicBezTo>
+                    <a:pt x="22" y="5"/>
+                    <a:pt x="19" y="4"/>
+                    <a:pt x="16" y="4"/>
+                  </a:cubicBezTo>
+                  <a:close/>
+                </a:path>
+              </a:pathLst>
+            </a:custGeom>
+            <a:grpFill/>
+            <a:ln>
+              <a:noFill/>
+            </a:ln>
+            <a:extLst>
+              <a:ext uri="{91240B29-F687-4f45-9708-019B960494DF}">
+                <a14:hiddenLine xmlns="" xmlns:a16="http://schemas.microsoft.com/office/drawing/2014/main" xmlns:p14="http://schemas.microsoft.com/office/powerpoint/2010/main" xmlns:a14="http://schemas.microsoft.com/office/drawing/2010/main" w="9525">
+                  <a:solidFill>
+                    <a:srgbClr val="000000"/>
+                  </a:solidFill>
+                  <a:round/>
+                  <a:headEnd/>
+                  <a:tailEnd/>
+                </a14:hiddenLine>
+              </a:ext>
+            </a:extLst>
+          </p:spPr>
+        </p:sp>
+      </p:grpSp>
+    </p:spTree>
+    <p:extLst>
+      <p:ext uri="{BB962C8B-B14F-4D97-AF65-F5344CB8AC3E}">
+        <p14:creationId xmlns:p14="http://schemas.microsoft.com/office/powerpoint/2010/main" val="1800495954"/>
+      </p:ext>
+    </p:extLst>
+  </p:cSld>
+  <p:clrMapOvr>
+    <a:masterClrMapping/>
+  </p:clrMapOvr>
+</p:sld>
+</file>
+
+<file path=ppt/slides/slide11.xml><?xml version="1.0" encoding="utf-8"?>
+<p:sld xmlns:a="http://schemas.openxmlformats.org/drawingml/2006/main" xmlns:r="http://schemas.openxmlformats.org/officeDocument/2006/relationships" xmlns:p="http://schemas.openxmlformats.org/presentationml/2006/main">
+  <p:cSld>
+    <p:spTree>
+      <p:nvGrpSpPr>
+        <p:cNvPr id="1" name=""/>
+        <p:cNvGrpSpPr/>
+        <p:nvPr/>
+      </p:nvGrpSpPr>
+      <p:grpSpPr>
+        <a:xfrm>
+          <a:off x="0" y="0"/>
+          <a:ext cx="0" cy="0"/>
+          <a:chOff x="0" y="0"/>
+          <a:chExt cx="0" cy="0"/>
+        </a:xfrm>
+      </p:grpSpPr>
+      <p:sp>
+        <p:nvSpPr>
+          <p:cNvPr id="2" name="Title 1">
+            <a:extLst>
+              <a:ext uri="{FF2B5EF4-FFF2-40B4-BE49-F238E27FC236}">
+                <a16:creationId xmlns:a16="http://schemas.microsoft.com/office/drawing/2014/main" id="{7A9835BD-F841-4066-8B75-2D81CE31DFF0}"/>
+              </a:ext>
+            </a:extLst>
+          </p:cNvPr>
+          <p:cNvSpPr>
+            <a:spLocks noGrp="1"/>
+          </p:cNvSpPr>
+          <p:nvPr>
+            <p:ph type="title"/>
+          </p:nvPr>
+        </p:nvSpPr>
+        <p:spPr/>
+        <p:txBody>
+          <a:bodyPr/>
+          <a:lstStyle/>
+          <a:p>
+            <a:r>
+              <a:rPr lang="en-IE" dirty="0" err="1"/>
+              <a:t>Jsx</a:t>
+            </a:r>
+            <a:endParaRPr lang="en-IE" dirty="0"/>
+          </a:p>
+        </p:txBody>
+      </p:sp>
+      <p:sp>
+        <p:nvSpPr>
+          <p:cNvPr id="3" name="Content Placeholder 2">
+            <a:extLst>
+              <a:ext uri="{FF2B5EF4-FFF2-40B4-BE49-F238E27FC236}">
+                <a16:creationId xmlns:a16="http://schemas.microsoft.com/office/drawing/2014/main" id="{F46BCC87-4314-4D5B-ABE6-22BD7C989A3E}"/>
+              </a:ext>
+            </a:extLst>
+          </p:cNvPr>
+          <p:cNvSpPr>
+            <a:spLocks noGrp="1"/>
+          </p:cNvSpPr>
+          <p:nvPr>
+            <p:ph idx="1"/>
+          </p:nvPr>
+        </p:nvSpPr>
+        <p:spPr/>
+        <p:txBody>
+          <a:bodyPr/>
+          <a:lstStyle/>
+          <a:p>
+            <a:pPr marL="0" indent="0">
+              <a:buNone/>
+            </a:pPr>
+            <a:r>
+              <a:rPr lang="en-IE" dirty="0"/>
+              <a:t>JSX is an XML/HTML-like syntax used by React that extends ECMAScript so that XML/HTML-like text can co-exist with JavaScript/React code. </a:t>
+            </a:r>
+          </a:p>
+          <a:p>
+            <a:pPr marL="0" indent="0">
+              <a:buNone/>
+            </a:pPr>
+            <a:r>
+              <a:rPr lang="en-IE" dirty="0"/>
+              <a:t>The syntax is intended to be used by </a:t>
+            </a:r>
+            <a:r>
+              <a:rPr lang="en-IE" dirty="0" err="1"/>
+              <a:t>preprocessors</a:t>
+            </a:r>
+            <a:r>
+              <a:rPr lang="en-IE" dirty="0"/>
+              <a:t> to transform HTML-like text found in JavaScript files into standard JavaScript objects that a JavaScript engine will parse</a:t>
+            </a:r>
+          </a:p>
+        </p:txBody>
+      </p:sp>
+    </p:spTree>
+    <p:extLst>
+      <p:ext uri="{BB962C8B-B14F-4D97-AF65-F5344CB8AC3E}">
+        <p14:creationId xmlns:p14="http://schemas.microsoft.com/office/powerpoint/2010/main" val="1134025882"/>
+      </p:ext>
+    </p:extLst>
+  </p:cSld>
+  <p:clrMapOvr>
+    <a:masterClrMapping/>
+  </p:clrMapOvr>
+</p:sld>
+</file>
+
+<file path=ppt/slides/slide12.xml><?xml version="1.0" encoding="utf-8"?>
+<p:sld xmlns:a="http://schemas.openxmlformats.org/drawingml/2006/main" xmlns:r="http://schemas.openxmlformats.org/officeDocument/2006/relationships" xmlns:p="http://schemas.openxmlformats.org/presentationml/2006/main">
+  <p:cSld>
+    <p:spTree>
+      <p:nvGrpSpPr>
+        <p:cNvPr id="1" name=""/>
+        <p:cNvGrpSpPr/>
+        <p:nvPr/>
+      </p:nvGrpSpPr>
+      <p:grpSpPr>
+        <a:xfrm>
+          <a:off x="0" y="0"/>
+          <a:ext cx="0" cy="0"/>
+          <a:chOff x="0" y="0"/>
+          <a:chExt cx="0" cy="0"/>
+        </a:xfrm>
+      </p:grpSpPr>
+      <p:sp>
+        <p:nvSpPr>
+          <p:cNvPr id="2" name="Title 1">
+            <a:extLst>
+              <a:ext uri="{FF2B5EF4-FFF2-40B4-BE49-F238E27FC236}">
+                <a16:creationId xmlns:a16="http://schemas.microsoft.com/office/drawing/2014/main" id="{63E92BDF-74A9-42A2-A6D6-15984B008F9D}"/>
+              </a:ext>
+            </a:extLst>
+          </p:cNvPr>
+          <p:cNvSpPr>
+            <a:spLocks noGrp="1"/>
+          </p:cNvSpPr>
+          <p:nvPr>
+            <p:ph type="title"/>
+          </p:nvPr>
+        </p:nvSpPr>
+        <p:spPr/>
+        <p:txBody>
+          <a:bodyPr/>
+          <a:lstStyle/>
+          <a:p>
+            <a:pPr algn="ctr"/>
+            <a:r>
+              <a:rPr lang="en-IE" dirty="0"/>
+              <a:t>Redux</a:t>
+            </a:r>
+          </a:p>
+        </p:txBody>
+      </p:sp>
+      <p:sp>
+        <p:nvSpPr>
+          <p:cNvPr id="3" name="Content Placeholder 2">
+            <a:extLst>
+              <a:ext uri="{FF2B5EF4-FFF2-40B4-BE49-F238E27FC236}">
+                <a16:creationId xmlns:a16="http://schemas.microsoft.com/office/drawing/2014/main" id="{7DA24EE2-6421-4EA5-AA05-4BED6CFD0AE8}"/>
+              </a:ext>
+            </a:extLst>
+          </p:cNvPr>
+          <p:cNvSpPr>
+            <a:spLocks noGrp="1"/>
+          </p:cNvSpPr>
+          <p:nvPr>
+            <p:ph idx="1"/>
+          </p:nvPr>
+        </p:nvSpPr>
+        <p:spPr/>
+        <p:txBody>
+          <a:bodyPr/>
+          <a:lstStyle/>
+          <a:p>
+            <a:r>
+              <a:rPr lang="en-IE" dirty="0"/>
+              <a:t>An open-source JavaScript library for managing an applications state</a:t>
+            </a:r>
+          </a:p>
+          <a:p>
+            <a:r>
+              <a:rPr lang="en-IE" dirty="0"/>
+              <a:t>Central data store for all your apps data</a:t>
+            </a:r>
+          </a:p>
+          <a:p>
+            <a:r>
+              <a:rPr lang="en-IE" dirty="0"/>
+              <a:t>Can be accessed by any component by dispatching action (</a:t>
+            </a:r>
+            <a:r>
+              <a:rPr lang="en-IE" dirty="0" err="1"/>
+              <a:t>addPost</a:t>
+            </a:r>
+            <a:r>
+              <a:rPr lang="en-IE" dirty="0"/>
+              <a:t> etc.)</a:t>
+            </a:r>
+          </a:p>
+          <a:p>
+            <a:r>
+              <a:rPr lang="en-IE" dirty="0"/>
+              <a:t>Reducer updates the central state</a:t>
+            </a:r>
+          </a:p>
+          <a:p>
+            <a:endParaRPr lang="en-IE" dirty="0"/>
+          </a:p>
+          <a:p>
+            <a:endParaRPr lang="en-IE" dirty="0"/>
+          </a:p>
+        </p:txBody>
+      </p:sp>
+    </p:spTree>
+    <p:extLst>
+      <p:ext uri="{BB962C8B-B14F-4D97-AF65-F5344CB8AC3E}">
+        <p14:creationId xmlns:p14="http://schemas.microsoft.com/office/powerpoint/2010/main" val="508763269"/>
+      </p:ext>
+    </p:extLst>
+  </p:cSld>
+  <p:clrMapOvr>
+    <a:masterClrMapping/>
+  </p:clrMapOvr>
+</p:sld>
+</file>
+
+<file path=ppt/slides/slide13.xml><?xml version="1.0" encoding="utf-8"?>
+<p:sld xmlns:a="http://schemas.openxmlformats.org/drawingml/2006/main" xmlns:r="http://schemas.openxmlformats.org/officeDocument/2006/relationships" xmlns:p="http://schemas.openxmlformats.org/presentationml/2006/main">
+  <p:cSld>
+    <p:spTree>
+      <p:nvGrpSpPr>
+        <p:cNvPr id="1" name=""/>
+        <p:cNvGrpSpPr/>
+        <p:nvPr/>
+      </p:nvGrpSpPr>
+      <p:grpSpPr>
+        <a:xfrm>
+          <a:off x="0" y="0"/>
+          <a:ext cx="0" cy="0"/>
+          <a:chOff x="0" y="0"/>
+          <a:chExt cx="0" cy="0"/>
+        </a:xfrm>
+      </p:grpSpPr>
+      <p:sp>
+        <p:nvSpPr>
+          <p:cNvPr id="2" name="Title 1">
+            <a:extLst>
+              <a:ext uri="{FF2B5EF4-FFF2-40B4-BE49-F238E27FC236}">
+                <a16:creationId xmlns:a16="http://schemas.microsoft.com/office/drawing/2014/main" id="{EB0FFD0F-31D6-4C08-9A0E-CEA6447E27D7}"/>
+              </a:ext>
+            </a:extLst>
+          </p:cNvPr>
+          <p:cNvSpPr>
+            <a:spLocks noGrp="1"/>
+          </p:cNvSpPr>
+          <p:nvPr>
+            <p:ph type="title"/>
+          </p:nvPr>
+        </p:nvSpPr>
+        <p:spPr/>
+        <p:txBody>
+          <a:bodyPr/>
+          <a:lstStyle/>
+          <a:p>
+            <a:pPr algn="ctr"/>
+            <a:r>
+              <a:rPr lang="en-IE" dirty="0"/>
+              <a:t>Libraries used</a:t>
+            </a:r>
+          </a:p>
+        </p:txBody>
+      </p:sp>
+      <p:sp>
+        <p:nvSpPr>
+          <p:cNvPr id="3" name="Content Placeholder 2">
+            <a:extLst>
+              <a:ext uri="{FF2B5EF4-FFF2-40B4-BE49-F238E27FC236}">
+                <a16:creationId xmlns:a16="http://schemas.microsoft.com/office/drawing/2014/main" id="{3D405829-EE2F-4423-8ACC-A11A980C2491}"/>
+              </a:ext>
+            </a:extLst>
+          </p:cNvPr>
+          <p:cNvSpPr>
+            <a:spLocks noGrp="1"/>
+          </p:cNvSpPr>
+          <p:nvPr>
+            <p:ph idx="1"/>
+          </p:nvPr>
+        </p:nvSpPr>
+        <p:spPr>
+          <a:xfrm>
+            <a:off x="1141412" y="2249486"/>
+            <a:ext cx="9905999" cy="4479787"/>
+          </a:xfrm>
+        </p:spPr>
+        <p:txBody>
+          <a:bodyPr>
+            <a:normAutofit fontScale="92500" lnSpcReduction="20000"/>
+          </a:bodyPr>
+          <a:lstStyle/>
+          <a:p>
+            <a:pPr algn="ctr"/>
+            <a:r>
+              <a:rPr lang="en-IE" dirty="0" err="1"/>
+              <a:t>Axios</a:t>
+            </a:r>
+            <a:r>
+              <a:rPr lang="en-IE" dirty="0"/>
+              <a:t> (Allows you to make HTTP requests from node.js)</a:t>
+            </a:r>
+          </a:p>
+          <a:p>
+            <a:pPr algn="ctr"/>
+            <a:r>
+              <a:rPr lang="en-IE" dirty="0" err="1"/>
+              <a:t>Classnames</a:t>
+            </a:r>
+            <a:r>
+              <a:rPr lang="en-IE" dirty="0"/>
+              <a:t> (</a:t>
+            </a:r>
+            <a:r>
+              <a:rPr lang="en-IE" dirty="0" err="1"/>
+              <a:t>javascript</a:t>
+            </a:r>
+            <a:r>
+              <a:rPr lang="en-IE" dirty="0"/>
+              <a:t> utility for conditionally joining class names together)</a:t>
+            </a:r>
+          </a:p>
+          <a:p>
+            <a:pPr algn="ctr"/>
+            <a:r>
+              <a:rPr lang="en-IE" dirty="0" err="1"/>
+              <a:t>Formdata</a:t>
+            </a:r>
+            <a:r>
+              <a:rPr lang="en-IE" dirty="0"/>
+              <a:t> (Interface provides a way to easily construct a set of key/value pairs representing form fields and their values)</a:t>
+            </a:r>
+          </a:p>
+          <a:p>
+            <a:pPr algn="ctr"/>
+            <a:r>
+              <a:rPr lang="en-IE" dirty="0" err="1"/>
+              <a:t>Jwt</a:t>
+            </a:r>
+            <a:r>
+              <a:rPr lang="en-IE" dirty="0"/>
+              <a:t>-decode (Used to generate auth tokens)</a:t>
+            </a:r>
+          </a:p>
+          <a:p>
+            <a:pPr algn="ctr"/>
+            <a:r>
+              <a:rPr lang="en-IE" dirty="0" err="1"/>
+              <a:t>Multer</a:t>
+            </a:r>
+            <a:r>
+              <a:rPr lang="en-IE" dirty="0"/>
+              <a:t> (Middleware for uploading files or images)</a:t>
+            </a:r>
+          </a:p>
+          <a:p>
+            <a:pPr algn="ctr"/>
+            <a:r>
+              <a:rPr lang="en-IE" dirty="0" err="1"/>
+              <a:t>Bcryptjs</a:t>
+            </a:r>
+            <a:r>
+              <a:rPr lang="en-IE" dirty="0"/>
+              <a:t> (Used for hashing passwords)</a:t>
+            </a:r>
+          </a:p>
+          <a:p>
+            <a:pPr algn="ctr"/>
+            <a:r>
+              <a:rPr lang="en-IE" dirty="0"/>
+              <a:t>Body-parser (Allows access to </a:t>
+            </a:r>
+            <a:r>
+              <a:rPr lang="en-IE" dirty="0" err="1"/>
+              <a:t>req.body</a:t>
+            </a:r>
+            <a:r>
+              <a:rPr lang="en-IE" dirty="0"/>
+              <a:t> from within your routes)</a:t>
+            </a:r>
+          </a:p>
+          <a:p>
+            <a:pPr algn="ctr"/>
+            <a:r>
+              <a:rPr lang="en-IE" dirty="0"/>
+              <a:t>Concurrently (Allows the running of multiple commands)</a:t>
+            </a:r>
+          </a:p>
+          <a:p>
+            <a:pPr algn="ctr"/>
+            <a:r>
+              <a:rPr lang="en-IE" dirty="0"/>
+              <a:t>Passport (Lets you authenticate endpoints using a JSON web token</a:t>
+            </a:r>
+          </a:p>
+        </p:txBody>
+      </p:sp>
+    </p:spTree>
+    <p:extLst>
+      <p:ext uri="{BB962C8B-B14F-4D97-AF65-F5344CB8AC3E}">
+        <p14:creationId xmlns:p14="http://schemas.microsoft.com/office/powerpoint/2010/main" val="299860627"/>
+      </p:ext>
+    </p:extLst>
+  </p:cSld>
+  <p:clrMapOvr>
+    <a:masterClrMapping/>
+  </p:clrMapOvr>
+</p:sld>
+</file>
+
+<file path=ppt/slides/slide14.xml><?xml version="1.0" encoding="utf-8"?>
+<p:sld xmlns:a="http://schemas.openxmlformats.org/drawingml/2006/main" xmlns:r="http://schemas.openxmlformats.org/officeDocument/2006/relationships" xmlns:p="http://schemas.openxmlformats.org/presentationml/2006/main">
+  <p:cSld>
     <p:spTree>
       <p:nvGrpSpPr>
         <p:cNvPr id="1" name=""/>
@@ -12573,7 +15720,7 @@
 </p:sld>
 </file>
 
-<file path=ppt/slides/slide11.xml><?xml version="1.0" encoding="utf-8"?>
+<file path=ppt/slides/slide15.xml><?xml version="1.0" encoding="utf-8"?>
 <p:sld xmlns:a="http://schemas.openxmlformats.org/drawingml/2006/main" xmlns:r="http://schemas.openxmlformats.org/officeDocument/2006/relationships" xmlns:p="http://schemas.openxmlformats.org/presentationml/2006/main">
   <p:cSld>
     <p:spTree>
@@ -12652,6 +15799,19 @@
             </a:r>
           </a:p>
           <a:p>
+            <a:r>
+              <a:rPr lang="en-IE" dirty="0"/>
+              <a:t>Learning to constantly </a:t>
+            </a:r>
+            <a:r>
+              <a:rPr lang="en-IE"/>
+              <a:t>update GitHub</a:t>
+            </a:r>
+          </a:p>
+          <a:p>
+            <a:endParaRPr lang="en-IE" dirty="0"/>
+          </a:p>
+          <a:p>
             <a:endParaRPr lang="en-IE" dirty="0"/>
           </a:p>
           <a:p>
@@ -12672,7 +15832,7 @@
 </p:sld>
 </file>
 
-<file path=ppt/slides/slide12.xml><?xml version="1.0" encoding="utf-8"?>
+<file path=ppt/slides/slide16.xml><?xml version="1.0" encoding="utf-8"?>
 <p:sld xmlns:a="http://schemas.openxmlformats.org/drawingml/2006/main" xmlns:r="http://schemas.openxmlformats.org/officeDocument/2006/relationships" xmlns:p="http://schemas.openxmlformats.org/presentationml/2006/main">
   <p:cSld>
     <p:spTree>
@@ -13398,7 +16558,7 @@
           <p:cNvPr id="2" name="Title 1">
             <a:extLst>
               <a:ext uri="{FF2B5EF4-FFF2-40B4-BE49-F238E27FC236}">
-                <a16:creationId xmlns:a16="http://schemas.microsoft.com/office/drawing/2014/main" id="{63E92BDF-74A9-42A2-A6D6-15984B008F9D}"/>
+                <a16:creationId xmlns:a16="http://schemas.microsoft.com/office/drawing/2014/main" id="{8146D0D9-474F-404B-8011-EE9C31D4DE16}"/>
               </a:ext>
             </a:extLst>
           </p:cNvPr>
@@ -13414,10 +16574,9 @@
           <a:bodyPr/>
           <a:lstStyle/>
           <a:p>
-            <a:pPr algn="ctr"/>
             <a:r>
               <a:rPr lang="en-IE" dirty="0"/>
-              <a:t>Redux</a:t>
+              <a:t>React Features</a:t>
             </a:r>
           </a:p>
         </p:txBody>
@@ -13427,7 +16586,7 @@
           <p:cNvPr id="3" name="Content Placeholder 2">
             <a:extLst>
               <a:ext uri="{FF2B5EF4-FFF2-40B4-BE49-F238E27FC236}">
-                <a16:creationId xmlns:a16="http://schemas.microsoft.com/office/drawing/2014/main" id="{7DA24EE2-6421-4EA5-AA05-4BED6CFD0AE8}"/>
+                <a16:creationId xmlns:a16="http://schemas.microsoft.com/office/drawing/2014/main" id="{7E1B2739-DDC4-4670-AA2C-509EBB57BBC1}"/>
               </a:ext>
             </a:extLst>
           </p:cNvPr>
@@ -13445,18 +16604,33 @@
           <a:p>
             <a:r>
               <a:rPr lang="en-IE" dirty="0"/>
-              <a:t>An open-source JavaScript library for managing an applications state</a:t>
+              <a:t>JavaScript library which lets you build user interfaces for web applications</a:t>
             </a:r>
           </a:p>
           <a:p>
-            <a:endParaRPr lang="en-IE" dirty="0"/>
+            <a:r>
+              <a:rPr lang="en-IE" dirty="0"/>
+              <a:t>The most important concept to understand in ReactJS is the component</a:t>
+            </a:r>
+          </a:p>
+          <a:p>
+            <a:r>
+              <a:rPr lang="en-IE" dirty="0"/>
+              <a:t>Maintained by Facebook and is currently one of the most popular in the world</a:t>
+            </a:r>
+          </a:p>
+          <a:p>
+            <a:r>
+              <a:rPr lang="en-IE" dirty="0"/>
+              <a:t>Can be a function component or a class component</a:t>
+            </a:r>
           </a:p>
         </p:txBody>
       </p:sp>
     </p:spTree>
     <p:extLst>
       <p:ext uri="{BB962C8B-B14F-4D97-AF65-F5344CB8AC3E}">
-        <p14:creationId xmlns:p14="http://schemas.microsoft.com/office/powerpoint/2010/main" val="508763269"/>
+        <p14:creationId xmlns:p14="http://schemas.microsoft.com/office/powerpoint/2010/main" val="3367171625"/>
       </p:ext>
     </p:extLst>
   </p:cSld>
@@ -13469,6 +16643,31 @@
 <file path=ppt/slides/slide9.xml><?xml version="1.0" encoding="utf-8"?>
 <p:sld xmlns:a="http://schemas.openxmlformats.org/drawingml/2006/main" xmlns:r="http://schemas.openxmlformats.org/officeDocument/2006/relationships" xmlns:p="http://schemas.openxmlformats.org/presentationml/2006/main">
   <p:cSld>
+    <p:bg>
+      <p:bgPr>
+        <a:blipFill>
+          <a:blip r:embed="rId2">
+            <a:duotone>
+              <a:schemeClr val="bg2">
+                <a:shade val="88000"/>
+                <a:hueMod val="106000"/>
+                <a:satMod val="140000"/>
+                <a:lumMod val="54000"/>
+              </a:schemeClr>
+              <a:schemeClr val="bg2">
+                <a:tint val="98000"/>
+                <a:hueMod val="90000"/>
+                <a:satMod val="150000"/>
+                <a:lumMod val="160000"/>
+              </a:schemeClr>
+            </a:duotone>
+            <a:extLst/>
+          </a:blip>
+          <a:stretch/>
+        </a:blipFill>
+        <a:effectLst/>
+      </p:bgPr>
+    </p:bg>
     <p:spTree>
       <p:nvGrpSpPr>
         <p:cNvPr id="1" name=""/>
@@ -13483,12 +16682,129 @@
           <a:chExt cx="0" cy="0"/>
         </a:xfrm>
       </p:grpSpPr>
+      <p:sp useBgFill="1">
+        <p:nvSpPr>
+          <p:cNvPr id="13" name="Rectangle 12">
+            <a:extLst>
+              <a:ext uri="{FF2B5EF4-FFF2-40B4-BE49-F238E27FC236}">
+                <a16:creationId xmlns:a16="http://schemas.microsoft.com/office/drawing/2014/main" id="{C2E4E997-8672-4FFD-B8EC-9932A8E4714B}"/>
+              </a:ext>
+              <a:ext uri="{C183D7F6-B498-43B3-948B-1728B52AA6E4}">
+                <adec:decorative xmlns:adec="http://schemas.microsoft.com/office/drawing/2017/decorative" val="1"/>
+              </a:ext>
+            </a:extLst>
+          </p:cNvPr>
+          <p:cNvSpPr>
+            <a:spLocks noGrp="1" noRot="1" noChangeAspect="1" noMove="1" noResize="1" noEditPoints="1" noAdjustHandles="1" noChangeArrowheads="1" noChangeShapeType="1" noTextEdit="1"/>
+          </p:cNvSpPr>
+          <p:nvPr>
+            <p:extLst>
+              <p:ext uri="{386F3935-93C4-4BCD-93E2-E3B085C9AB24}">
+                <p16:designElem xmlns:p16="http://schemas.microsoft.com/office/powerpoint/2015/main" val="1"/>
+              </p:ext>
+            </p:extLst>
+          </p:nvPr>
+        </p:nvSpPr>
+        <p:spPr>
+          <a:xfrm>
+            <a:off x="0" y="0"/>
+            <a:ext cx="12192000" cy="6858000"/>
+          </a:xfrm>
+          <a:prstGeom prst="rect">
+            <a:avLst/>
+          </a:prstGeom>
+          <a:ln>
+            <a:noFill/>
+          </a:ln>
+        </p:spPr>
+        <p:style>
+          <a:lnRef idx="2">
+            <a:schemeClr val="accent1">
+              <a:shade val="50000"/>
+            </a:schemeClr>
+          </a:lnRef>
+          <a:fillRef idx="1003">
+            <a:schemeClr val="dk2"/>
+          </a:fillRef>
+          <a:effectRef idx="0">
+            <a:schemeClr val="accent1"/>
+          </a:effectRef>
+          <a:fontRef idx="minor">
+            <a:schemeClr val="lt1"/>
+          </a:fontRef>
+        </p:style>
+        <p:txBody>
+          <a:bodyPr rtlCol="0" anchor="ctr"/>
+          <a:lstStyle/>
+          <a:p>
+            <a:pPr algn="ctr"/>
+            <a:endParaRPr lang="en-US"/>
+          </a:p>
+        </p:txBody>
+      </p:sp>
+      <p:pic>
+        <p:nvPicPr>
+          <p:cNvPr id="15" name="Picture 2">
+            <a:extLst>
+              <a:ext uri="{FF2B5EF4-FFF2-40B4-BE49-F238E27FC236}">
+                <a16:creationId xmlns:a16="http://schemas.microsoft.com/office/drawing/2014/main" id="{FE6BA9E6-1D9E-4D30-B528-D49FA1342E4E}"/>
+              </a:ext>
+              <a:ext uri="{C183D7F6-B498-43B3-948B-1728B52AA6E4}">
+                <adec:decorative xmlns:adec="http://schemas.microsoft.com/office/drawing/2017/decorative" val="1"/>
+              </a:ext>
+            </a:extLst>
+          </p:cNvPr>
+          <p:cNvPicPr>
+            <a:picLocks noGrp="1" noRot="1" noChangeAspect="1" noMove="1" noResize="1" noEditPoints="1" noAdjustHandles="1" noChangeArrowheads="1" noChangeShapeType="1" noCrop="1"/>
+          </p:cNvPicPr>
+          <p:nvPr>
+            <p:extLst>
+              <p:ext uri="{386F3935-93C4-4BCD-93E2-E3B085C9AB24}">
+                <p16:designElem xmlns:p16="http://schemas.microsoft.com/office/powerpoint/2015/main" val="1"/>
+              </p:ext>
+            </p:extLst>
+          </p:nvPr>
+        </p:nvPicPr>
+        <p:blipFill>
+          <a:blip r:embed="rId3">
+            <a:alphaModFix amt="30000"/>
+            <a:extLst>
+              <a:ext uri="{28A0092B-C50C-407E-A947-70E740481C1C}">
+                <a14:useLocalDpi xmlns:a14="http://schemas.microsoft.com/office/drawing/2010/main" val="0"/>
+              </a:ext>
+            </a:extLst>
+          </a:blip>
+          <a:srcRect/>
+          <a:stretch>
+            <a:fillRect/>
+          </a:stretch>
+        </p:blipFill>
+        <p:spPr bwMode="auto">
+          <a:xfrm>
+            <a:off x="0" y="0"/>
+            <a:ext cx="12192003" cy="6858001"/>
+          </a:xfrm>
+          <a:prstGeom prst="rect">
+            <a:avLst/>
+          </a:prstGeom>
+          <a:noFill/>
+          <a:extLst>
+            <a:ext uri="{909E8E84-426E-40dd-AFC4-6F175D3DCCD1}">
+              <a14:hiddenFill xmlns="" xmlns:a16="http://schemas.microsoft.com/office/drawing/2014/main" xmlns:p14="http://schemas.microsoft.com/office/powerpoint/2010/main" xmlns:a14="http://schemas.microsoft.com/office/drawing/2010/main">
+                <a:solidFill>
+                  <a:srgbClr val="FFFFFF"/>
+                </a:solidFill>
+              </a14:hiddenFill>
+            </a:ext>
+          </a:extLst>
+        </p:spPr>
+      </p:pic>
       <p:sp>
         <p:nvSpPr>
           <p:cNvPr id="2" name="Title 1">
             <a:extLst>
               <a:ext uri="{FF2B5EF4-FFF2-40B4-BE49-F238E27FC236}">
-                <a16:creationId xmlns:a16="http://schemas.microsoft.com/office/drawing/2014/main" id="{EB0FFD0F-31D6-4C08-9A0E-CEA6447E27D7}"/>
+                <a16:creationId xmlns:a16="http://schemas.microsoft.com/office/drawing/2014/main" id="{98EF015A-6647-41E3-961C-8EB5549C43AF}"/>
               </a:ext>
             </a:extLst>
           </p:cNvPr>
@@ -13499,25 +16815,2506 @@
             <p:ph type="title"/>
           </p:nvPr>
         </p:nvSpPr>
-        <p:spPr/>
+        <p:spPr>
+          <a:xfrm>
+            <a:off x="1141413" y="618518"/>
+            <a:ext cx="4459286" cy="1478570"/>
+          </a:xfrm>
+        </p:spPr>
         <p:txBody>
-          <a:bodyPr/>
+          <a:bodyPr>
+            <a:normAutofit/>
+          </a:bodyPr>
           <a:lstStyle/>
           <a:p>
-            <a:pPr algn="ctr"/>
             <a:r>
-              <a:rPr lang="en-IE" dirty="0"/>
-              <a:t>Libraries used</a:t>
+              <a:rPr lang="en-IE" sz="3200" dirty="0"/>
+              <a:t>Function component</a:t>
             </a:r>
           </a:p>
         </p:txBody>
       </p:sp>
+      <p:pic>
+        <p:nvPicPr>
+          <p:cNvPr id="8" name="Content Placeholder 4">
+            <a:extLst>
+              <a:ext uri="{FF2B5EF4-FFF2-40B4-BE49-F238E27FC236}">
+                <a16:creationId xmlns:a16="http://schemas.microsoft.com/office/drawing/2014/main" id="{45DD705D-8A8D-4412-BCC0-9EEB42548CC9}"/>
+              </a:ext>
+            </a:extLst>
+          </p:cNvPr>
+          <p:cNvPicPr>
+            <a:picLocks noChangeAspect="1"/>
+          </p:cNvPicPr>
+          <p:nvPr/>
+        </p:nvPicPr>
+        <p:blipFill>
+          <a:blip r:embed="rId4"/>
+          <a:stretch>
+            <a:fillRect/>
+          </a:stretch>
+        </p:blipFill>
+        <p:spPr>
+          <a:xfrm>
+            <a:off x="6094411" y="2249485"/>
+            <a:ext cx="5456279" cy="3541713"/>
+          </a:xfrm>
+          <a:prstGeom prst="round2DiagRect">
+            <a:avLst>
+              <a:gd name="adj1" fmla="val 5608"/>
+              <a:gd name="adj2" fmla="val 0"/>
+            </a:avLst>
+          </a:prstGeom>
+          <a:ln w="19050" cap="sq">
+            <a:solidFill>
+              <a:schemeClr val="tx2">
+                <a:lumMod val="60000"/>
+                <a:lumOff val="40000"/>
+                <a:alpha val="60000"/>
+              </a:schemeClr>
+            </a:solidFill>
+            <a:miter lim="800000"/>
+          </a:ln>
+          <a:effectLst>
+            <a:outerShdw blurRad="88900" dist="38100" dir="5400000" algn="t" rotWithShape="0">
+              <a:prstClr val="black">
+                <a:alpha val="40000"/>
+              </a:prstClr>
+            </a:outerShdw>
+          </a:effectLst>
+        </p:spPr>
+      </p:pic>
+      <p:grpSp>
+        <p:nvGrpSpPr>
+          <p:cNvPr id="17" name="Group 16">
+            <a:extLst>
+              <a:ext uri="{FF2B5EF4-FFF2-40B4-BE49-F238E27FC236}">
+                <a16:creationId xmlns:a16="http://schemas.microsoft.com/office/drawing/2014/main" id="{453E4DEE-E996-40F8-8635-0FF43D7348F9}"/>
+              </a:ext>
+              <a:ext uri="{C183D7F6-B498-43B3-948B-1728B52AA6E4}">
+                <adec:decorative xmlns:adec="http://schemas.microsoft.com/office/drawing/2017/decorative" val="1"/>
+              </a:ext>
+            </a:extLst>
+          </p:cNvPr>
+          <p:cNvGrpSpPr>
+            <a:grpSpLocks noGrp="1" noUngrp="1" noRot="1" noChangeAspect="1" noMove="1" noResize="1"/>
+          </p:cNvGrpSpPr>
+          <p:nvPr>
+            <p:extLst>
+              <p:ext uri="{386F3935-93C4-4BCD-93E2-E3B085C9AB24}">
+                <p16:designElem xmlns:p16="http://schemas.microsoft.com/office/powerpoint/2015/main" val="1"/>
+              </p:ext>
+            </p:extLst>
+          </p:nvPr>
+        </p:nvGrpSpPr>
+        <p:grpSpPr>
+          <a:xfrm>
+            <a:off x="0" y="0"/>
+            <a:ext cx="1220788" cy="6858001"/>
+            <a:chOff x="-14288" y="0"/>
+            <a:chExt cx="1220788" cy="6858001"/>
+          </a:xfrm>
+          <a:gradFill flip="none" rotWithShape="1">
+            <a:gsLst>
+              <a:gs pos="0">
+                <a:schemeClr val="tx2"/>
+              </a:gs>
+              <a:gs pos="100000">
+                <a:schemeClr val="bg2">
+                  <a:lumMod val="60000"/>
+                  <a:lumOff val="40000"/>
+                </a:schemeClr>
+              </a:gs>
+            </a:gsLst>
+            <a:lin ang="5400000" scaled="0"/>
+            <a:tileRect/>
+          </a:gradFill>
+        </p:grpSpPr>
+        <p:sp>
+          <p:nvSpPr>
+            <p:cNvPr id="18" name="Rectangle 5">
+              <a:extLst>
+                <a:ext uri="{FF2B5EF4-FFF2-40B4-BE49-F238E27FC236}">
+                  <a16:creationId xmlns:a16="http://schemas.microsoft.com/office/drawing/2014/main" id="{08BD1D3E-43CE-49EB-A424-0738950C6424}"/>
+                </a:ext>
+                <a:ext uri="{C183D7F6-B498-43B3-948B-1728B52AA6E4}">
+                  <adec:decorative xmlns:adec="http://schemas.microsoft.com/office/drawing/2017/decorative" val="1"/>
+                </a:ext>
+              </a:extLst>
+            </p:cNvPr>
+            <p:cNvSpPr>
+              <a:spLocks noChangeArrowheads="1"/>
+            </p:cNvSpPr>
+            <p:nvPr>
+              <p:extLst>
+                <p:ext uri="{386F3935-93C4-4BCD-93E2-E3B085C9AB24}">
+                  <p16:designElem xmlns:p16="http://schemas.microsoft.com/office/powerpoint/2015/main" val="1"/>
+                </p:ext>
+              </p:extLst>
+            </p:nvPr>
+          </p:nvSpPr>
+          <p:spPr bwMode="auto">
+            <a:xfrm>
+              <a:off x="114300" y="4763"/>
+              <a:ext cx="23813" cy="2181225"/>
+            </a:xfrm>
+            <a:prstGeom prst="rect">
+              <a:avLst/>
+            </a:prstGeom>
+            <a:grpFill/>
+            <a:ln>
+              <a:noFill/>
+            </a:ln>
+            <a:extLst>
+              <a:ext uri="{91240B29-F687-4f45-9708-019B960494DF}">
+                <a14:hiddenLine xmlns="" xmlns:a16="http://schemas.microsoft.com/office/drawing/2014/main" xmlns:p14="http://schemas.microsoft.com/office/powerpoint/2010/main" xmlns:a14="http://schemas.microsoft.com/office/drawing/2010/main" w="9525">
+                  <a:solidFill>
+                    <a:srgbClr val="000000"/>
+                  </a:solidFill>
+                  <a:miter lim="800000"/>
+                  <a:headEnd/>
+                  <a:tailEnd/>
+                </a14:hiddenLine>
+              </a:ext>
+            </a:extLst>
+          </p:spPr>
+        </p:sp>
+        <p:sp>
+          <p:nvSpPr>
+            <p:cNvPr id="19" name="Freeform 6">
+              <a:extLst>
+                <a:ext uri="{FF2B5EF4-FFF2-40B4-BE49-F238E27FC236}">
+                  <a16:creationId xmlns:a16="http://schemas.microsoft.com/office/drawing/2014/main" id="{E9182037-E3FA-489A-95D5-29E4248420D8}"/>
+                </a:ext>
+                <a:ext uri="{C183D7F6-B498-43B3-948B-1728B52AA6E4}">
+                  <adec:decorative xmlns:adec="http://schemas.microsoft.com/office/drawing/2017/decorative" val="1"/>
+                </a:ext>
+              </a:extLst>
+            </p:cNvPr>
+            <p:cNvSpPr>
+              <a:spLocks noEditPoints="1"/>
+            </p:cNvSpPr>
+            <p:nvPr>
+              <p:extLst>
+                <p:ext uri="{386F3935-93C4-4BCD-93E2-E3B085C9AB24}">
+                  <p16:designElem xmlns:p16="http://schemas.microsoft.com/office/powerpoint/2015/main" val="1"/>
+                </p:ext>
+              </p:extLst>
+            </p:nvPr>
+          </p:nvSpPr>
+          <p:spPr bwMode="auto">
+            <a:xfrm>
+              <a:off x="33337" y="2176463"/>
+              <a:ext cx="190500" cy="190500"/>
+            </a:xfrm>
+            <a:custGeom>
+              <a:avLst/>
+              <a:gdLst/>
+              <a:ahLst/>
+              <a:cxnLst/>
+              <a:rect l="0" t="0" r="r" b="b"/>
+              <a:pathLst>
+                <a:path w="40" h="40">
+                  <a:moveTo>
+                    <a:pt x="20" y="40"/>
+                  </a:moveTo>
+                  <a:cubicBezTo>
+                    <a:pt x="9" y="40"/>
+                    <a:pt x="0" y="31"/>
+                    <a:pt x="0" y="20"/>
+                  </a:cubicBezTo>
+                  <a:cubicBezTo>
+                    <a:pt x="0" y="9"/>
+                    <a:pt x="9" y="0"/>
+                    <a:pt x="20" y="0"/>
+                  </a:cubicBezTo>
+                  <a:cubicBezTo>
+                    <a:pt x="31" y="0"/>
+                    <a:pt x="40" y="9"/>
+                    <a:pt x="40" y="20"/>
+                  </a:cubicBezTo>
+                  <a:cubicBezTo>
+                    <a:pt x="40" y="31"/>
+                    <a:pt x="31" y="40"/>
+                    <a:pt x="20" y="40"/>
+                  </a:cubicBezTo>
+                  <a:close/>
+                  <a:moveTo>
+                    <a:pt x="20" y="4"/>
+                  </a:moveTo>
+                  <a:cubicBezTo>
+                    <a:pt x="11" y="4"/>
+                    <a:pt x="4" y="11"/>
+                    <a:pt x="4" y="20"/>
+                  </a:cubicBezTo>
+                  <a:cubicBezTo>
+                    <a:pt x="4" y="29"/>
+                    <a:pt x="11" y="36"/>
+                    <a:pt x="20" y="36"/>
+                  </a:cubicBezTo>
+                  <a:cubicBezTo>
+                    <a:pt x="28" y="36"/>
+                    <a:pt x="36" y="29"/>
+                    <a:pt x="36" y="20"/>
+                  </a:cubicBezTo>
+                  <a:cubicBezTo>
+                    <a:pt x="36" y="11"/>
+                    <a:pt x="28" y="4"/>
+                    <a:pt x="20" y="4"/>
+                  </a:cubicBezTo>
+                  <a:close/>
+                </a:path>
+              </a:pathLst>
+            </a:custGeom>
+            <a:grpFill/>
+            <a:ln>
+              <a:noFill/>
+            </a:ln>
+            <a:extLst>
+              <a:ext uri="{91240B29-F687-4f45-9708-019B960494DF}">
+                <a14:hiddenLine xmlns="" xmlns:a16="http://schemas.microsoft.com/office/drawing/2014/main" xmlns:p14="http://schemas.microsoft.com/office/powerpoint/2010/main" xmlns:a14="http://schemas.microsoft.com/office/drawing/2010/main" w="9525">
+                  <a:solidFill>
+                    <a:srgbClr val="000000"/>
+                  </a:solidFill>
+                  <a:round/>
+                  <a:headEnd/>
+                  <a:tailEnd/>
+                </a14:hiddenLine>
+              </a:ext>
+            </a:extLst>
+          </p:spPr>
+        </p:sp>
+        <p:sp>
+          <p:nvSpPr>
+            <p:cNvPr id="20" name="Freeform 7">
+              <a:extLst>
+                <a:ext uri="{FF2B5EF4-FFF2-40B4-BE49-F238E27FC236}">
+                  <a16:creationId xmlns:a16="http://schemas.microsoft.com/office/drawing/2014/main" id="{E8864E76-AD7F-4BEE-B3F6-A78FA42AEFAC}"/>
+                </a:ext>
+                <a:ext uri="{C183D7F6-B498-43B3-948B-1728B52AA6E4}">
+                  <adec:decorative xmlns:adec="http://schemas.microsoft.com/office/drawing/2017/decorative" val="1"/>
+                </a:ext>
+              </a:extLst>
+            </p:cNvPr>
+            <p:cNvSpPr>
+              <a:spLocks noEditPoints="1"/>
+            </p:cNvSpPr>
+            <p:nvPr>
+              <p:extLst>
+                <p:ext uri="{386F3935-93C4-4BCD-93E2-E3B085C9AB24}">
+                  <p16:designElem xmlns:p16="http://schemas.microsoft.com/office/powerpoint/2015/main" val="1"/>
+                </p:ext>
+              </p:extLst>
+            </p:nvPr>
+          </p:nvSpPr>
+          <p:spPr bwMode="auto">
+            <a:xfrm>
+              <a:off x="28575" y="4021138"/>
+              <a:ext cx="190500" cy="188913"/>
+            </a:xfrm>
+            <a:custGeom>
+              <a:avLst/>
+              <a:gdLst/>
+              <a:ahLst/>
+              <a:cxnLst/>
+              <a:rect l="0" t="0" r="r" b="b"/>
+              <a:pathLst>
+                <a:path w="40" h="40">
+                  <a:moveTo>
+                    <a:pt x="20" y="40"/>
+                  </a:moveTo>
+                  <a:cubicBezTo>
+                    <a:pt x="9" y="40"/>
+                    <a:pt x="0" y="31"/>
+                    <a:pt x="0" y="20"/>
+                  </a:cubicBezTo>
+                  <a:cubicBezTo>
+                    <a:pt x="0" y="9"/>
+                    <a:pt x="9" y="0"/>
+                    <a:pt x="20" y="0"/>
+                  </a:cubicBezTo>
+                  <a:cubicBezTo>
+                    <a:pt x="31" y="0"/>
+                    <a:pt x="40" y="9"/>
+                    <a:pt x="40" y="20"/>
+                  </a:cubicBezTo>
+                  <a:cubicBezTo>
+                    <a:pt x="40" y="31"/>
+                    <a:pt x="31" y="40"/>
+                    <a:pt x="20" y="40"/>
+                  </a:cubicBezTo>
+                  <a:close/>
+                  <a:moveTo>
+                    <a:pt x="20" y="4"/>
+                  </a:moveTo>
+                  <a:cubicBezTo>
+                    <a:pt x="12" y="4"/>
+                    <a:pt x="4" y="11"/>
+                    <a:pt x="4" y="20"/>
+                  </a:cubicBezTo>
+                  <a:cubicBezTo>
+                    <a:pt x="4" y="29"/>
+                    <a:pt x="12" y="36"/>
+                    <a:pt x="20" y="36"/>
+                  </a:cubicBezTo>
+                  <a:cubicBezTo>
+                    <a:pt x="29" y="36"/>
+                    <a:pt x="36" y="29"/>
+                    <a:pt x="36" y="20"/>
+                  </a:cubicBezTo>
+                  <a:cubicBezTo>
+                    <a:pt x="36" y="11"/>
+                    <a:pt x="29" y="4"/>
+                    <a:pt x="20" y="4"/>
+                  </a:cubicBezTo>
+                  <a:close/>
+                </a:path>
+              </a:pathLst>
+            </a:custGeom>
+            <a:grpFill/>
+            <a:ln>
+              <a:noFill/>
+            </a:ln>
+            <a:extLst>
+              <a:ext uri="{91240B29-F687-4f45-9708-019B960494DF}">
+                <a14:hiddenLine xmlns="" xmlns:a16="http://schemas.microsoft.com/office/drawing/2014/main" xmlns:p14="http://schemas.microsoft.com/office/powerpoint/2010/main" xmlns:a14="http://schemas.microsoft.com/office/drawing/2010/main" w="9525">
+                  <a:solidFill>
+                    <a:srgbClr val="000000"/>
+                  </a:solidFill>
+                  <a:round/>
+                  <a:headEnd/>
+                  <a:tailEnd/>
+                </a14:hiddenLine>
+              </a:ext>
+            </a:extLst>
+          </p:spPr>
+        </p:sp>
+        <p:sp>
+          <p:nvSpPr>
+            <p:cNvPr id="21" name="Freeform 8">
+              <a:extLst>
+                <a:ext uri="{FF2B5EF4-FFF2-40B4-BE49-F238E27FC236}">
+                  <a16:creationId xmlns:a16="http://schemas.microsoft.com/office/drawing/2014/main" id="{8AD071B3-046D-4479-91FE-01E9AD7C8AAB}"/>
+                </a:ext>
+                <a:ext uri="{C183D7F6-B498-43B3-948B-1728B52AA6E4}">
+                  <adec:decorative xmlns:adec="http://schemas.microsoft.com/office/drawing/2017/decorative" val="1"/>
+                </a:ext>
+              </a:extLst>
+            </p:cNvPr>
+            <p:cNvSpPr/>
+            <p:nvPr>
+              <p:extLst>
+                <p:ext uri="{386F3935-93C4-4BCD-93E2-E3B085C9AB24}">
+                  <p16:designElem xmlns:p16="http://schemas.microsoft.com/office/powerpoint/2015/main" val="1"/>
+                </p:ext>
+              </p:extLst>
+            </p:nvPr>
+          </p:nvSpPr>
+          <p:spPr bwMode="auto">
+            <a:xfrm>
+              <a:off x="200025" y="4763"/>
+              <a:ext cx="369888" cy="1811338"/>
+            </a:xfrm>
+            <a:custGeom>
+              <a:avLst/>
+              <a:gdLst/>
+              <a:ahLst/>
+              <a:cxnLst/>
+              <a:rect l="0" t="0" r="r" b="b"/>
+              <a:pathLst>
+                <a:path w="233" h="1141">
+                  <a:moveTo>
+                    <a:pt x="218" y="1141"/>
+                  </a:moveTo>
+                  <a:lnTo>
+                    <a:pt x="0" y="626"/>
+                  </a:lnTo>
+                  <a:lnTo>
+                    <a:pt x="0" y="0"/>
+                  </a:lnTo>
+                  <a:lnTo>
+                    <a:pt x="15" y="0"/>
+                  </a:lnTo>
+                  <a:lnTo>
+                    <a:pt x="15" y="623"/>
+                  </a:lnTo>
+                  <a:lnTo>
+                    <a:pt x="233" y="1135"/>
+                  </a:lnTo>
+                  <a:lnTo>
+                    <a:pt x="218" y="1141"/>
+                  </a:lnTo>
+                  <a:close/>
+                </a:path>
+              </a:pathLst>
+            </a:custGeom>
+            <a:grpFill/>
+            <a:ln>
+              <a:noFill/>
+            </a:ln>
+            <a:extLst>
+              <a:ext uri="{91240B29-F687-4f45-9708-019B960494DF}">
+                <a14:hiddenLine xmlns="" xmlns:a16="http://schemas.microsoft.com/office/drawing/2014/main" xmlns:p14="http://schemas.microsoft.com/office/powerpoint/2010/main" xmlns:a14="http://schemas.microsoft.com/office/drawing/2010/main" w="9525">
+                  <a:solidFill>
+                    <a:srgbClr val="000000"/>
+                  </a:solidFill>
+                  <a:round/>
+                  <a:headEnd/>
+                  <a:tailEnd/>
+                </a14:hiddenLine>
+              </a:ext>
+            </a:extLst>
+          </p:spPr>
+        </p:sp>
+        <p:sp>
+          <p:nvSpPr>
+            <p:cNvPr id="22" name="Freeform 9">
+              <a:extLst>
+                <a:ext uri="{FF2B5EF4-FFF2-40B4-BE49-F238E27FC236}">
+                  <a16:creationId xmlns:a16="http://schemas.microsoft.com/office/drawing/2014/main" id="{91D776F5-E902-4A4D-A75D-A46E063C9F38}"/>
+                </a:ext>
+                <a:ext uri="{C183D7F6-B498-43B3-948B-1728B52AA6E4}">
+                  <adec:decorative xmlns:adec="http://schemas.microsoft.com/office/drawing/2017/decorative" val="1"/>
+                </a:ext>
+              </a:extLst>
+            </p:cNvPr>
+            <p:cNvSpPr>
+              <a:spLocks noEditPoints="1"/>
+            </p:cNvSpPr>
+            <p:nvPr>
+              <p:extLst>
+                <p:ext uri="{386F3935-93C4-4BCD-93E2-E3B085C9AB24}">
+                  <p16:designElem xmlns:p16="http://schemas.microsoft.com/office/powerpoint/2015/main" val="1"/>
+                </p:ext>
+              </p:extLst>
+            </p:nvPr>
+          </p:nvSpPr>
+          <p:spPr bwMode="auto">
+            <a:xfrm>
+              <a:off x="503237" y="1801813"/>
+              <a:ext cx="190500" cy="188913"/>
+            </a:xfrm>
+            <a:custGeom>
+              <a:avLst/>
+              <a:gdLst/>
+              <a:ahLst/>
+              <a:cxnLst/>
+              <a:rect l="0" t="0" r="r" b="b"/>
+              <a:pathLst>
+                <a:path w="40" h="40">
+                  <a:moveTo>
+                    <a:pt x="20" y="40"/>
+                  </a:moveTo>
+                  <a:cubicBezTo>
+                    <a:pt x="9" y="40"/>
+                    <a:pt x="0" y="31"/>
+                    <a:pt x="0" y="20"/>
+                  </a:cubicBezTo>
+                  <a:cubicBezTo>
+                    <a:pt x="0" y="9"/>
+                    <a:pt x="9" y="0"/>
+                    <a:pt x="20" y="0"/>
+                  </a:cubicBezTo>
+                  <a:cubicBezTo>
+                    <a:pt x="33" y="0"/>
+                    <a:pt x="40" y="6"/>
+                    <a:pt x="40" y="20"/>
+                  </a:cubicBezTo>
+                  <a:cubicBezTo>
+                    <a:pt x="40" y="31"/>
+                    <a:pt x="31" y="40"/>
+                    <a:pt x="20" y="40"/>
+                  </a:cubicBezTo>
+                  <a:close/>
+                  <a:moveTo>
+                    <a:pt x="20" y="4"/>
+                  </a:moveTo>
+                  <a:cubicBezTo>
+                    <a:pt x="11" y="4"/>
+                    <a:pt x="4" y="11"/>
+                    <a:pt x="4" y="20"/>
+                  </a:cubicBezTo>
+                  <a:cubicBezTo>
+                    <a:pt x="4" y="29"/>
+                    <a:pt x="11" y="36"/>
+                    <a:pt x="20" y="36"/>
+                  </a:cubicBezTo>
+                  <a:cubicBezTo>
+                    <a:pt x="28" y="36"/>
+                    <a:pt x="36" y="29"/>
+                    <a:pt x="36" y="20"/>
+                  </a:cubicBezTo>
+                  <a:cubicBezTo>
+                    <a:pt x="36" y="9"/>
+                    <a:pt x="31" y="4"/>
+                    <a:pt x="20" y="4"/>
+                  </a:cubicBezTo>
+                  <a:close/>
+                </a:path>
+              </a:pathLst>
+            </a:custGeom>
+            <a:grpFill/>
+            <a:ln>
+              <a:noFill/>
+            </a:ln>
+            <a:extLst>
+              <a:ext uri="{91240B29-F687-4f45-9708-019B960494DF}">
+                <a14:hiddenLine xmlns="" xmlns:a16="http://schemas.microsoft.com/office/drawing/2014/main" xmlns:p14="http://schemas.microsoft.com/office/powerpoint/2010/main" xmlns:a14="http://schemas.microsoft.com/office/drawing/2010/main" w="9525">
+                  <a:solidFill>
+                    <a:srgbClr val="000000"/>
+                  </a:solidFill>
+                  <a:round/>
+                  <a:headEnd/>
+                  <a:tailEnd/>
+                </a14:hiddenLine>
+              </a:ext>
+            </a:extLst>
+          </p:spPr>
+        </p:sp>
+        <p:sp>
+          <p:nvSpPr>
+            <p:cNvPr id="23" name="Freeform 10">
+              <a:extLst>
+                <a:ext uri="{FF2B5EF4-FFF2-40B4-BE49-F238E27FC236}">
+                  <a16:creationId xmlns:a16="http://schemas.microsoft.com/office/drawing/2014/main" id="{EBED8F24-A998-4952-AB68-E2074F0746FE}"/>
+                </a:ext>
+                <a:ext uri="{C183D7F6-B498-43B3-948B-1728B52AA6E4}">
+                  <adec:decorative xmlns:adec="http://schemas.microsoft.com/office/drawing/2017/decorative" val="1"/>
+                </a:ext>
+              </a:extLst>
+            </p:cNvPr>
+            <p:cNvSpPr/>
+            <p:nvPr>
+              <p:extLst>
+                <p:ext uri="{386F3935-93C4-4BCD-93E2-E3B085C9AB24}">
+                  <p16:designElem xmlns:p16="http://schemas.microsoft.com/office/powerpoint/2015/main" val="1"/>
+                </p:ext>
+              </p:extLst>
+            </p:nvPr>
+          </p:nvSpPr>
+          <p:spPr bwMode="auto">
+            <a:xfrm>
+              <a:off x="285750" y="4763"/>
+              <a:ext cx="369888" cy="1430338"/>
+            </a:xfrm>
+            <a:custGeom>
+              <a:avLst/>
+              <a:gdLst/>
+              <a:ahLst/>
+              <a:cxnLst/>
+              <a:rect l="0" t="0" r="r" b="b"/>
+              <a:pathLst>
+                <a:path w="233" h="901">
+                  <a:moveTo>
+                    <a:pt x="221" y="901"/>
+                  </a:moveTo>
+                  <a:lnTo>
+                    <a:pt x="0" y="383"/>
+                  </a:lnTo>
+                  <a:lnTo>
+                    <a:pt x="0" y="0"/>
+                  </a:lnTo>
+                  <a:lnTo>
+                    <a:pt x="18" y="0"/>
+                  </a:lnTo>
+                  <a:lnTo>
+                    <a:pt x="18" y="380"/>
+                  </a:lnTo>
+                  <a:lnTo>
+                    <a:pt x="233" y="895"/>
+                  </a:lnTo>
+                  <a:lnTo>
+                    <a:pt x="221" y="901"/>
+                  </a:lnTo>
+                  <a:close/>
+                </a:path>
+              </a:pathLst>
+            </a:custGeom>
+            <a:grpFill/>
+            <a:ln>
+              <a:noFill/>
+            </a:ln>
+            <a:extLst>
+              <a:ext uri="{91240B29-F687-4f45-9708-019B960494DF}">
+                <a14:hiddenLine xmlns="" xmlns:a16="http://schemas.microsoft.com/office/drawing/2014/main" xmlns:p14="http://schemas.microsoft.com/office/powerpoint/2010/main" xmlns:a14="http://schemas.microsoft.com/office/drawing/2010/main" w="9525">
+                  <a:solidFill>
+                    <a:srgbClr val="000000"/>
+                  </a:solidFill>
+                  <a:round/>
+                  <a:headEnd/>
+                  <a:tailEnd/>
+                </a14:hiddenLine>
+              </a:ext>
+            </a:extLst>
+          </p:spPr>
+        </p:sp>
+        <p:sp>
+          <p:nvSpPr>
+            <p:cNvPr id="24" name="Freeform 11">
+              <a:extLst>
+                <a:ext uri="{FF2B5EF4-FFF2-40B4-BE49-F238E27FC236}">
+                  <a16:creationId xmlns:a16="http://schemas.microsoft.com/office/drawing/2014/main" id="{74D7A646-8CDC-49B3-9C44-3EF38DB4264C}"/>
+                </a:ext>
+                <a:ext uri="{C183D7F6-B498-43B3-948B-1728B52AA6E4}">
+                  <adec:decorative xmlns:adec="http://schemas.microsoft.com/office/drawing/2017/decorative" val="1"/>
+                </a:ext>
+              </a:extLst>
+            </p:cNvPr>
+            <p:cNvSpPr/>
+            <p:nvPr>
+              <p:extLst>
+                <p:ext uri="{386F3935-93C4-4BCD-93E2-E3B085C9AB24}">
+                  <p16:designElem xmlns:p16="http://schemas.microsoft.com/office/powerpoint/2015/main" val="1"/>
+                </p:ext>
+              </p:extLst>
+            </p:nvPr>
+          </p:nvSpPr>
+          <p:spPr bwMode="auto">
+            <a:xfrm>
+              <a:off x="546100" y="0"/>
+              <a:ext cx="152400" cy="912813"/>
+            </a:xfrm>
+            <a:custGeom>
+              <a:avLst/>
+              <a:gdLst/>
+              <a:ahLst/>
+              <a:cxnLst/>
+              <a:rect l="0" t="0" r="r" b="b"/>
+              <a:pathLst>
+                <a:path w="96" h="575">
+                  <a:moveTo>
+                    <a:pt x="96" y="575"/>
+                  </a:moveTo>
+                  <a:lnTo>
+                    <a:pt x="78" y="575"/>
+                  </a:lnTo>
+                  <a:lnTo>
+                    <a:pt x="78" y="192"/>
+                  </a:lnTo>
+                  <a:lnTo>
+                    <a:pt x="0" y="6"/>
+                  </a:lnTo>
+                  <a:lnTo>
+                    <a:pt x="15" y="0"/>
+                  </a:lnTo>
+                  <a:lnTo>
+                    <a:pt x="96" y="189"/>
+                  </a:lnTo>
+                  <a:lnTo>
+                    <a:pt x="96" y="575"/>
+                  </a:lnTo>
+                  <a:close/>
+                </a:path>
+              </a:pathLst>
+            </a:custGeom>
+            <a:grpFill/>
+            <a:ln>
+              <a:noFill/>
+            </a:ln>
+            <a:extLst>
+              <a:ext uri="{91240B29-F687-4f45-9708-019B960494DF}">
+                <a14:hiddenLine xmlns="" xmlns:a16="http://schemas.microsoft.com/office/drawing/2014/main" xmlns:p14="http://schemas.microsoft.com/office/powerpoint/2010/main" xmlns:a14="http://schemas.microsoft.com/office/drawing/2010/main" w="9525">
+                  <a:solidFill>
+                    <a:srgbClr val="000000"/>
+                  </a:solidFill>
+                  <a:round/>
+                  <a:headEnd/>
+                  <a:tailEnd/>
+                </a14:hiddenLine>
+              </a:ext>
+            </a:extLst>
+          </p:spPr>
+        </p:sp>
+        <p:sp>
+          <p:nvSpPr>
+            <p:cNvPr id="25" name="Freeform 12">
+              <a:extLst>
+                <a:ext uri="{FF2B5EF4-FFF2-40B4-BE49-F238E27FC236}">
+                  <a16:creationId xmlns:a16="http://schemas.microsoft.com/office/drawing/2014/main" id="{D4E99D14-E4F4-419B-9AAF-8D1CEAB28A2D}"/>
+                </a:ext>
+                <a:ext uri="{C183D7F6-B498-43B3-948B-1728B52AA6E4}">
+                  <adec:decorative xmlns:adec="http://schemas.microsoft.com/office/drawing/2017/decorative" val="1"/>
+                </a:ext>
+              </a:extLst>
+            </p:cNvPr>
+            <p:cNvSpPr>
+              <a:spLocks noEditPoints="1"/>
+            </p:cNvSpPr>
+            <p:nvPr>
+              <p:extLst>
+                <p:ext uri="{386F3935-93C4-4BCD-93E2-E3B085C9AB24}">
+                  <p16:designElem xmlns:p16="http://schemas.microsoft.com/office/powerpoint/2015/main" val="1"/>
+                </p:ext>
+              </p:extLst>
+            </p:nvPr>
+          </p:nvSpPr>
+          <p:spPr bwMode="auto">
+            <a:xfrm>
+              <a:off x="588962" y="1420813"/>
+              <a:ext cx="190500" cy="190500"/>
+            </a:xfrm>
+            <a:custGeom>
+              <a:avLst/>
+              <a:gdLst/>
+              <a:ahLst/>
+              <a:cxnLst/>
+              <a:rect l="0" t="0" r="r" b="b"/>
+              <a:pathLst>
+                <a:path w="40" h="40">
+                  <a:moveTo>
+                    <a:pt x="20" y="40"/>
+                  </a:moveTo>
+                  <a:cubicBezTo>
+                    <a:pt x="9" y="40"/>
+                    <a:pt x="0" y="31"/>
+                    <a:pt x="0" y="20"/>
+                  </a:cubicBezTo>
+                  <a:cubicBezTo>
+                    <a:pt x="0" y="9"/>
+                    <a:pt x="9" y="0"/>
+                    <a:pt x="20" y="0"/>
+                  </a:cubicBezTo>
+                  <a:cubicBezTo>
+                    <a:pt x="33" y="0"/>
+                    <a:pt x="40" y="7"/>
+                    <a:pt x="40" y="20"/>
+                  </a:cubicBezTo>
+                  <a:cubicBezTo>
+                    <a:pt x="40" y="31"/>
+                    <a:pt x="31" y="40"/>
+                    <a:pt x="20" y="40"/>
+                  </a:cubicBezTo>
+                  <a:close/>
+                  <a:moveTo>
+                    <a:pt x="20" y="4"/>
+                  </a:moveTo>
+                  <a:cubicBezTo>
+                    <a:pt x="11" y="4"/>
+                    <a:pt x="4" y="11"/>
+                    <a:pt x="4" y="20"/>
+                  </a:cubicBezTo>
+                  <a:cubicBezTo>
+                    <a:pt x="4" y="29"/>
+                    <a:pt x="11" y="36"/>
+                    <a:pt x="20" y="36"/>
+                  </a:cubicBezTo>
+                  <a:cubicBezTo>
+                    <a:pt x="29" y="36"/>
+                    <a:pt x="36" y="29"/>
+                    <a:pt x="36" y="20"/>
+                  </a:cubicBezTo>
+                  <a:cubicBezTo>
+                    <a:pt x="36" y="9"/>
+                    <a:pt x="31" y="4"/>
+                    <a:pt x="20" y="4"/>
+                  </a:cubicBezTo>
+                  <a:close/>
+                </a:path>
+              </a:pathLst>
+            </a:custGeom>
+            <a:grpFill/>
+            <a:ln>
+              <a:noFill/>
+            </a:ln>
+            <a:extLst>
+              <a:ext uri="{91240B29-F687-4f45-9708-019B960494DF}">
+                <a14:hiddenLine xmlns="" xmlns:a16="http://schemas.microsoft.com/office/drawing/2014/main" xmlns:p14="http://schemas.microsoft.com/office/powerpoint/2010/main" xmlns:a14="http://schemas.microsoft.com/office/drawing/2010/main" w="9525">
+                  <a:solidFill>
+                    <a:srgbClr val="000000"/>
+                  </a:solidFill>
+                  <a:round/>
+                  <a:headEnd/>
+                  <a:tailEnd/>
+                </a14:hiddenLine>
+              </a:ext>
+            </a:extLst>
+          </p:spPr>
+        </p:sp>
+        <p:sp>
+          <p:nvSpPr>
+            <p:cNvPr id="26" name="Freeform 13">
+              <a:extLst>
+                <a:ext uri="{FF2B5EF4-FFF2-40B4-BE49-F238E27FC236}">
+                  <a16:creationId xmlns:a16="http://schemas.microsoft.com/office/drawing/2014/main" id="{377E106C-5445-4A52-9F7E-DA1738744291}"/>
+                </a:ext>
+                <a:ext uri="{C183D7F6-B498-43B3-948B-1728B52AA6E4}">
+                  <adec:decorative xmlns:adec="http://schemas.microsoft.com/office/drawing/2017/decorative" val="1"/>
+                </a:ext>
+              </a:extLst>
+            </p:cNvPr>
+            <p:cNvSpPr>
+              <a:spLocks noEditPoints="1"/>
+            </p:cNvSpPr>
+            <p:nvPr>
+              <p:extLst>
+                <p:ext uri="{386F3935-93C4-4BCD-93E2-E3B085C9AB24}">
+                  <p16:designElem xmlns:p16="http://schemas.microsoft.com/office/powerpoint/2015/main" val="1"/>
+                </p:ext>
+              </p:extLst>
+            </p:nvPr>
+          </p:nvSpPr>
+          <p:spPr bwMode="auto">
+            <a:xfrm>
+              <a:off x="588962" y="903288"/>
+              <a:ext cx="190500" cy="190500"/>
+            </a:xfrm>
+            <a:custGeom>
+              <a:avLst/>
+              <a:gdLst/>
+              <a:ahLst/>
+              <a:cxnLst/>
+              <a:rect l="0" t="0" r="r" b="b"/>
+              <a:pathLst>
+                <a:path w="40" h="40">
+                  <a:moveTo>
+                    <a:pt x="20" y="40"/>
+                  </a:moveTo>
+                  <a:cubicBezTo>
+                    <a:pt x="9" y="40"/>
+                    <a:pt x="0" y="31"/>
+                    <a:pt x="0" y="20"/>
+                  </a:cubicBezTo>
+                  <a:cubicBezTo>
+                    <a:pt x="0" y="9"/>
+                    <a:pt x="9" y="0"/>
+                    <a:pt x="20" y="0"/>
+                  </a:cubicBezTo>
+                  <a:cubicBezTo>
+                    <a:pt x="31" y="0"/>
+                    <a:pt x="40" y="9"/>
+                    <a:pt x="40" y="20"/>
+                  </a:cubicBezTo>
+                  <a:cubicBezTo>
+                    <a:pt x="40" y="31"/>
+                    <a:pt x="31" y="40"/>
+                    <a:pt x="20" y="40"/>
+                  </a:cubicBezTo>
+                  <a:close/>
+                  <a:moveTo>
+                    <a:pt x="20" y="4"/>
+                  </a:moveTo>
+                  <a:cubicBezTo>
+                    <a:pt x="11" y="4"/>
+                    <a:pt x="4" y="11"/>
+                    <a:pt x="4" y="20"/>
+                  </a:cubicBezTo>
+                  <a:cubicBezTo>
+                    <a:pt x="4" y="29"/>
+                    <a:pt x="11" y="36"/>
+                    <a:pt x="20" y="36"/>
+                  </a:cubicBezTo>
+                  <a:cubicBezTo>
+                    <a:pt x="29" y="36"/>
+                    <a:pt x="36" y="29"/>
+                    <a:pt x="36" y="20"/>
+                  </a:cubicBezTo>
+                  <a:cubicBezTo>
+                    <a:pt x="36" y="11"/>
+                    <a:pt x="29" y="4"/>
+                    <a:pt x="20" y="4"/>
+                  </a:cubicBezTo>
+                  <a:close/>
+                </a:path>
+              </a:pathLst>
+            </a:custGeom>
+            <a:grpFill/>
+            <a:ln>
+              <a:noFill/>
+            </a:ln>
+            <a:extLst>
+              <a:ext uri="{91240B29-F687-4f45-9708-019B960494DF}">
+                <a14:hiddenLine xmlns="" xmlns:a16="http://schemas.microsoft.com/office/drawing/2014/main" xmlns:p14="http://schemas.microsoft.com/office/powerpoint/2010/main" xmlns:a14="http://schemas.microsoft.com/office/drawing/2010/main" w="9525">
+                  <a:solidFill>
+                    <a:srgbClr val="000000"/>
+                  </a:solidFill>
+                  <a:round/>
+                  <a:headEnd/>
+                  <a:tailEnd/>
+                </a14:hiddenLine>
+              </a:ext>
+            </a:extLst>
+          </p:spPr>
+        </p:sp>
+        <p:sp>
+          <p:nvSpPr>
+            <p:cNvPr id="27" name="Freeform 14">
+              <a:extLst>
+                <a:ext uri="{FF2B5EF4-FFF2-40B4-BE49-F238E27FC236}">
+                  <a16:creationId xmlns:a16="http://schemas.microsoft.com/office/drawing/2014/main" id="{752BFE96-D378-4BAE-A64B-F851A34C4770}"/>
+                </a:ext>
+                <a:ext uri="{C183D7F6-B498-43B3-948B-1728B52AA6E4}">
+                  <adec:decorative xmlns:adec="http://schemas.microsoft.com/office/drawing/2017/decorative" val="1"/>
+                </a:ext>
+              </a:extLst>
+            </p:cNvPr>
+            <p:cNvSpPr/>
+            <p:nvPr>
+              <p:extLst>
+                <p:ext uri="{386F3935-93C4-4BCD-93E2-E3B085C9AB24}">
+                  <p16:designElem xmlns:p16="http://schemas.microsoft.com/office/powerpoint/2015/main" val="1"/>
+                </p:ext>
+              </p:extLst>
+            </p:nvPr>
+          </p:nvSpPr>
+          <p:spPr bwMode="auto">
+            <a:xfrm>
+              <a:off x="641350" y="0"/>
+              <a:ext cx="422275" cy="527050"/>
+            </a:xfrm>
+            <a:custGeom>
+              <a:avLst/>
+              <a:gdLst/>
+              <a:ahLst/>
+              <a:cxnLst/>
+              <a:rect l="0" t="0" r="r" b="b"/>
+              <a:pathLst>
+                <a:path w="266" h="332">
+                  <a:moveTo>
+                    <a:pt x="257" y="332"/>
+                  </a:moveTo>
+                  <a:lnTo>
+                    <a:pt x="48" y="123"/>
+                  </a:lnTo>
+                  <a:lnTo>
+                    <a:pt x="0" y="6"/>
+                  </a:lnTo>
+                  <a:lnTo>
+                    <a:pt x="15" y="0"/>
+                  </a:lnTo>
+                  <a:lnTo>
+                    <a:pt x="63" y="114"/>
+                  </a:lnTo>
+                  <a:lnTo>
+                    <a:pt x="266" y="320"/>
+                  </a:lnTo>
+                  <a:lnTo>
+                    <a:pt x="257" y="332"/>
+                  </a:lnTo>
+                  <a:close/>
+                </a:path>
+              </a:pathLst>
+            </a:custGeom>
+            <a:grpFill/>
+            <a:ln>
+              <a:noFill/>
+            </a:ln>
+            <a:extLst>
+              <a:ext uri="{91240B29-F687-4f45-9708-019B960494DF}">
+                <a14:hiddenLine xmlns="" xmlns:a16="http://schemas.microsoft.com/office/drawing/2014/main" xmlns:p14="http://schemas.microsoft.com/office/powerpoint/2010/main" xmlns:a14="http://schemas.microsoft.com/office/drawing/2010/main" w="9525">
+                  <a:solidFill>
+                    <a:srgbClr val="000000"/>
+                  </a:solidFill>
+                  <a:round/>
+                  <a:headEnd/>
+                  <a:tailEnd/>
+                </a14:hiddenLine>
+              </a:ext>
+            </a:extLst>
+          </p:spPr>
+        </p:sp>
+        <p:sp>
+          <p:nvSpPr>
+            <p:cNvPr id="28" name="Freeform 15">
+              <a:extLst>
+                <a:ext uri="{FF2B5EF4-FFF2-40B4-BE49-F238E27FC236}">
+                  <a16:creationId xmlns:a16="http://schemas.microsoft.com/office/drawing/2014/main" id="{B88FFB19-5A5E-4078-B467-9D4ABD21BD9A}"/>
+                </a:ext>
+                <a:ext uri="{C183D7F6-B498-43B3-948B-1728B52AA6E4}">
+                  <adec:decorative xmlns:adec="http://schemas.microsoft.com/office/drawing/2017/decorative" val="1"/>
+                </a:ext>
+              </a:extLst>
+            </p:cNvPr>
+            <p:cNvSpPr>
+              <a:spLocks noEditPoints="1"/>
+            </p:cNvSpPr>
+            <p:nvPr>
+              <p:extLst>
+                <p:ext uri="{386F3935-93C4-4BCD-93E2-E3B085C9AB24}">
+                  <p16:designElem xmlns:p16="http://schemas.microsoft.com/office/powerpoint/2015/main" val="1"/>
+                </p:ext>
+              </p:extLst>
+            </p:nvPr>
+          </p:nvSpPr>
+          <p:spPr bwMode="auto">
+            <a:xfrm>
+              <a:off x="1020762" y="488950"/>
+              <a:ext cx="161925" cy="147638"/>
+            </a:xfrm>
+            <a:custGeom>
+              <a:avLst/>
+              <a:gdLst/>
+              <a:ahLst/>
+              <a:cxnLst/>
+              <a:rect l="0" t="0" r="r" b="b"/>
+              <a:pathLst>
+                <a:path w="34" h="31">
+                  <a:moveTo>
+                    <a:pt x="17" y="31"/>
+                  </a:moveTo>
+                  <a:cubicBezTo>
+                    <a:pt x="13" y="31"/>
+                    <a:pt x="9" y="30"/>
+                    <a:pt x="6" y="27"/>
+                  </a:cubicBezTo>
+                  <a:cubicBezTo>
+                    <a:pt x="0" y="20"/>
+                    <a:pt x="0" y="10"/>
+                    <a:pt x="6" y="4"/>
+                  </a:cubicBezTo>
+                  <a:cubicBezTo>
+                    <a:pt x="9" y="1"/>
+                    <a:pt x="13" y="0"/>
+                    <a:pt x="17" y="0"/>
+                  </a:cubicBezTo>
+                  <a:cubicBezTo>
+                    <a:pt x="21" y="0"/>
+                    <a:pt x="25" y="1"/>
+                    <a:pt x="28" y="4"/>
+                  </a:cubicBezTo>
+                  <a:cubicBezTo>
+                    <a:pt x="34" y="10"/>
+                    <a:pt x="34" y="20"/>
+                    <a:pt x="28" y="27"/>
+                  </a:cubicBezTo>
+                  <a:cubicBezTo>
+                    <a:pt x="25" y="30"/>
+                    <a:pt x="21" y="31"/>
+                    <a:pt x="17" y="31"/>
+                  </a:cubicBezTo>
+                  <a:close/>
+                  <a:moveTo>
+                    <a:pt x="17" y="4"/>
+                  </a:moveTo>
+                  <a:cubicBezTo>
+                    <a:pt x="14" y="4"/>
+                    <a:pt x="11" y="5"/>
+                    <a:pt x="9" y="7"/>
+                  </a:cubicBezTo>
+                  <a:cubicBezTo>
+                    <a:pt x="4" y="12"/>
+                    <a:pt x="4" y="19"/>
+                    <a:pt x="9" y="24"/>
+                  </a:cubicBezTo>
+                  <a:cubicBezTo>
+                    <a:pt x="11" y="26"/>
+                    <a:pt x="14" y="27"/>
+                    <a:pt x="17" y="27"/>
+                  </a:cubicBezTo>
+                  <a:cubicBezTo>
+                    <a:pt x="20" y="27"/>
+                    <a:pt x="23" y="26"/>
+                    <a:pt x="25" y="24"/>
+                  </a:cubicBezTo>
+                  <a:cubicBezTo>
+                    <a:pt x="30" y="19"/>
+                    <a:pt x="30" y="12"/>
+                    <a:pt x="25" y="7"/>
+                  </a:cubicBezTo>
+                  <a:cubicBezTo>
+                    <a:pt x="23" y="5"/>
+                    <a:pt x="20" y="4"/>
+                    <a:pt x="17" y="4"/>
+                  </a:cubicBezTo>
+                  <a:close/>
+                </a:path>
+              </a:pathLst>
+            </a:custGeom>
+            <a:grpFill/>
+            <a:ln>
+              <a:noFill/>
+            </a:ln>
+            <a:extLst>
+              <a:ext uri="{91240B29-F687-4f45-9708-019B960494DF}">
+                <a14:hiddenLine xmlns="" xmlns:a16="http://schemas.microsoft.com/office/drawing/2014/main" xmlns:p14="http://schemas.microsoft.com/office/powerpoint/2010/main" xmlns:a14="http://schemas.microsoft.com/office/drawing/2010/main" w="9525">
+                  <a:solidFill>
+                    <a:srgbClr val="000000"/>
+                  </a:solidFill>
+                  <a:round/>
+                  <a:headEnd/>
+                  <a:tailEnd/>
+                </a14:hiddenLine>
+              </a:ext>
+            </a:extLst>
+          </p:spPr>
+        </p:sp>
+        <p:sp>
+          <p:nvSpPr>
+            <p:cNvPr id="29" name="Line 16">
+              <a:extLst>
+                <a:ext uri="{FF2B5EF4-FFF2-40B4-BE49-F238E27FC236}">
+                  <a16:creationId xmlns:a16="http://schemas.microsoft.com/office/drawing/2014/main" id="{11042975-3D19-4728-BCDA-D3F5CD633EDB}"/>
+                </a:ext>
+                <a:ext uri="{C183D7F6-B498-43B3-948B-1728B52AA6E4}">
+                  <adec:decorative xmlns:adec="http://schemas.microsoft.com/office/drawing/2017/decorative" val="1"/>
+                </a:ext>
+              </a:extLst>
+            </p:cNvPr>
+            <p:cNvSpPr>
+              <a:spLocks noChangeShapeType="1"/>
+            </p:cNvSpPr>
+            <p:nvPr>
+              <p:extLst>
+                <p:ext uri="{386F3935-93C4-4BCD-93E2-E3B085C9AB24}">
+                  <p16:designElem xmlns:p16="http://schemas.microsoft.com/office/powerpoint/2015/main" val="1"/>
+                </p:ext>
+              </p:extLst>
+            </p:nvPr>
+          </p:nvSpPr>
+          <p:spPr bwMode="auto">
+            <a:xfrm>
+              <a:off x="-4763" y="9525"/>
+              <a:ext cx="0" cy="0"/>
+            </a:xfrm>
+            <a:prstGeom prst="line">
+              <a:avLst/>
+            </a:prstGeom>
+            <a:grpFill/>
+            <a:ln w="15" cap="flat">
+              <a:solidFill>
+                <a:srgbClr val="FFFFFF"/>
+              </a:solidFill>
+              <a:prstDash val="solid"/>
+              <a:miter lim="800000"/>
+              <a:headEnd/>
+              <a:tailEnd/>
+            </a:ln>
+          </p:spPr>
+        </p:sp>
+        <p:sp>
+          <p:nvSpPr>
+            <p:cNvPr id="30" name="Freeform 17">
+              <a:extLst>
+                <a:ext uri="{FF2B5EF4-FFF2-40B4-BE49-F238E27FC236}">
+                  <a16:creationId xmlns:a16="http://schemas.microsoft.com/office/drawing/2014/main" id="{A28972BD-D2E1-4DCA-A907-2E3B6F606649}"/>
+                </a:ext>
+                <a:ext uri="{C183D7F6-B498-43B3-948B-1728B52AA6E4}">
+                  <adec:decorative xmlns:adec="http://schemas.microsoft.com/office/drawing/2017/decorative" val="1"/>
+                </a:ext>
+              </a:extLst>
+            </p:cNvPr>
+            <p:cNvSpPr/>
+            <p:nvPr>
+              <p:extLst>
+                <p:ext uri="{386F3935-93C4-4BCD-93E2-E3B085C9AB24}">
+                  <p16:designElem xmlns:p16="http://schemas.microsoft.com/office/powerpoint/2015/main" val="1"/>
+                </p:ext>
+              </p:extLst>
+            </p:nvPr>
+          </p:nvSpPr>
+          <p:spPr bwMode="auto">
+            <a:xfrm>
+              <a:off x="9525" y="1801813"/>
+              <a:ext cx="123825" cy="127000"/>
+            </a:xfrm>
+            <a:custGeom>
+              <a:avLst/>
+              <a:gdLst/>
+              <a:ahLst/>
+              <a:cxnLst/>
+              <a:rect l="0" t="0" r="r" b="b"/>
+              <a:pathLst>
+                <a:path w="78" h="80">
+                  <a:moveTo>
+                    <a:pt x="6" y="80"/>
+                  </a:moveTo>
+                  <a:lnTo>
+                    <a:pt x="0" y="71"/>
+                  </a:lnTo>
+                  <a:lnTo>
+                    <a:pt x="69" y="0"/>
+                  </a:lnTo>
+                  <a:lnTo>
+                    <a:pt x="78" y="9"/>
+                  </a:lnTo>
+                  <a:lnTo>
+                    <a:pt x="6" y="80"/>
+                  </a:lnTo>
+                  <a:close/>
+                </a:path>
+              </a:pathLst>
+            </a:custGeom>
+            <a:grpFill/>
+            <a:ln>
+              <a:noFill/>
+            </a:ln>
+            <a:extLst>
+              <a:ext uri="{91240B29-F687-4f45-9708-019B960494DF}">
+                <a14:hiddenLine xmlns="" xmlns:a16="http://schemas.microsoft.com/office/drawing/2014/main" xmlns:p14="http://schemas.microsoft.com/office/powerpoint/2010/main" xmlns:a14="http://schemas.microsoft.com/office/drawing/2010/main" w="9525">
+                  <a:solidFill>
+                    <a:srgbClr val="000000"/>
+                  </a:solidFill>
+                  <a:round/>
+                  <a:headEnd/>
+                  <a:tailEnd/>
+                </a14:hiddenLine>
+              </a:ext>
+            </a:extLst>
+          </p:spPr>
+        </p:sp>
+        <p:sp>
+          <p:nvSpPr>
+            <p:cNvPr id="31" name="Freeform 18">
+              <a:extLst>
+                <a:ext uri="{FF2B5EF4-FFF2-40B4-BE49-F238E27FC236}">
+                  <a16:creationId xmlns:a16="http://schemas.microsoft.com/office/drawing/2014/main" id="{1C806824-5C2D-4747-B038-69EE4074B366}"/>
+                </a:ext>
+                <a:ext uri="{C183D7F6-B498-43B3-948B-1728B52AA6E4}">
+                  <adec:decorative xmlns:adec="http://schemas.microsoft.com/office/drawing/2017/decorative" val="1"/>
+                </a:ext>
+              </a:extLst>
+            </p:cNvPr>
+            <p:cNvSpPr/>
+            <p:nvPr>
+              <p:extLst>
+                <p:ext uri="{386F3935-93C4-4BCD-93E2-E3B085C9AB24}">
+                  <p16:designElem xmlns:p16="http://schemas.microsoft.com/office/powerpoint/2015/main" val="1"/>
+                </p:ext>
+              </p:extLst>
+            </p:nvPr>
+          </p:nvSpPr>
+          <p:spPr bwMode="auto">
+            <a:xfrm>
+              <a:off x="-9525" y="3549650"/>
+              <a:ext cx="147638" cy="481013"/>
+            </a:xfrm>
+            <a:custGeom>
+              <a:avLst/>
+              <a:gdLst/>
+              <a:ahLst/>
+              <a:cxnLst/>
+              <a:rect l="0" t="0" r="r" b="b"/>
+              <a:pathLst>
+                <a:path w="93" h="303">
+                  <a:moveTo>
+                    <a:pt x="93" y="303"/>
+                  </a:moveTo>
+                  <a:lnTo>
+                    <a:pt x="78" y="303"/>
+                  </a:lnTo>
+                  <a:lnTo>
+                    <a:pt x="78" y="78"/>
+                  </a:lnTo>
+                  <a:lnTo>
+                    <a:pt x="0" y="12"/>
+                  </a:lnTo>
+                  <a:lnTo>
+                    <a:pt x="12" y="0"/>
+                  </a:lnTo>
+                  <a:lnTo>
+                    <a:pt x="93" y="69"/>
+                  </a:lnTo>
+                  <a:lnTo>
+                    <a:pt x="93" y="303"/>
+                  </a:lnTo>
+                  <a:close/>
+                </a:path>
+              </a:pathLst>
+            </a:custGeom>
+            <a:grpFill/>
+            <a:ln>
+              <a:noFill/>
+            </a:ln>
+            <a:extLst>
+              <a:ext uri="{91240B29-F687-4f45-9708-019B960494DF}">
+                <a14:hiddenLine xmlns="" xmlns:a16="http://schemas.microsoft.com/office/drawing/2014/main" xmlns:p14="http://schemas.microsoft.com/office/powerpoint/2010/main" xmlns:a14="http://schemas.microsoft.com/office/drawing/2010/main" w="9525">
+                  <a:solidFill>
+                    <a:srgbClr val="000000"/>
+                  </a:solidFill>
+                  <a:round/>
+                  <a:headEnd/>
+                  <a:tailEnd/>
+                </a14:hiddenLine>
+              </a:ext>
+            </a:extLst>
+          </p:spPr>
+        </p:sp>
+        <p:sp>
+          <p:nvSpPr>
+            <p:cNvPr id="32" name="Freeform 19">
+              <a:extLst>
+                <a:ext uri="{FF2B5EF4-FFF2-40B4-BE49-F238E27FC236}">
+                  <a16:creationId xmlns:a16="http://schemas.microsoft.com/office/drawing/2014/main" id="{3B33F710-16D7-4F48-BFCA-66C9CA2352CB}"/>
+                </a:ext>
+                <a:ext uri="{C183D7F6-B498-43B3-948B-1728B52AA6E4}">
+                  <adec:decorative xmlns:adec="http://schemas.microsoft.com/office/drawing/2017/decorative" val="1"/>
+                </a:ext>
+              </a:extLst>
+            </p:cNvPr>
+            <p:cNvSpPr/>
+            <p:nvPr>
+              <p:extLst>
+                <p:ext uri="{386F3935-93C4-4BCD-93E2-E3B085C9AB24}">
+                  <p16:designElem xmlns:p16="http://schemas.microsoft.com/office/powerpoint/2015/main" val="1"/>
+                </p:ext>
+              </p:extLst>
+            </p:nvPr>
+          </p:nvSpPr>
+          <p:spPr bwMode="auto">
+            <a:xfrm>
+              <a:off x="128587" y="1382713"/>
+              <a:ext cx="142875" cy="476250"/>
+            </a:xfrm>
+            <a:custGeom>
+              <a:avLst/>
+              <a:gdLst/>
+              <a:ahLst/>
+              <a:cxnLst/>
+              <a:rect l="0" t="0" r="r" b="b"/>
+              <a:pathLst>
+                <a:path w="90" h="300">
+                  <a:moveTo>
+                    <a:pt x="90" y="300"/>
+                  </a:moveTo>
+                  <a:lnTo>
+                    <a:pt x="78" y="300"/>
+                  </a:lnTo>
+                  <a:lnTo>
+                    <a:pt x="78" y="84"/>
+                  </a:lnTo>
+                  <a:lnTo>
+                    <a:pt x="0" y="9"/>
+                  </a:lnTo>
+                  <a:lnTo>
+                    <a:pt x="9" y="0"/>
+                  </a:lnTo>
+                  <a:lnTo>
+                    <a:pt x="90" y="81"/>
+                  </a:lnTo>
+                  <a:lnTo>
+                    <a:pt x="90" y="300"/>
+                  </a:lnTo>
+                  <a:close/>
+                </a:path>
+              </a:pathLst>
+            </a:custGeom>
+            <a:grpFill/>
+            <a:ln>
+              <a:noFill/>
+            </a:ln>
+            <a:extLst>
+              <a:ext uri="{91240B29-F687-4f45-9708-019B960494DF}">
+                <a14:hiddenLine xmlns="" xmlns:a16="http://schemas.microsoft.com/office/drawing/2014/main" xmlns:p14="http://schemas.microsoft.com/office/powerpoint/2010/main" xmlns:a14="http://schemas.microsoft.com/office/drawing/2010/main" w="9525">
+                  <a:solidFill>
+                    <a:srgbClr val="000000"/>
+                  </a:solidFill>
+                  <a:round/>
+                  <a:headEnd/>
+                  <a:tailEnd/>
+                </a14:hiddenLine>
+              </a:ext>
+            </a:extLst>
+          </p:spPr>
+        </p:sp>
+        <p:sp>
+          <p:nvSpPr>
+            <p:cNvPr id="33" name="Freeform 20">
+              <a:extLst>
+                <a:ext uri="{FF2B5EF4-FFF2-40B4-BE49-F238E27FC236}">
+                  <a16:creationId xmlns:a16="http://schemas.microsoft.com/office/drawing/2014/main" id="{6C8C8ED4-90FA-4E97-AAF0-D5D51E6A935E}"/>
+                </a:ext>
+                <a:ext uri="{C183D7F6-B498-43B3-948B-1728B52AA6E4}">
+                  <adec:decorative xmlns:adec="http://schemas.microsoft.com/office/drawing/2017/decorative" val="1"/>
+                </a:ext>
+              </a:extLst>
+            </p:cNvPr>
+            <p:cNvSpPr>
+              <a:spLocks noEditPoints="1"/>
+            </p:cNvSpPr>
+            <p:nvPr>
+              <p:extLst>
+                <p:ext uri="{386F3935-93C4-4BCD-93E2-E3B085C9AB24}">
+                  <p16:designElem xmlns:p16="http://schemas.microsoft.com/office/powerpoint/2015/main" val="1"/>
+                </p:ext>
+              </p:extLst>
+            </p:nvPr>
+          </p:nvSpPr>
+          <p:spPr bwMode="auto">
+            <a:xfrm>
+              <a:off x="204787" y="1849438"/>
+              <a:ext cx="114300" cy="107950"/>
+            </a:xfrm>
+            <a:custGeom>
+              <a:avLst/>
+              <a:gdLst/>
+              <a:ahLst/>
+              <a:cxnLst/>
+              <a:rect l="0" t="0" r="r" b="b"/>
+              <a:pathLst>
+                <a:path w="24" h="23">
+                  <a:moveTo>
+                    <a:pt x="12" y="23"/>
+                  </a:moveTo>
+                  <a:cubicBezTo>
+                    <a:pt x="6" y="23"/>
+                    <a:pt x="0" y="18"/>
+                    <a:pt x="0" y="12"/>
+                  </a:cubicBezTo>
+                  <a:cubicBezTo>
+                    <a:pt x="0" y="5"/>
+                    <a:pt x="6" y="0"/>
+                    <a:pt x="12" y="0"/>
+                  </a:cubicBezTo>
+                  <a:cubicBezTo>
+                    <a:pt x="18" y="0"/>
+                    <a:pt x="24" y="5"/>
+                    <a:pt x="24" y="12"/>
+                  </a:cubicBezTo>
+                  <a:cubicBezTo>
+                    <a:pt x="24" y="18"/>
+                    <a:pt x="18" y="23"/>
+                    <a:pt x="12" y="23"/>
+                  </a:cubicBezTo>
+                  <a:close/>
+                  <a:moveTo>
+                    <a:pt x="12" y="4"/>
+                  </a:moveTo>
+                  <a:cubicBezTo>
+                    <a:pt x="8" y="4"/>
+                    <a:pt x="4" y="8"/>
+                    <a:pt x="4" y="12"/>
+                  </a:cubicBezTo>
+                  <a:cubicBezTo>
+                    <a:pt x="4" y="16"/>
+                    <a:pt x="8" y="19"/>
+                    <a:pt x="12" y="19"/>
+                  </a:cubicBezTo>
+                  <a:cubicBezTo>
+                    <a:pt x="16" y="19"/>
+                    <a:pt x="20" y="16"/>
+                    <a:pt x="20" y="12"/>
+                  </a:cubicBezTo>
+                  <a:cubicBezTo>
+                    <a:pt x="20" y="8"/>
+                    <a:pt x="16" y="4"/>
+                    <a:pt x="12" y="4"/>
+                  </a:cubicBezTo>
+                  <a:close/>
+                </a:path>
+              </a:pathLst>
+            </a:custGeom>
+            <a:grpFill/>
+            <a:ln>
+              <a:noFill/>
+            </a:ln>
+            <a:extLst>
+              <a:ext uri="{91240B29-F687-4f45-9708-019B960494DF}">
+                <a14:hiddenLine xmlns="" xmlns:a16="http://schemas.microsoft.com/office/drawing/2014/main" xmlns:p14="http://schemas.microsoft.com/office/powerpoint/2010/main" xmlns:a14="http://schemas.microsoft.com/office/drawing/2010/main" w="9525">
+                  <a:solidFill>
+                    <a:srgbClr val="000000"/>
+                  </a:solidFill>
+                  <a:round/>
+                  <a:headEnd/>
+                  <a:tailEnd/>
+                </a14:hiddenLine>
+              </a:ext>
+            </a:extLst>
+          </p:spPr>
+        </p:sp>
+        <p:sp>
+          <p:nvSpPr>
+            <p:cNvPr id="34" name="Rectangle 21">
+              <a:extLst>
+                <a:ext uri="{FF2B5EF4-FFF2-40B4-BE49-F238E27FC236}">
+                  <a16:creationId xmlns:a16="http://schemas.microsoft.com/office/drawing/2014/main" id="{6C5EB9C1-B25F-4172-8A96-5950ECC828FC}"/>
+                </a:ext>
+                <a:ext uri="{C183D7F6-B498-43B3-948B-1728B52AA6E4}">
+                  <adec:decorative xmlns:adec="http://schemas.microsoft.com/office/drawing/2017/decorative" val="1"/>
+                </a:ext>
+              </a:extLst>
+            </p:cNvPr>
+            <p:cNvSpPr>
+              <a:spLocks noChangeArrowheads="1"/>
+            </p:cNvSpPr>
+            <p:nvPr>
+              <p:extLst>
+                <p:ext uri="{386F3935-93C4-4BCD-93E2-E3B085C9AB24}">
+                  <p16:designElem xmlns:p16="http://schemas.microsoft.com/office/powerpoint/2015/main" val="1"/>
+                </p:ext>
+              </p:extLst>
+            </p:nvPr>
+          </p:nvSpPr>
+          <p:spPr bwMode="auto">
+            <a:xfrm>
+              <a:off x="133350" y="4662488"/>
+              <a:ext cx="23813" cy="2181225"/>
+            </a:xfrm>
+            <a:prstGeom prst="rect">
+              <a:avLst/>
+            </a:prstGeom>
+            <a:grpFill/>
+            <a:ln>
+              <a:noFill/>
+            </a:ln>
+            <a:extLst>
+              <a:ext uri="{91240B29-F687-4f45-9708-019B960494DF}">
+                <a14:hiddenLine xmlns="" xmlns:a16="http://schemas.microsoft.com/office/drawing/2014/main" xmlns:p14="http://schemas.microsoft.com/office/powerpoint/2010/main" xmlns:a14="http://schemas.microsoft.com/office/drawing/2010/main" w="9525">
+                  <a:solidFill>
+                    <a:srgbClr val="000000"/>
+                  </a:solidFill>
+                  <a:miter lim="800000"/>
+                  <a:headEnd/>
+                  <a:tailEnd/>
+                </a14:hiddenLine>
+              </a:ext>
+            </a:extLst>
+          </p:spPr>
+        </p:sp>
+        <p:sp>
+          <p:nvSpPr>
+            <p:cNvPr id="35" name="Freeform 22">
+              <a:extLst>
+                <a:ext uri="{FF2B5EF4-FFF2-40B4-BE49-F238E27FC236}">
+                  <a16:creationId xmlns:a16="http://schemas.microsoft.com/office/drawing/2014/main" id="{097E6E8A-9373-4655-882B-21715CCE97EE}"/>
+                </a:ext>
+                <a:ext uri="{C183D7F6-B498-43B3-948B-1728B52AA6E4}">
+                  <adec:decorative xmlns:adec="http://schemas.microsoft.com/office/drawing/2017/decorative" val="1"/>
+                </a:ext>
+              </a:extLst>
+            </p:cNvPr>
+            <p:cNvSpPr/>
+            <p:nvPr>
+              <p:extLst>
+                <p:ext uri="{386F3935-93C4-4BCD-93E2-E3B085C9AB24}">
+                  <p16:designElem xmlns:p16="http://schemas.microsoft.com/office/powerpoint/2015/main" val="1"/>
+                </p:ext>
+              </p:extLst>
+            </p:nvPr>
+          </p:nvSpPr>
+          <p:spPr bwMode="auto">
+            <a:xfrm>
+              <a:off x="223837" y="5041900"/>
+              <a:ext cx="369888" cy="1801813"/>
+            </a:xfrm>
+            <a:custGeom>
+              <a:avLst/>
+              <a:gdLst/>
+              <a:ahLst/>
+              <a:cxnLst/>
+              <a:rect l="0" t="0" r="r" b="b"/>
+              <a:pathLst>
+                <a:path w="233" h="1135">
+                  <a:moveTo>
+                    <a:pt x="15" y="1135"/>
+                  </a:moveTo>
+                  <a:lnTo>
+                    <a:pt x="0" y="1135"/>
+                  </a:lnTo>
+                  <a:lnTo>
+                    <a:pt x="0" y="515"/>
+                  </a:lnTo>
+                  <a:lnTo>
+                    <a:pt x="0" y="512"/>
+                  </a:lnTo>
+                  <a:lnTo>
+                    <a:pt x="218" y="0"/>
+                  </a:lnTo>
+                  <a:lnTo>
+                    <a:pt x="233" y="6"/>
+                  </a:lnTo>
+                  <a:lnTo>
+                    <a:pt x="15" y="518"/>
+                  </a:lnTo>
+                  <a:lnTo>
+                    <a:pt x="15" y="1135"/>
+                  </a:lnTo>
+                  <a:close/>
+                </a:path>
+              </a:pathLst>
+            </a:custGeom>
+            <a:grpFill/>
+            <a:ln>
+              <a:noFill/>
+            </a:ln>
+            <a:extLst>
+              <a:ext uri="{91240B29-F687-4f45-9708-019B960494DF}">
+                <a14:hiddenLine xmlns="" xmlns:a16="http://schemas.microsoft.com/office/drawing/2014/main" xmlns:p14="http://schemas.microsoft.com/office/powerpoint/2010/main" xmlns:a14="http://schemas.microsoft.com/office/drawing/2010/main" w="9525">
+                  <a:solidFill>
+                    <a:srgbClr val="000000"/>
+                  </a:solidFill>
+                  <a:round/>
+                  <a:headEnd/>
+                  <a:tailEnd/>
+                </a14:hiddenLine>
+              </a:ext>
+            </a:extLst>
+          </p:spPr>
+        </p:sp>
+        <p:sp>
+          <p:nvSpPr>
+            <p:cNvPr id="36" name="Freeform 23">
+              <a:extLst>
+                <a:ext uri="{FF2B5EF4-FFF2-40B4-BE49-F238E27FC236}">
+                  <a16:creationId xmlns:a16="http://schemas.microsoft.com/office/drawing/2014/main" id="{EB8CC766-1206-4372-ACAF-8230AF4D5421}"/>
+                </a:ext>
+                <a:ext uri="{C183D7F6-B498-43B3-948B-1728B52AA6E4}">
+                  <adec:decorative xmlns:adec="http://schemas.microsoft.com/office/drawing/2017/decorative" val="1"/>
+                </a:ext>
+              </a:extLst>
+            </p:cNvPr>
+            <p:cNvSpPr>
+              <a:spLocks noEditPoints="1"/>
+            </p:cNvSpPr>
+            <p:nvPr>
+              <p:extLst>
+                <p:ext uri="{386F3935-93C4-4BCD-93E2-E3B085C9AB24}">
+                  <p16:designElem xmlns:p16="http://schemas.microsoft.com/office/powerpoint/2015/main" val="1"/>
+                </p:ext>
+              </p:extLst>
+            </p:nvPr>
+          </p:nvSpPr>
+          <p:spPr bwMode="auto">
+            <a:xfrm>
+              <a:off x="52387" y="4481513"/>
+              <a:ext cx="190500" cy="190500"/>
+            </a:xfrm>
+            <a:custGeom>
+              <a:avLst/>
+              <a:gdLst/>
+              <a:ahLst/>
+              <a:cxnLst/>
+              <a:rect l="0" t="0" r="r" b="b"/>
+              <a:pathLst>
+                <a:path w="40" h="40">
+                  <a:moveTo>
+                    <a:pt x="20" y="40"/>
+                  </a:moveTo>
+                  <a:cubicBezTo>
+                    <a:pt x="9" y="40"/>
+                    <a:pt x="0" y="31"/>
+                    <a:pt x="0" y="20"/>
+                  </a:cubicBezTo>
+                  <a:cubicBezTo>
+                    <a:pt x="0" y="9"/>
+                    <a:pt x="9" y="0"/>
+                    <a:pt x="20" y="0"/>
+                  </a:cubicBezTo>
+                  <a:cubicBezTo>
+                    <a:pt x="31" y="0"/>
+                    <a:pt x="40" y="9"/>
+                    <a:pt x="40" y="20"/>
+                  </a:cubicBezTo>
+                  <a:cubicBezTo>
+                    <a:pt x="40" y="31"/>
+                    <a:pt x="31" y="40"/>
+                    <a:pt x="20" y="40"/>
+                  </a:cubicBezTo>
+                  <a:close/>
+                  <a:moveTo>
+                    <a:pt x="20" y="4"/>
+                  </a:moveTo>
+                  <a:cubicBezTo>
+                    <a:pt x="11" y="4"/>
+                    <a:pt x="4" y="11"/>
+                    <a:pt x="4" y="20"/>
+                  </a:cubicBezTo>
+                  <a:cubicBezTo>
+                    <a:pt x="4" y="29"/>
+                    <a:pt x="11" y="36"/>
+                    <a:pt x="20" y="36"/>
+                  </a:cubicBezTo>
+                  <a:cubicBezTo>
+                    <a:pt x="28" y="36"/>
+                    <a:pt x="36" y="29"/>
+                    <a:pt x="36" y="20"/>
+                  </a:cubicBezTo>
+                  <a:cubicBezTo>
+                    <a:pt x="36" y="11"/>
+                    <a:pt x="28" y="4"/>
+                    <a:pt x="20" y="4"/>
+                  </a:cubicBezTo>
+                  <a:close/>
+                </a:path>
+              </a:pathLst>
+            </a:custGeom>
+            <a:grpFill/>
+            <a:ln>
+              <a:noFill/>
+            </a:ln>
+            <a:extLst>
+              <a:ext uri="{91240B29-F687-4f45-9708-019B960494DF}">
+                <a14:hiddenLine xmlns="" xmlns:a16="http://schemas.microsoft.com/office/drawing/2014/main" xmlns:p14="http://schemas.microsoft.com/office/powerpoint/2010/main" xmlns:a14="http://schemas.microsoft.com/office/drawing/2010/main" w="9525">
+                  <a:solidFill>
+                    <a:srgbClr val="000000"/>
+                  </a:solidFill>
+                  <a:round/>
+                  <a:headEnd/>
+                  <a:tailEnd/>
+                </a14:hiddenLine>
+              </a:ext>
+            </a:extLst>
+          </p:spPr>
+        </p:sp>
+        <p:sp>
+          <p:nvSpPr>
+            <p:cNvPr id="37" name="Freeform 24">
+              <a:extLst>
+                <a:ext uri="{FF2B5EF4-FFF2-40B4-BE49-F238E27FC236}">
+                  <a16:creationId xmlns:a16="http://schemas.microsoft.com/office/drawing/2014/main" id="{1C8E2511-2489-47B2-9C19-C410910DD901}"/>
+                </a:ext>
+                <a:ext uri="{C183D7F6-B498-43B3-948B-1728B52AA6E4}">
+                  <adec:decorative xmlns:adec="http://schemas.microsoft.com/office/drawing/2017/decorative" val="1"/>
+                </a:ext>
+              </a:extLst>
+            </p:cNvPr>
+            <p:cNvSpPr/>
+            <p:nvPr>
+              <p:extLst>
+                <p:ext uri="{386F3935-93C4-4BCD-93E2-E3B085C9AB24}">
+                  <p16:designElem xmlns:p16="http://schemas.microsoft.com/office/powerpoint/2015/main" val="1"/>
+                </p:ext>
+              </p:extLst>
+            </p:nvPr>
+          </p:nvSpPr>
+          <p:spPr bwMode="auto">
+            <a:xfrm>
+              <a:off x="-14288" y="5627688"/>
+              <a:ext cx="85725" cy="1216025"/>
+            </a:xfrm>
+            <a:custGeom>
+              <a:avLst/>
+              <a:gdLst/>
+              <a:ahLst/>
+              <a:cxnLst/>
+              <a:rect l="0" t="0" r="r" b="b"/>
+              <a:pathLst>
+                <a:path w="54" h="766">
+                  <a:moveTo>
+                    <a:pt x="54" y="766"/>
+                  </a:moveTo>
+                  <a:lnTo>
+                    <a:pt x="36" y="766"/>
+                  </a:lnTo>
+                  <a:lnTo>
+                    <a:pt x="36" y="149"/>
+                  </a:lnTo>
+                  <a:lnTo>
+                    <a:pt x="0" y="3"/>
+                  </a:lnTo>
+                  <a:lnTo>
+                    <a:pt x="18" y="0"/>
+                  </a:lnTo>
+                  <a:lnTo>
+                    <a:pt x="54" y="146"/>
+                  </a:lnTo>
+                  <a:lnTo>
+                    <a:pt x="54" y="766"/>
+                  </a:lnTo>
+                  <a:close/>
+                </a:path>
+              </a:pathLst>
+            </a:custGeom>
+            <a:grpFill/>
+            <a:ln>
+              <a:noFill/>
+            </a:ln>
+            <a:extLst>
+              <a:ext uri="{91240B29-F687-4f45-9708-019B960494DF}">
+                <a14:hiddenLine xmlns="" xmlns:a16="http://schemas.microsoft.com/office/drawing/2014/main" xmlns:p14="http://schemas.microsoft.com/office/powerpoint/2010/main" xmlns:a14="http://schemas.microsoft.com/office/drawing/2010/main" w="9525">
+                  <a:solidFill>
+                    <a:srgbClr val="000000"/>
+                  </a:solidFill>
+                  <a:round/>
+                  <a:headEnd/>
+                  <a:tailEnd/>
+                </a14:hiddenLine>
+              </a:ext>
+            </a:extLst>
+          </p:spPr>
+        </p:sp>
+        <p:sp>
+          <p:nvSpPr>
+            <p:cNvPr id="38" name="Freeform 25">
+              <a:extLst>
+                <a:ext uri="{FF2B5EF4-FFF2-40B4-BE49-F238E27FC236}">
+                  <a16:creationId xmlns:a16="http://schemas.microsoft.com/office/drawing/2014/main" id="{D7820196-0A47-47EF-832C-A688E8977D60}"/>
+                </a:ext>
+                <a:ext uri="{C183D7F6-B498-43B3-948B-1728B52AA6E4}">
+                  <adec:decorative xmlns:adec="http://schemas.microsoft.com/office/drawing/2017/decorative" val="1"/>
+                </a:ext>
+              </a:extLst>
+            </p:cNvPr>
+            <p:cNvSpPr>
+              <a:spLocks noEditPoints="1"/>
+            </p:cNvSpPr>
+            <p:nvPr>
+              <p:extLst>
+                <p:ext uri="{386F3935-93C4-4BCD-93E2-E3B085C9AB24}">
+                  <p16:designElem xmlns:p16="http://schemas.microsoft.com/office/powerpoint/2015/main" val="1"/>
+                </p:ext>
+              </p:extLst>
+            </p:nvPr>
+          </p:nvSpPr>
+          <p:spPr bwMode="auto">
+            <a:xfrm>
+              <a:off x="527050" y="4867275"/>
+              <a:ext cx="190500" cy="188913"/>
+            </a:xfrm>
+            <a:custGeom>
+              <a:avLst/>
+              <a:gdLst/>
+              <a:ahLst/>
+              <a:cxnLst/>
+              <a:rect l="0" t="0" r="r" b="b"/>
+              <a:pathLst>
+                <a:path w="40" h="40">
+                  <a:moveTo>
+                    <a:pt x="20" y="40"/>
+                  </a:moveTo>
+                  <a:cubicBezTo>
+                    <a:pt x="9" y="40"/>
+                    <a:pt x="0" y="31"/>
+                    <a:pt x="0" y="20"/>
+                  </a:cubicBezTo>
+                  <a:cubicBezTo>
+                    <a:pt x="0" y="9"/>
+                    <a:pt x="9" y="0"/>
+                    <a:pt x="20" y="0"/>
+                  </a:cubicBezTo>
+                  <a:cubicBezTo>
+                    <a:pt x="31" y="0"/>
+                    <a:pt x="40" y="9"/>
+                    <a:pt x="40" y="20"/>
+                  </a:cubicBezTo>
+                  <a:cubicBezTo>
+                    <a:pt x="40" y="31"/>
+                    <a:pt x="31" y="40"/>
+                    <a:pt x="20" y="40"/>
+                  </a:cubicBezTo>
+                  <a:close/>
+                  <a:moveTo>
+                    <a:pt x="20" y="4"/>
+                  </a:moveTo>
+                  <a:cubicBezTo>
+                    <a:pt x="11" y="4"/>
+                    <a:pt x="4" y="11"/>
+                    <a:pt x="4" y="20"/>
+                  </a:cubicBezTo>
+                  <a:cubicBezTo>
+                    <a:pt x="4" y="29"/>
+                    <a:pt x="11" y="36"/>
+                    <a:pt x="20" y="36"/>
+                  </a:cubicBezTo>
+                  <a:cubicBezTo>
+                    <a:pt x="29" y="36"/>
+                    <a:pt x="36" y="29"/>
+                    <a:pt x="36" y="20"/>
+                  </a:cubicBezTo>
+                  <a:cubicBezTo>
+                    <a:pt x="36" y="11"/>
+                    <a:pt x="29" y="4"/>
+                    <a:pt x="20" y="4"/>
+                  </a:cubicBezTo>
+                  <a:close/>
+                </a:path>
+              </a:pathLst>
+            </a:custGeom>
+            <a:grpFill/>
+            <a:ln>
+              <a:noFill/>
+            </a:ln>
+            <a:extLst>
+              <a:ext uri="{91240B29-F687-4f45-9708-019B960494DF}">
+                <a14:hiddenLine xmlns="" xmlns:a16="http://schemas.microsoft.com/office/drawing/2014/main" xmlns:p14="http://schemas.microsoft.com/office/powerpoint/2010/main" xmlns:a14="http://schemas.microsoft.com/office/drawing/2010/main" w="9525">
+                  <a:solidFill>
+                    <a:srgbClr val="000000"/>
+                  </a:solidFill>
+                  <a:round/>
+                  <a:headEnd/>
+                  <a:tailEnd/>
+                </a14:hiddenLine>
+              </a:ext>
+            </a:extLst>
+          </p:spPr>
+        </p:sp>
+        <p:sp>
+          <p:nvSpPr>
+            <p:cNvPr id="39" name="Freeform 26">
+              <a:extLst>
+                <a:ext uri="{FF2B5EF4-FFF2-40B4-BE49-F238E27FC236}">
+                  <a16:creationId xmlns:a16="http://schemas.microsoft.com/office/drawing/2014/main" id="{4982E0BF-34AE-48A3-AD6B-E0F3CD05DB34}"/>
+                </a:ext>
+                <a:ext uri="{C183D7F6-B498-43B3-948B-1728B52AA6E4}">
+                  <adec:decorative xmlns:adec="http://schemas.microsoft.com/office/drawing/2017/decorative" val="1"/>
+                </a:ext>
+              </a:extLst>
+            </p:cNvPr>
+            <p:cNvSpPr/>
+            <p:nvPr>
+              <p:extLst>
+                <p:ext uri="{386F3935-93C4-4BCD-93E2-E3B085C9AB24}">
+                  <p16:designElem xmlns:p16="http://schemas.microsoft.com/office/powerpoint/2015/main" val="1"/>
+                </p:ext>
+              </p:extLst>
+            </p:nvPr>
+          </p:nvSpPr>
+          <p:spPr bwMode="auto">
+            <a:xfrm>
+              <a:off x="309562" y="5422900"/>
+              <a:ext cx="374650" cy="1425575"/>
+            </a:xfrm>
+            <a:custGeom>
+              <a:avLst/>
+              <a:gdLst/>
+              <a:ahLst/>
+              <a:cxnLst/>
+              <a:rect l="0" t="0" r="r" b="b"/>
+              <a:pathLst>
+                <a:path w="236" h="898">
+                  <a:moveTo>
+                    <a:pt x="18" y="898"/>
+                  </a:moveTo>
+                  <a:lnTo>
+                    <a:pt x="0" y="898"/>
+                  </a:lnTo>
+                  <a:lnTo>
+                    <a:pt x="0" y="515"/>
+                  </a:lnTo>
+                  <a:lnTo>
+                    <a:pt x="3" y="512"/>
+                  </a:lnTo>
+                  <a:lnTo>
+                    <a:pt x="221" y="0"/>
+                  </a:lnTo>
+                  <a:lnTo>
+                    <a:pt x="236" y="6"/>
+                  </a:lnTo>
+                  <a:lnTo>
+                    <a:pt x="18" y="518"/>
+                  </a:lnTo>
+                  <a:lnTo>
+                    <a:pt x="18" y="898"/>
+                  </a:lnTo>
+                  <a:close/>
+                </a:path>
+              </a:pathLst>
+            </a:custGeom>
+            <a:grpFill/>
+            <a:ln>
+              <a:noFill/>
+            </a:ln>
+            <a:extLst>
+              <a:ext uri="{91240B29-F687-4f45-9708-019B960494DF}">
+                <a14:hiddenLine xmlns="" xmlns:a16="http://schemas.microsoft.com/office/drawing/2014/main" xmlns:p14="http://schemas.microsoft.com/office/powerpoint/2010/main" xmlns:a14="http://schemas.microsoft.com/office/drawing/2010/main" w="9525">
+                  <a:solidFill>
+                    <a:srgbClr val="000000"/>
+                  </a:solidFill>
+                  <a:round/>
+                  <a:headEnd/>
+                  <a:tailEnd/>
+                </a14:hiddenLine>
+              </a:ext>
+            </a:extLst>
+          </p:spPr>
+        </p:sp>
+        <p:sp>
+          <p:nvSpPr>
+            <p:cNvPr id="40" name="Freeform 27">
+              <a:extLst>
+                <a:ext uri="{FF2B5EF4-FFF2-40B4-BE49-F238E27FC236}">
+                  <a16:creationId xmlns:a16="http://schemas.microsoft.com/office/drawing/2014/main" id="{CD34643B-9DF2-4310-8868-48252C3393F0}"/>
+                </a:ext>
+                <a:ext uri="{C183D7F6-B498-43B3-948B-1728B52AA6E4}">
+                  <adec:decorative xmlns:adec="http://schemas.microsoft.com/office/drawing/2017/decorative" val="1"/>
+                </a:ext>
+              </a:extLst>
+            </p:cNvPr>
+            <p:cNvSpPr/>
+            <p:nvPr>
+              <p:extLst>
+                <p:ext uri="{386F3935-93C4-4BCD-93E2-E3B085C9AB24}">
+                  <p16:designElem xmlns:p16="http://schemas.microsoft.com/office/powerpoint/2015/main" val="1"/>
+                </p:ext>
+              </p:extLst>
+            </p:nvPr>
+          </p:nvSpPr>
+          <p:spPr bwMode="auto">
+            <a:xfrm>
+              <a:off x="569912" y="5945188"/>
+              <a:ext cx="152400" cy="912813"/>
+            </a:xfrm>
+            <a:custGeom>
+              <a:avLst/>
+              <a:gdLst/>
+              <a:ahLst/>
+              <a:cxnLst/>
+              <a:rect l="0" t="0" r="r" b="b"/>
+              <a:pathLst>
+                <a:path w="96" h="575">
+                  <a:moveTo>
+                    <a:pt x="15" y="575"/>
+                  </a:moveTo>
+                  <a:lnTo>
+                    <a:pt x="0" y="569"/>
+                  </a:lnTo>
+                  <a:lnTo>
+                    <a:pt x="81" y="383"/>
+                  </a:lnTo>
+                  <a:lnTo>
+                    <a:pt x="81" y="0"/>
+                  </a:lnTo>
+                  <a:lnTo>
+                    <a:pt x="96" y="0"/>
+                  </a:lnTo>
+                  <a:lnTo>
+                    <a:pt x="96" y="386"/>
+                  </a:lnTo>
+                  <a:lnTo>
+                    <a:pt x="15" y="575"/>
+                  </a:lnTo>
+                  <a:close/>
+                </a:path>
+              </a:pathLst>
+            </a:custGeom>
+            <a:grpFill/>
+            <a:ln>
+              <a:noFill/>
+            </a:ln>
+            <a:extLst>
+              <a:ext uri="{91240B29-F687-4f45-9708-019B960494DF}">
+                <a14:hiddenLine xmlns="" xmlns:a16="http://schemas.microsoft.com/office/drawing/2014/main" xmlns:p14="http://schemas.microsoft.com/office/powerpoint/2010/main" xmlns:a14="http://schemas.microsoft.com/office/drawing/2010/main" w="9525">
+                  <a:solidFill>
+                    <a:srgbClr val="000000"/>
+                  </a:solidFill>
+                  <a:round/>
+                  <a:headEnd/>
+                  <a:tailEnd/>
+                </a14:hiddenLine>
+              </a:ext>
+            </a:extLst>
+          </p:spPr>
+        </p:sp>
+        <p:sp>
+          <p:nvSpPr>
+            <p:cNvPr id="41" name="Freeform 28">
+              <a:extLst>
+                <a:ext uri="{FF2B5EF4-FFF2-40B4-BE49-F238E27FC236}">
+                  <a16:creationId xmlns:a16="http://schemas.microsoft.com/office/drawing/2014/main" id="{4E020C4E-AF64-44A8-B830-779541D8D549}"/>
+                </a:ext>
+                <a:ext uri="{C183D7F6-B498-43B3-948B-1728B52AA6E4}">
+                  <adec:decorative xmlns:adec="http://schemas.microsoft.com/office/drawing/2017/decorative" val="1"/>
+                </a:ext>
+              </a:extLst>
+            </p:cNvPr>
+            <p:cNvSpPr>
+              <a:spLocks noEditPoints="1"/>
+            </p:cNvSpPr>
+            <p:nvPr>
+              <p:extLst>
+                <p:ext uri="{386F3935-93C4-4BCD-93E2-E3B085C9AB24}">
+                  <p16:designElem xmlns:p16="http://schemas.microsoft.com/office/powerpoint/2015/main" val="1"/>
+                </p:ext>
+              </p:extLst>
+            </p:nvPr>
+          </p:nvSpPr>
+          <p:spPr bwMode="auto">
+            <a:xfrm>
+              <a:off x="612775" y="5246688"/>
+              <a:ext cx="190500" cy="190500"/>
+            </a:xfrm>
+            <a:custGeom>
+              <a:avLst/>
+              <a:gdLst/>
+              <a:ahLst/>
+              <a:cxnLst/>
+              <a:rect l="0" t="0" r="r" b="b"/>
+              <a:pathLst>
+                <a:path w="40" h="40">
+                  <a:moveTo>
+                    <a:pt x="20" y="40"/>
+                  </a:moveTo>
+                  <a:cubicBezTo>
+                    <a:pt x="9" y="40"/>
+                    <a:pt x="0" y="31"/>
+                    <a:pt x="0" y="20"/>
+                  </a:cubicBezTo>
+                  <a:cubicBezTo>
+                    <a:pt x="0" y="9"/>
+                    <a:pt x="9" y="0"/>
+                    <a:pt x="20" y="0"/>
+                  </a:cubicBezTo>
+                  <a:cubicBezTo>
+                    <a:pt x="31" y="0"/>
+                    <a:pt x="40" y="9"/>
+                    <a:pt x="40" y="20"/>
+                  </a:cubicBezTo>
+                  <a:cubicBezTo>
+                    <a:pt x="40" y="31"/>
+                    <a:pt x="31" y="40"/>
+                    <a:pt x="20" y="40"/>
+                  </a:cubicBezTo>
+                  <a:close/>
+                  <a:moveTo>
+                    <a:pt x="20" y="4"/>
+                  </a:moveTo>
+                  <a:cubicBezTo>
+                    <a:pt x="12" y="4"/>
+                    <a:pt x="4" y="11"/>
+                    <a:pt x="4" y="20"/>
+                  </a:cubicBezTo>
+                  <a:cubicBezTo>
+                    <a:pt x="4" y="29"/>
+                    <a:pt x="12" y="36"/>
+                    <a:pt x="20" y="36"/>
+                  </a:cubicBezTo>
+                  <a:cubicBezTo>
+                    <a:pt x="29" y="36"/>
+                    <a:pt x="36" y="29"/>
+                    <a:pt x="36" y="20"/>
+                  </a:cubicBezTo>
+                  <a:cubicBezTo>
+                    <a:pt x="36" y="11"/>
+                    <a:pt x="29" y="4"/>
+                    <a:pt x="20" y="4"/>
+                  </a:cubicBezTo>
+                  <a:close/>
+                </a:path>
+              </a:pathLst>
+            </a:custGeom>
+            <a:grpFill/>
+            <a:ln>
+              <a:noFill/>
+            </a:ln>
+            <a:extLst>
+              <a:ext uri="{91240B29-F687-4f45-9708-019B960494DF}">
+                <a14:hiddenLine xmlns="" xmlns:a16="http://schemas.microsoft.com/office/drawing/2014/main" xmlns:p14="http://schemas.microsoft.com/office/powerpoint/2010/main" xmlns:a14="http://schemas.microsoft.com/office/drawing/2010/main" w="9525">
+                  <a:solidFill>
+                    <a:srgbClr val="000000"/>
+                  </a:solidFill>
+                  <a:round/>
+                  <a:headEnd/>
+                  <a:tailEnd/>
+                </a14:hiddenLine>
+              </a:ext>
+            </a:extLst>
+          </p:spPr>
+        </p:sp>
+        <p:sp>
+          <p:nvSpPr>
+            <p:cNvPr id="42" name="Freeform 29">
+              <a:extLst>
+                <a:ext uri="{FF2B5EF4-FFF2-40B4-BE49-F238E27FC236}">
+                  <a16:creationId xmlns:a16="http://schemas.microsoft.com/office/drawing/2014/main" id="{D97BC3D3-B1B3-4825-9169-BBEF1DBCF055}"/>
+                </a:ext>
+                <a:ext uri="{C183D7F6-B498-43B3-948B-1728B52AA6E4}">
+                  <adec:decorative xmlns:adec="http://schemas.microsoft.com/office/drawing/2017/decorative" val="1"/>
+                </a:ext>
+              </a:extLst>
+            </p:cNvPr>
+            <p:cNvSpPr>
+              <a:spLocks noEditPoints="1"/>
+            </p:cNvSpPr>
+            <p:nvPr>
+              <p:extLst>
+                <p:ext uri="{386F3935-93C4-4BCD-93E2-E3B085C9AB24}">
+                  <p16:designElem xmlns:p16="http://schemas.microsoft.com/office/powerpoint/2015/main" val="1"/>
+                </p:ext>
+              </p:extLst>
+            </p:nvPr>
+          </p:nvSpPr>
+          <p:spPr bwMode="auto">
+            <a:xfrm>
+              <a:off x="612775" y="5764213"/>
+              <a:ext cx="190500" cy="190500"/>
+            </a:xfrm>
+            <a:custGeom>
+              <a:avLst/>
+              <a:gdLst/>
+              <a:ahLst/>
+              <a:cxnLst/>
+              <a:rect l="0" t="0" r="r" b="b"/>
+              <a:pathLst>
+                <a:path w="40" h="40">
+                  <a:moveTo>
+                    <a:pt x="20" y="40"/>
+                  </a:moveTo>
+                  <a:cubicBezTo>
+                    <a:pt x="9" y="40"/>
+                    <a:pt x="0" y="31"/>
+                    <a:pt x="0" y="20"/>
+                  </a:cubicBezTo>
+                  <a:cubicBezTo>
+                    <a:pt x="0" y="9"/>
+                    <a:pt x="9" y="0"/>
+                    <a:pt x="20" y="0"/>
+                  </a:cubicBezTo>
+                  <a:cubicBezTo>
+                    <a:pt x="31" y="0"/>
+                    <a:pt x="40" y="9"/>
+                    <a:pt x="40" y="20"/>
+                  </a:cubicBezTo>
+                  <a:cubicBezTo>
+                    <a:pt x="40" y="31"/>
+                    <a:pt x="31" y="40"/>
+                    <a:pt x="20" y="40"/>
+                  </a:cubicBezTo>
+                  <a:close/>
+                  <a:moveTo>
+                    <a:pt x="20" y="4"/>
+                  </a:moveTo>
+                  <a:cubicBezTo>
+                    <a:pt x="12" y="4"/>
+                    <a:pt x="4" y="11"/>
+                    <a:pt x="4" y="20"/>
+                  </a:cubicBezTo>
+                  <a:cubicBezTo>
+                    <a:pt x="4" y="29"/>
+                    <a:pt x="12" y="36"/>
+                    <a:pt x="20" y="36"/>
+                  </a:cubicBezTo>
+                  <a:cubicBezTo>
+                    <a:pt x="29" y="36"/>
+                    <a:pt x="36" y="29"/>
+                    <a:pt x="36" y="20"/>
+                  </a:cubicBezTo>
+                  <a:cubicBezTo>
+                    <a:pt x="36" y="11"/>
+                    <a:pt x="29" y="4"/>
+                    <a:pt x="20" y="4"/>
+                  </a:cubicBezTo>
+                  <a:close/>
+                </a:path>
+              </a:pathLst>
+            </a:custGeom>
+            <a:grpFill/>
+            <a:ln>
+              <a:noFill/>
+            </a:ln>
+            <a:extLst>
+              <a:ext uri="{91240B29-F687-4f45-9708-019B960494DF}">
+                <a14:hiddenLine xmlns="" xmlns:a16="http://schemas.microsoft.com/office/drawing/2014/main" xmlns:p14="http://schemas.microsoft.com/office/powerpoint/2010/main" xmlns:a14="http://schemas.microsoft.com/office/drawing/2010/main" w="9525">
+                  <a:solidFill>
+                    <a:srgbClr val="000000"/>
+                  </a:solidFill>
+                  <a:round/>
+                  <a:headEnd/>
+                  <a:tailEnd/>
+                </a14:hiddenLine>
+              </a:ext>
+            </a:extLst>
+          </p:spPr>
+        </p:sp>
+        <p:sp>
+          <p:nvSpPr>
+            <p:cNvPr id="43" name="Freeform 30">
+              <a:extLst>
+                <a:ext uri="{FF2B5EF4-FFF2-40B4-BE49-F238E27FC236}">
+                  <a16:creationId xmlns:a16="http://schemas.microsoft.com/office/drawing/2014/main" id="{A750DC4F-1DAF-470E-98C6-6C68DEB93363}"/>
+                </a:ext>
+                <a:ext uri="{C183D7F6-B498-43B3-948B-1728B52AA6E4}">
+                  <adec:decorative xmlns:adec="http://schemas.microsoft.com/office/drawing/2017/decorative" val="1"/>
+                </a:ext>
+              </a:extLst>
+            </p:cNvPr>
+            <p:cNvSpPr/>
+            <p:nvPr>
+              <p:extLst>
+                <p:ext uri="{386F3935-93C4-4BCD-93E2-E3B085C9AB24}">
+                  <p16:designElem xmlns:p16="http://schemas.microsoft.com/office/powerpoint/2015/main" val="1"/>
+                </p:ext>
+              </p:extLst>
+            </p:nvPr>
+          </p:nvSpPr>
+          <p:spPr bwMode="auto">
+            <a:xfrm>
+              <a:off x="669925" y="6330950"/>
+              <a:ext cx="417513" cy="517525"/>
+            </a:xfrm>
+            <a:custGeom>
+              <a:avLst/>
+              <a:gdLst/>
+              <a:ahLst/>
+              <a:cxnLst/>
+              <a:rect l="0" t="0" r="r" b="b"/>
+              <a:pathLst>
+                <a:path w="263" h="326">
+                  <a:moveTo>
+                    <a:pt x="15" y="326"/>
+                  </a:moveTo>
+                  <a:lnTo>
+                    <a:pt x="0" y="320"/>
+                  </a:lnTo>
+                  <a:lnTo>
+                    <a:pt x="45" y="206"/>
+                  </a:lnTo>
+                  <a:lnTo>
+                    <a:pt x="48" y="206"/>
+                  </a:lnTo>
+                  <a:lnTo>
+                    <a:pt x="254" y="0"/>
+                  </a:lnTo>
+                  <a:lnTo>
+                    <a:pt x="263" y="12"/>
+                  </a:lnTo>
+                  <a:lnTo>
+                    <a:pt x="60" y="215"/>
+                  </a:lnTo>
+                  <a:lnTo>
+                    <a:pt x="15" y="326"/>
+                  </a:lnTo>
+                  <a:close/>
+                </a:path>
+              </a:pathLst>
+            </a:custGeom>
+            <a:grpFill/>
+            <a:ln>
+              <a:noFill/>
+            </a:ln>
+            <a:extLst>
+              <a:ext uri="{91240B29-F687-4f45-9708-019B960494DF}">
+                <a14:hiddenLine xmlns="" xmlns:a16="http://schemas.microsoft.com/office/drawing/2014/main" xmlns:p14="http://schemas.microsoft.com/office/powerpoint/2010/main" xmlns:a14="http://schemas.microsoft.com/office/drawing/2010/main" w="9525">
+                  <a:solidFill>
+                    <a:srgbClr val="000000"/>
+                  </a:solidFill>
+                  <a:round/>
+                  <a:headEnd/>
+                  <a:tailEnd/>
+                </a14:hiddenLine>
+              </a:ext>
+            </a:extLst>
+          </p:spPr>
+        </p:sp>
+        <p:sp>
+          <p:nvSpPr>
+            <p:cNvPr id="44" name="Freeform 31">
+              <a:extLst>
+                <a:ext uri="{FF2B5EF4-FFF2-40B4-BE49-F238E27FC236}">
+                  <a16:creationId xmlns:a16="http://schemas.microsoft.com/office/drawing/2014/main" id="{2F99594A-5BBD-4E10-A818-8BE52B7D952C}"/>
+                </a:ext>
+                <a:ext uri="{C183D7F6-B498-43B3-948B-1728B52AA6E4}">
+                  <adec:decorative xmlns:adec="http://schemas.microsoft.com/office/drawing/2017/decorative" val="1"/>
+                </a:ext>
+              </a:extLst>
+            </p:cNvPr>
+            <p:cNvSpPr>
+              <a:spLocks noEditPoints="1"/>
+            </p:cNvSpPr>
+            <p:nvPr>
+              <p:extLst>
+                <p:ext uri="{386F3935-93C4-4BCD-93E2-E3B085C9AB24}">
+                  <p16:designElem xmlns:p16="http://schemas.microsoft.com/office/powerpoint/2015/main" val="1"/>
+                </p:ext>
+              </p:extLst>
+            </p:nvPr>
+          </p:nvSpPr>
+          <p:spPr bwMode="auto">
+            <a:xfrm>
+              <a:off x="1049337" y="6221413"/>
+              <a:ext cx="157163" cy="147638"/>
+            </a:xfrm>
+            <a:custGeom>
+              <a:avLst/>
+              <a:gdLst/>
+              <a:ahLst/>
+              <a:cxnLst/>
+              <a:rect l="0" t="0" r="r" b="b"/>
+              <a:pathLst>
+                <a:path w="33" h="31">
+                  <a:moveTo>
+                    <a:pt x="16" y="31"/>
+                  </a:moveTo>
+                  <a:cubicBezTo>
+                    <a:pt x="12" y="31"/>
+                    <a:pt x="8" y="29"/>
+                    <a:pt x="5" y="26"/>
+                  </a:cubicBezTo>
+                  <a:cubicBezTo>
+                    <a:pt x="2" y="24"/>
+                    <a:pt x="0" y="20"/>
+                    <a:pt x="0" y="15"/>
+                  </a:cubicBezTo>
+                  <a:cubicBezTo>
+                    <a:pt x="0" y="11"/>
+                    <a:pt x="2" y="7"/>
+                    <a:pt x="5" y="4"/>
+                  </a:cubicBezTo>
+                  <a:cubicBezTo>
+                    <a:pt x="8" y="1"/>
+                    <a:pt x="12" y="0"/>
+                    <a:pt x="16" y="0"/>
+                  </a:cubicBezTo>
+                  <a:cubicBezTo>
+                    <a:pt x="20" y="0"/>
+                    <a:pt x="24" y="1"/>
+                    <a:pt x="27" y="4"/>
+                  </a:cubicBezTo>
+                  <a:cubicBezTo>
+                    <a:pt x="33" y="10"/>
+                    <a:pt x="33" y="20"/>
+                    <a:pt x="27" y="26"/>
+                  </a:cubicBezTo>
+                  <a:cubicBezTo>
+                    <a:pt x="24" y="29"/>
+                    <a:pt x="20" y="31"/>
+                    <a:pt x="16" y="31"/>
+                  </a:cubicBezTo>
+                  <a:close/>
+                  <a:moveTo>
+                    <a:pt x="16" y="4"/>
+                  </a:moveTo>
+                  <a:cubicBezTo>
+                    <a:pt x="13" y="4"/>
+                    <a:pt x="10" y="5"/>
+                    <a:pt x="8" y="7"/>
+                  </a:cubicBezTo>
+                  <a:cubicBezTo>
+                    <a:pt x="6" y="9"/>
+                    <a:pt x="4" y="12"/>
+                    <a:pt x="4" y="15"/>
+                  </a:cubicBezTo>
+                  <a:cubicBezTo>
+                    <a:pt x="4" y="19"/>
+                    <a:pt x="6" y="21"/>
+                    <a:pt x="8" y="24"/>
+                  </a:cubicBezTo>
+                  <a:cubicBezTo>
+                    <a:pt x="10" y="26"/>
+                    <a:pt x="13" y="27"/>
+                    <a:pt x="16" y="27"/>
+                  </a:cubicBezTo>
+                  <a:cubicBezTo>
+                    <a:pt x="19" y="27"/>
+                    <a:pt x="22" y="26"/>
+                    <a:pt x="24" y="24"/>
+                  </a:cubicBezTo>
+                  <a:cubicBezTo>
+                    <a:pt x="29" y="19"/>
+                    <a:pt x="29" y="12"/>
+                    <a:pt x="24" y="7"/>
+                  </a:cubicBezTo>
+                  <a:cubicBezTo>
+                    <a:pt x="22" y="5"/>
+                    <a:pt x="19" y="4"/>
+                    <a:pt x="16" y="4"/>
+                  </a:cubicBezTo>
+                  <a:close/>
+                </a:path>
+              </a:pathLst>
+            </a:custGeom>
+            <a:grpFill/>
+            <a:ln>
+              <a:noFill/>
+            </a:ln>
+            <a:extLst>
+              <a:ext uri="{91240B29-F687-4f45-9708-019B960494DF}">
+                <a14:hiddenLine xmlns="" xmlns:a16="http://schemas.microsoft.com/office/drawing/2014/main" xmlns:p14="http://schemas.microsoft.com/office/powerpoint/2010/main" xmlns:a14="http://schemas.microsoft.com/office/drawing/2010/main" w="9525">
+                  <a:solidFill>
+                    <a:srgbClr val="000000"/>
+                  </a:solidFill>
+                  <a:round/>
+                  <a:headEnd/>
+                  <a:tailEnd/>
+                </a14:hiddenLine>
+              </a:ext>
+            </a:extLst>
+          </p:spPr>
+        </p:sp>
+      </p:grpSp>
       <p:sp>
         <p:nvSpPr>
-          <p:cNvPr id="3" name="Content Placeholder 2">
+          <p:cNvPr id="6" name="Content Placeholder 5">
             <a:extLst>
               <a:ext uri="{FF2B5EF4-FFF2-40B4-BE49-F238E27FC236}">
-                <a16:creationId xmlns:a16="http://schemas.microsoft.com/office/drawing/2014/main" id="{3D405829-EE2F-4423-8ACC-A11A980C2491}"/>
+                <a16:creationId xmlns:a16="http://schemas.microsoft.com/office/drawing/2014/main" id="{7D9172FE-F19C-42F5-97B9-657243C44CB4}"/>
               </a:ext>
             </a:extLst>
           </p:cNvPr>
@@ -13530,99 +19327,22 @@
         </p:nvSpPr>
         <p:spPr>
           <a:xfrm>
-            <a:off x="1141412" y="2249486"/>
-            <a:ext cx="9905999" cy="4479787"/>
+            <a:off x="1141412" y="2249487"/>
+            <a:ext cx="4929187" cy="3541714"/>
           </a:xfrm>
         </p:spPr>
         <p:txBody>
           <a:bodyPr>
-            <a:normAutofit fontScale="70000" lnSpcReduction="20000"/>
+            <a:normAutofit lnSpcReduction="10000"/>
           </a:bodyPr>
           <a:lstStyle/>
           <a:p>
-            <a:pPr algn="ctr"/>
-            <a:r>
-              <a:rPr lang="en-IE" dirty="0" err="1"/>
-              <a:t>Axios</a:t>
-            </a:r>
-            <a:endParaRPr lang="en-IE" dirty="0"/>
-          </a:p>
-          <a:p>
-            <a:pPr algn="ctr"/>
-            <a:r>
-              <a:rPr lang="en-IE" dirty="0" err="1"/>
-              <a:t>Classnames</a:t>
-            </a:r>
-            <a:endParaRPr lang="en-IE" dirty="0"/>
-          </a:p>
-          <a:p>
-            <a:pPr algn="ctr"/>
-            <a:r>
-              <a:rPr lang="en-IE" dirty="0" err="1"/>
-              <a:t>Formdata</a:t>
-            </a:r>
-            <a:endParaRPr lang="en-IE" dirty="0"/>
-          </a:p>
-          <a:p>
-            <a:pPr algn="ctr"/>
-            <a:r>
-              <a:rPr lang="en-IE" dirty="0" err="1"/>
-              <a:t>Jwt</a:t>
-            </a:r>
+            <a:pPr marL="0" indent="0">
+              <a:buNone/>
+            </a:pPr>
             <a:r>
               <a:rPr lang="en-IE" dirty="0"/>
-              <a:t>-decode</a:t>
-            </a:r>
-          </a:p>
-          <a:p>
-            <a:pPr algn="ctr"/>
-            <a:r>
-              <a:rPr lang="en-IE" dirty="0" err="1"/>
-              <a:t>Multer</a:t>
-            </a:r>
-            <a:endParaRPr lang="en-IE" dirty="0"/>
-          </a:p>
-          <a:p>
-            <a:pPr algn="ctr"/>
-            <a:r>
-              <a:rPr lang="en-IE" dirty="0"/>
-              <a:t>React-Redux</a:t>
-            </a:r>
-          </a:p>
-          <a:p>
-            <a:pPr algn="ctr"/>
-            <a:r>
-              <a:rPr lang="en-IE" dirty="0" err="1"/>
-              <a:t>Bcryptjs</a:t>
-            </a:r>
-            <a:endParaRPr lang="en-IE" dirty="0"/>
-          </a:p>
-          <a:p>
-            <a:pPr algn="ctr"/>
-            <a:r>
-              <a:rPr lang="en-IE" dirty="0"/>
-              <a:t>Body-parser</a:t>
-            </a:r>
-          </a:p>
-          <a:p>
-            <a:pPr algn="ctr"/>
-            <a:r>
-              <a:rPr lang="en-IE" dirty="0"/>
-              <a:t>Concurrently</a:t>
-            </a:r>
-          </a:p>
-          <a:p>
-            <a:pPr algn="ctr"/>
-            <a:r>
-              <a:rPr lang="en-IE" dirty="0"/>
-              <a:t>Passport</a:t>
-            </a:r>
-          </a:p>
-          <a:p>
-            <a:pPr algn="ctr"/>
-            <a:r>
-              <a:rPr lang="en-IE" dirty="0"/>
-              <a:t>Validator </a:t>
+              <a:t>A function component is the simplest form of a React component. It is a simple function with a simple contract. The function component receives an object of properties which is usually named props. It returns what looks like HTML, but is really a special JavaScript syntax called JSX</a:t>
             </a:r>
           </a:p>
         </p:txBody>
@@ -13630,7 +19350,7 @@
     </p:spTree>
     <p:extLst>
       <p:ext uri="{BB962C8B-B14F-4D97-AF65-F5344CB8AC3E}">
-        <p14:creationId xmlns:p14="http://schemas.microsoft.com/office/powerpoint/2010/main" val="299860627"/>
+        <p14:creationId xmlns:p14="http://schemas.microsoft.com/office/powerpoint/2010/main" val="3963513841"/>
       </p:ext>
     </p:extLst>
   </p:cSld>
